--- a/MSOffice.pptx
+++ b/MSOffice.pptx
@@ -6,6 +6,12 @@
   </p:sldMasterIdLst>
   <p:sldIdLst>
     <p:sldId id="256" r:id="rId2"/>
+    <p:sldId id="257" r:id="rId3"/>
+    <p:sldId id="258" r:id="rId4"/>
+    <p:sldId id="259" r:id="rId5"/>
+    <p:sldId id="260" r:id="rId6"/>
+    <p:sldId id="261" r:id="rId7"/>
+    <p:sldId id="262" r:id="rId8"/>
   </p:sldIdLst>
   <p:sldSz cx="12192000" cy="6858000"/>
   <p:notesSz cx="6858000" cy="9144000"/>
@@ -173,7 +179,7 @@
           <a:noFill/>
           <a:extLst>
             <a:ext uri="{909E8E84-426E-40dd-AFC4-6F175D3DCCD1}">
-              <a14:hiddenFill xmlns:a14="http://schemas.microsoft.com/office/drawing/2010/main" xmlns="">
+              <a14:hiddenFill xmlns="" xmlns:a14="http://schemas.microsoft.com/office/drawing/2010/main">
                 <a:solidFill>
                   <a:srgbClr val="FFFFFF"/>
                 </a:solidFill>
@@ -233,7 +239,7 @@
             </a:ln>
             <a:extLst>
               <a:ext uri="{91240B29-F687-4f45-9708-019B960494DF}">
-                <a14:hiddenLine xmlns:a14="http://schemas.microsoft.com/office/drawing/2010/main" xmlns="" w="9525">
+                <a14:hiddenLine xmlns="" xmlns:a14="http://schemas.microsoft.com/office/drawing/2010/main" w="9525">
                   <a:solidFill>
                     <a:srgbClr val="000000"/>
                   </a:solidFill>
@@ -323,7 +329,7 @@
             </a:ln>
             <a:extLst>
               <a:ext uri="{91240B29-F687-4f45-9708-019B960494DF}">
-                <a14:hiddenLine xmlns:a14="http://schemas.microsoft.com/office/drawing/2010/main" xmlns="" w="9525">
+                <a14:hiddenLine xmlns="" xmlns:a14="http://schemas.microsoft.com/office/drawing/2010/main" w="9525">
                   <a:solidFill>
                     <a:srgbClr val="000000"/>
                   </a:solidFill>
@@ -413,7 +419,7 @@
             </a:ln>
             <a:extLst>
               <a:ext uri="{91240B29-F687-4f45-9708-019B960494DF}">
-                <a14:hiddenLine xmlns:a14="http://schemas.microsoft.com/office/drawing/2010/main" xmlns="" w="9525">
+                <a14:hiddenLine xmlns="" xmlns:a14="http://schemas.microsoft.com/office/drawing/2010/main" w="9525">
                   <a:solidFill>
                     <a:srgbClr val="000000"/>
                   </a:solidFill>
@@ -447,7 +453,7 @@
             </a:ln>
             <a:extLst>
               <a:ext uri="{91240B29-F687-4f45-9708-019B960494DF}">
-                <a14:hiddenLine xmlns:a14="http://schemas.microsoft.com/office/drawing/2010/main" xmlns="" w="9525">
+                <a14:hiddenLine xmlns="" xmlns:a14="http://schemas.microsoft.com/office/drawing/2010/main" w="9525">
                   <a:solidFill>
                     <a:srgbClr val="000000"/>
                   </a:solidFill>
@@ -537,7 +543,7 @@
             </a:ln>
             <a:extLst>
               <a:ext uri="{91240B29-F687-4f45-9708-019B960494DF}">
-                <a14:hiddenLine xmlns:a14="http://schemas.microsoft.com/office/drawing/2010/main" xmlns="" w="9525">
+                <a14:hiddenLine xmlns="" xmlns:a14="http://schemas.microsoft.com/office/drawing/2010/main" w="9525">
                   <a:solidFill>
                     <a:srgbClr val="000000"/>
                   </a:solidFill>
@@ -599,7 +605,7 @@
             </a:ln>
             <a:extLst>
               <a:ext uri="{91240B29-F687-4f45-9708-019B960494DF}">
-                <a14:hiddenLine xmlns:a14="http://schemas.microsoft.com/office/drawing/2010/main" xmlns="" w="9525">
+                <a14:hiddenLine xmlns="" xmlns:a14="http://schemas.microsoft.com/office/drawing/2010/main" w="9525">
                   <a:solidFill>
                     <a:srgbClr val="000000"/>
                   </a:solidFill>
@@ -661,7 +667,7 @@
             </a:ln>
             <a:extLst>
               <a:ext uri="{91240B29-F687-4f45-9708-019B960494DF}">
-                <a14:hiddenLine xmlns:a14="http://schemas.microsoft.com/office/drawing/2010/main" xmlns="" w="9525">
+                <a14:hiddenLine xmlns="" xmlns:a14="http://schemas.microsoft.com/office/drawing/2010/main" w="9525">
                   <a:solidFill>
                     <a:srgbClr val="000000"/>
                   </a:solidFill>
@@ -751,7 +757,7 @@
             </a:ln>
             <a:extLst>
               <a:ext uri="{91240B29-F687-4f45-9708-019B960494DF}">
-                <a14:hiddenLine xmlns:a14="http://schemas.microsoft.com/office/drawing/2010/main" xmlns="" w="9525">
+                <a14:hiddenLine xmlns="" xmlns:a14="http://schemas.microsoft.com/office/drawing/2010/main" w="9525">
                   <a:solidFill>
                     <a:srgbClr val="000000"/>
                   </a:solidFill>
@@ -813,7 +819,7 @@
             </a:ln>
             <a:extLst>
               <a:ext uri="{91240B29-F687-4f45-9708-019B960494DF}">
-                <a14:hiddenLine xmlns:a14="http://schemas.microsoft.com/office/drawing/2010/main" xmlns="" w="9525">
+                <a14:hiddenLine xmlns="" xmlns:a14="http://schemas.microsoft.com/office/drawing/2010/main" w="9525">
                   <a:solidFill>
                     <a:srgbClr val="000000"/>
                   </a:solidFill>
@@ -875,7 +881,7 @@
             </a:ln>
             <a:extLst>
               <a:ext uri="{91240B29-F687-4f45-9708-019B960494DF}">
-                <a14:hiddenLine xmlns:a14="http://schemas.microsoft.com/office/drawing/2010/main" xmlns="" w="9525">
+                <a14:hiddenLine xmlns="" xmlns:a14="http://schemas.microsoft.com/office/drawing/2010/main" w="9525">
                   <a:solidFill>
                     <a:srgbClr val="000000"/>
                   </a:solidFill>
@@ -965,7 +971,7 @@
             </a:ln>
             <a:extLst>
               <a:ext uri="{91240B29-F687-4f45-9708-019B960494DF}">
-                <a14:hiddenLine xmlns:a14="http://schemas.microsoft.com/office/drawing/2010/main" xmlns="" w="9525">
+                <a14:hiddenLine xmlns="" xmlns:a14="http://schemas.microsoft.com/office/drawing/2010/main" w="9525">
                   <a:solidFill>
                     <a:srgbClr val="000000"/>
                   </a:solidFill>
@@ -1055,7 +1061,7 @@
             </a:ln>
             <a:extLst>
               <a:ext uri="{91240B29-F687-4f45-9708-019B960494DF}">
-                <a14:hiddenLine xmlns:a14="http://schemas.microsoft.com/office/drawing/2010/main" xmlns="" w="9525">
+                <a14:hiddenLine xmlns="" xmlns:a14="http://schemas.microsoft.com/office/drawing/2010/main" w="9525">
                   <a:solidFill>
                     <a:srgbClr val="000000"/>
                   </a:solidFill>
@@ -1117,7 +1123,7 @@
             </a:ln>
             <a:extLst>
               <a:ext uri="{91240B29-F687-4f45-9708-019B960494DF}">
-                <a14:hiddenLine xmlns:a14="http://schemas.microsoft.com/office/drawing/2010/main" xmlns="" w="9525">
+                <a14:hiddenLine xmlns="" xmlns:a14="http://schemas.microsoft.com/office/drawing/2010/main" w="9525">
                   <a:solidFill>
                     <a:srgbClr val="000000"/>
                   </a:solidFill>
@@ -1227,7 +1233,7 @@
             </a:ln>
             <a:extLst>
               <a:ext uri="{91240B29-F687-4f45-9708-019B960494DF}">
-                <a14:hiddenLine xmlns:a14="http://schemas.microsoft.com/office/drawing/2010/main" xmlns="" w="9525">
+                <a14:hiddenLine xmlns="" xmlns:a14="http://schemas.microsoft.com/office/drawing/2010/main" w="9525">
                   <a:solidFill>
                     <a:srgbClr val="000000"/>
                   </a:solidFill>
@@ -1289,7 +1295,7 @@
             </a:ln>
             <a:extLst>
               <a:ext uri="{91240B29-F687-4f45-9708-019B960494DF}">
-                <a14:hiddenLine xmlns:a14="http://schemas.microsoft.com/office/drawing/2010/main" xmlns="" w="9525">
+                <a14:hiddenLine xmlns="" xmlns:a14="http://schemas.microsoft.com/office/drawing/2010/main" w="9525">
                   <a:solidFill>
                     <a:srgbClr val="000000"/>
                   </a:solidFill>
@@ -1379,7 +1385,7 @@
             </a:ln>
             <a:extLst>
               <a:ext uri="{91240B29-F687-4f45-9708-019B960494DF}">
-                <a14:hiddenLine xmlns:a14="http://schemas.microsoft.com/office/drawing/2010/main" xmlns="" w="9525">
+                <a14:hiddenLine xmlns="" xmlns:a14="http://schemas.microsoft.com/office/drawing/2010/main" w="9525">
                   <a:solidFill>
                     <a:srgbClr val="000000"/>
                   </a:solidFill>
@@ -1469,7 +1475,7 @@
             </a:ln>
             <a:extLst>
               <a:ext uri="{91240B29-F687-4f45-9708-019B960494DF}">
-                <a14:hiddenLine xmlns:a14="http://schemas.microsoft.com/office/drawing/2010/main" xmlns="" w="9525">
+                <a14:hiddenLine xmlns="" xmlns:a14="http://schemas.microsoft.com/office/drawing/2010/main" w="9525">
                   <a:solidFill>
                     <a:srgbClr val="000000"/>
                   </a:solidFill>
@@ -1531,7 +1537,7 @@
             </a:ln>
             <a:extLst>
               <a:ext uri="{91240B29-F687-4f45-9708-019B960494DF}">
-                <a14:hiddenLine xmlns:a14="http://schemas.microsoft.com/office/drawing/2010/main" xmlns="" w="9525">
+                <a14:hiddenLine xmlns="" xmlns:a14="http://schemas.microsoft.com/office/drawing/2010/main" w="9525">
                   <a:solidFill>
                     <a:srgbClr val="000000"/>
                   </a:solidFill>
@@ -1621,7 +1627,7 @@
             </a:ln>
             <a:extLst>
               <a:ext uri="{91240B29-F687-4f45-9708-019B960494DF}">
-                <a14:hiddenLine xmlns:a14="http://schemas.microsoft.com/office/drawing/2010/main" xmlns="" w="9525">
+                <a14:hiddenLine xmlns="" xmlns:a14="http://schemas.microsoft.com/office/drawing/2010/main" w="9525">
                   <a:solidFill>
                     <a:srgbClr val="000000"/>
                   </a:solidFill>
@@ -1711,7 +1717,7 @@
             </a:ln>
             <a:extLst>
               <a:ext uri="{91240B29-F687-4f45-9708-019B960494DF}">
-                <a14:hiddenLine xmlns:a14="http://schemas.microsoft.com/office/drawing/2010/main" xmlns="" w="9525">
+                <a14:hiddenLine xmlns="" xmlns:a14="http://schemas.microsoft.com/office/drawing/2010/main" w="9525">
                   <a:solidFill>
                     <a:srgbClr val="000000"/>
                   </a:solidFill>
@@ -1767,7 +1773,7 @@
             </a:ln>
             <a:extLst>
               <a:ext uri="{91240B29-F687-4f45-9708-019B960494DF}">
-                <a14:hiddenLine xmlns:a14="http://schemas.microsoft.com/office/drawing/2010/main" xmlns="" w="9525">
+                <a14:hiddenLine xmlns="" xmlns:a14="http://schemas.microsoft.com/office/drawing/2010/main" w="9525">
                   <a:solidFill>
                     <a:srgbClr val="000000"/>
                   </a:solidFill>
@@ -1857,7 +1863,7 @@
             </a:ln>
             <a:extLst>
               <a:ext uri="{91240B29-F687-4f45-9708-019B960494DF}">
-                <a14:hiddenLine xmlns:a14="http://schemas.microsoft.com/office/drawing/2010/main" xmlns="" w="9525">
+                <a14:hiddenLine xmlns="" xmlns:a14="http://schemas.microsoft.com/office/drawing/2010/main" w="9525">
                   <a:solidFill>
                     <a:srgbClr val="000000"/>
                   </a:solidFill>
@@ -1913,7 +1919,7 @@
             </a:ln>
             <a:extLst>
               <a:ext uri="{91240B29-F687-4f45-9708-019B960494DF}">
-                <a14:hiddenLine xmlns:a14="http://schemas.microsoft.com/office/drawing/2010/main" xmlns="" w="9525">
+                <a14:hiddenLine xmlns="" xmlns:a14="http://schemas.microsoft.com/office/drawing/2010/main" w="9525">
                   <a:solidFill>
                     <a:srgbClr val="000000"/>
                   </a:solidFill>
@@ -2003,7 +2009,7 @@
             </a:ln>
             <a:extLst>
               <a:ext uri="{91240B29-F687-4f45-9708-019B960494DF}">
-                <a14:hiddenLine xmlns:a14="http://schemas.microsoft.com/office/drawing/2010/main" xmlns="" w="9525">
+                <a14:hiddenLine xmlns="" xmlns:a14="http://schemas.microsoft.com/office/drawing/2010/main" w="9525">
                   <a:solidFill>
                     <a:srgbClr val="000000"/>
                   </a:solidFill>
@@ -2071,7 +2077,7 @@
             </a:ln>
             <a:extLst>
               <a:ext uri="{91240B29-F687-4f45-9708-019B960494DF}">
-                <a14:hiddenLine xmlns:a14="http://schemas.microsoft.com/office/drawing/2010/main" xmlns="" w="9525">
+                <a14:hiddenLine xmlns="" xmlns:a14="http://schemas.microsoft.com/office/drawing/2010/main" w="9525">
                   <a:solidFill>
                     <a:srgbClr val="000000"/>
                   </a:solidFill>
@@ -2161,7 +2167,7 @@
             </a:ln>
             <a:extLst>
               <a:ext uri="{91240B29-F687-4f45-9708-019B960494DF}">
-                <a14:hiddenLine xmlns:a14="http://schemas.microsoft.com/office/drawing/2010/main" xmlns="" w="9525">
+                <a14:hiddenLine xmlns="" xmlns:a14="http://schemas.microsoft.com/office/drawing/2010/main" w="9525">
                   <a:solidFill>
                     <a:srgbClr val="000000"/>
                   </a:solidFill>
@@ -2229,7 +2235,7 @@
             </a:ln>
             <a:extLst>
               <a:ext uri="{91240B29-F687-4f45-9708-019B960494DF}">
-                <a14:hiddenLine xmlns:a14="http://schemas.microsoft.com/office/drawing/2010/main" xmlns="" w="9525">
+                <a14:hiddenLine xmlns="" xmlns:a14="http://schemas.microsoft.com/office/drawing/2010/main" w="9525">
                   <a:solidFill>
                     <a:srgbClr val="000000"/>
                   </a:solidFill>
@@ -2319,7 +2325,7 @@
             </a:ln>
             <a:extLst>
               <a:ext uri="{91240B29-F687-4f45-9708-019B960494DF}">
-                <a14:hiddenLine xmlns:a14="http://schemas.microsoft.com/office/drawing/2010/main" xmlns="" w="9525">
+                <a14:hiddenLine xmlns="" xmlns:a14="http://schemas.microsoft.com/office/drawing/2010/main" w="9525">
                   <a:solidFill>
                     <a:srgbClr val="000000"/>
                   </a:solidFill>
@@ -2353,7 +2359,7 @@
             </a:ln>
             <a:extLst>
               <a:ext uri="{91240B29-F687-4f45-9708-019B960494DF}">
-                <a14:hiddenLine xmlns:a14="http://schemas.microsoft.com/office/drawing/2010/main" xmlns="" w="9525">
+                <a14:hiddenLine xmlns="" xmlns:a14="http://schemas.microsoft.com/office/drawing/2010/main" w="9525">
                   <a:solidFill>
                     <a:srgbClr val="000000"/>
                   </a:solidFill>
@@ -2443,7 +2449,7 @@
             </a:ln>
             <a:extLst>
               <a:ext uri="{91240B29-F687-4f45-9708-019B960494DF}">
-                <a14:hiddenLine xmlns:a14="http://schemas.microsoft.com/office/drawing/2010/main" xmlns="" w="9525">
+                <a14:hiddenLine xmlns="" xmlns:a14="http://schemas.microsoft.com/office/drawing/2010/main" w="9525">
                   <a:solidFill>
                     <a:srgbClr val="000000"/>
                   </a:solidFill>
@@ -2505,7 +2511,7 @@
             </a:ln>
             <a:extLst>
               <a:ext uri="{91240B29-F687-4f45-9708-019B960494DF}">
-                <a14:hiddenLine xmlns:a14="http://schemas.microsoft.com/office/drawing/2010/main" xmlns="" w="9525">
+                <a14:hiddenLine xmlns="" xmlns:a14="http://schemas.microsoft.com/office/drawing/2010/main" w="9525">
                   <a:solidFill>
                     <a:srgbClr val="000000"/>
                   </a:solidFill>
@@ -2567,7 +2573,7 @@
             </a:ln>
             <a:extLst>
               <a:ext uri="{91240B29-F687-4f45-9708-019B960494DF}">
-                <a14:hiddenLine xmlns:a14="http://schemas.microsoft.com/office/drawing/2010/main" xmlns="" w="9525">
+                <a14:hiddenLine xmlns="" xmlns:a14="http://schemas.microsoft.com/office/drawing/2010/main" w="9525">
                   <a:solidFill>
                     <a:srgbClr val="000000"/>
                   </a:solidFill>
@@ -2657,7 +2663,7 @@
             </a:ln>
             <a:extLst>
               <a:ext uri="{91240B29-F687-4f45-9708-019B960494DF}">
-                <a14:hiddenLine xmlns:a14="http://schemas.microsoft.com/office/drawing/2010/main" xmlns="" w="9525">
+                <a14:hiddenLine xmlns="" xmlns:a14="http://schemas.microsoft.com/office/drawing/2010/main" w="9525">
                   <a:solidFill>
                     <a:srgbClr val="000000"/>
                   </a:solidFill>
@@ -2725,7 +2731,7 @@
             </a:ln>
             <a:extLst>
               <a:ext uri="{91240B29-F687-4f45-9708-019B960494DF}">
-                <a14:hiddenLine xmlns:a14="http://schemas.microsoft.com/office/drawing/2010/main" xmlns="" w="9525">
+                <a14:hiddenLine xmlns="" xmlns:a14="http://schemas.microsoft.com/office/drawing/2010/main" w="9525">
                   <a:solidFill>
                     <a:srgbClr val="000000"/>
                   </a:solidFill>
@@ -2787,7 +2793,7 @@
             </a:ln>
             <a:extLst>
               <a:ext uri="{91240B29-F687-4f45-9708-019B960494DF}">
-                <a14:hiddenLine xmlns:a14="http://schemas.microsoft.com/office/drawing/2010/main" xmlns="" w="9525">
+                <a14:hiddenLine xmlns="" xmlns:a14="http://schemas.microsoft.com/office/drawing/2010/main" w="9525">
                   <a:solidFill>
                     <a:srgbClr val="000000"/>
                   </a:solidFill>
@@ -2877,7 +2883,7 @@
             </a:ln>
             <a:extLst>
               <a:ext uri="{91240B29-F687-4f45-9708-019B960494DF}">
-                <a14:hiddenLine xmlns:a14="http://schemas.microsoft.com/office/drawing/2010/main" xmlns="" w="9525">
+                <a14:hiddenLine xmlns="" xmlns:a14="http://schemas.microsoft.com/office/drawing/2010/main" w="9525">
                   <a:solidFill>
                     <a:srgbClr val="000000"/>
                   </a:solidFill>
@@ -2939,7 +2945,7 @@
             </a:ln>
             <a:extLst>
               <a:ext uri="{91240B29-F687-4f45-9708-019B960494DF}">
-                <a14:hiddenLine xmlns:a14="http://schemas.microsoft.com/office/drawing/2010/main" xmlns="" w="9525">
+                <a14:hiddenLine xmlns="" xmlns:a14="http://schemas.microsoft.com/office/drawing/2010/main" w="9525">
                   <a:solidFill>
                     <a:srgbClr val="000000"/>
                   </a:solidFill>
@@ -3029,7 +3035,7 @@
             </a:ln>
             <a:extLst>
               <a:ext uri="{91240B29-F687-4f45-9708-019B960494DF}">
-                <a14:hiddenLine xmlns:a14="http://schemas.microsoft.com/office/drawing/2010/main" xmlns="" w="9525">
+                <a14:hiddenLine xmlns="" xmlns:a14="http://schemas.microsoft.com/office/drawing/2010/main" w="9525">
                   <a:solidFill>
                     <a:srgbClr val="000000"/>
                   </a:solidFill>
@@ -3091,7 +3097,7 @@
             </a:ln>
             <a:extLst>
               <a:ext uri="{91240B29-F687-4f45-9708-019B960494DF}">
-                <a14:hiddenLine xmlns:a14="http://schemas.microsoft.com/office/drawing/2010/main" xmlns="" w="9525">
+                <a14:hiddenLine xmlns="" xmlns:a14="http://schemas.microsoft.com/office/drawing/2010/main" w="9525">
                   <a:solidFill>
                     <a:srgbClr val="000000"/>
                   </a:solidFill>
@@ -3181,7 +3187,7 @@
             </a:ln>
             <a:extLst>
               <a:ext uri="{91240B29-F687-4f45-9708-019B960494DF}">
-                <a14:hiddenLine xmlns:a14="http://schemas.microsoft.com/office/drawing/2010/main" xmlns="" w="9525">
+                <a14:hiddenLine xmlns="" xmlns:a14="http://schemas.microsoft.com/office/drawing/2010/main" w="9525">
                   <a:solidFill>
                     <a:srgbClr val="000000"/>
                   </a:solidFill>
@@ -3215,7 +3221,7 @@
             </a:ln>
             <a:extLst>
               <a:ext uri="{91240B29-F687-4f45-9708-019B960494DF}">
-                <a14:hiddenLine xmlns:a14="http://schemas.microsoft.com/office/drawing/2010/main" xmlns="" w="9525">
+                <a14:hiddenLine xmlns="" xmlns:a14="http://schemas.microsoft.com/office/drawing/2010/main" w="9525">
                   <a:solidFill>
                     <a:srgbClr val="000000"/>
                   </a:solidFill>
@@ -3280,7 +3286,7 @@
             </a:ln>
             <a:extLst>
               <a:ext uri="{91240B29-F687-4f45-9708-019B960494DF}">
-                <a14:hiddenLine xmlns:a14="http://schemas.microsoft.com/office/drawing/2010/main" xmlns="" w="9525">
+                <a14:hiddenLine xmlns="" xmlns:a14="http://schemas.microsoft.com/office/drawing/2010/main" w="9525">
                   <a:solidFill>
                     <a:srgbClr val="000000"/>
                   </a:solidFill>
@@ -3370,7 +3376,7 @@
             </a:ln>
             <a:extLst>
               <a:ext uri="{91240B29-F687-4f45-9708-019B960494DF}">
-                <a14:hiddenLine xmlns:a14="http://schemas.microsoft.com/office/drawing/2010/main" xmlns="" w="9525">
+                <a14:hiddenLine xmlns="" xmlns:a14="http://schemas.microsoft.com/office/drawing/2010/main" w="9525">
                   <a:solidFill>
                     <a:srgbClr val="000000"/>
                   </a:solidFill>
@@ -3432,7 +3438,7 @@
             </a:ln>
             <a:extLst>
               <a:ext uri="{91240B29-F687-4f45-9708-019B960494DF}">
-                <a14:hiddenLine xmlns:a14="http://schemas.microsoft.com/office/drawing/2010/main" xmlns="" w="9525">
+                <a14:hiddenLine xmlns="" xmlns:a14="http://schemas.microsoft.com/office/drawing/2010/main" w="9525">
                   <a:solidFill>
                     <a:srgbClr val="000000"/>
                   </a:solidFill>
@@ -3522,7 +3528,7 @@
             </a:ln>
             <a:extLst>
               <a:ext uri="{91240B29-F687-4f45-9708-019B960494DF}">
-                <a14:hiddenLine xmlns:a14="http://schemas.microsoft.com/office/drawing/2010/main" xmlns="" w="9525">
+                <a14:hiddenLine xmlns="" xmlns:a14="http://schemas.microsoft.com/office/drawing/2010/main" w="9525">
                   <a:solidFill>
                     <a:srgbClr val="000000"/>
                   </a:solidFill>
@@ -3612,7 +3618,7 @@
             </a:ln>
             <a:extLst>
               <a:ext uri="{91240B29-F687-4f45-9708-019B960494DF}">
-                <a14:hiddenLine xmlns:a14="http://schemas.microsoft.com/office/drawing/2010/main" xmlns="" w="9525">
+                <a14:hiddenLine xmlns="" xmlns:a14="http://schemas.microsoft.com/office/drawing/2010/main" w="9525">
                   <a:solidFill>
                     <a:srgbClr val="000000"/>
                   </a:solidFill>
@@ -3677,7 +3683,7 @@
             </a:ln>
             <a:extLst>
               <a:ext uri="{91240B29-F687-4f45-9708-019B960494DF}">
-                <a14:hiddenLine xmlns:a14="http://schemas.microsoft.com/office/drawing/2010/main" xmlns="" w="9525">
+                <a14:hiddenLine xmlns="" xmlns:a14="http://schemas.microsoft.com/office/drawing/2010/main" w="9525">
                   <a:solidFill>
                     <a:srgbClr val="000000"/>
                   </a:solidFill>
@@ -3739,7 +3745,7 @@
             </a:ln>
             <a:extLst>
               <a:ext uri="{91240B29-F687-4f45-9708-019B960494DF}">
-                <a14:hiddenLine xmlns:a14="http://schemas.microsoft.com/office/drawing/2010/main" xmlns="" w="9525">
+                <a14:hiddenLine xmlns="" xmlns:a14="http://schemas.microsoft.com/office/drawing/2010/main" w="9525">
                   <a:solidFill>
                     <a:srgbClr val="000000"/>
                   </a:solidFill>
@@ -3829,7 +3835,7 @@
             </a:ln>
             <a:extLst>
               <a:ext uri="{91240B29-F687-4f45-9708-019B960494DF}">
-                <a14:hiddenLine xmlns:a14="http://schemas.microsoft.com/office/drawing/2010/main" xmlns="" w="9525">
+                <a14:hiddenLine xmlns="" xmlns:a14="http://schemas.microsoft.com/office/drawing/2010/main" w="9525">
                   <a:solidFill>
                     <a:srgbClr val="000000"/>
                   </a:solidFill>
@@ -3919,7 +3925,7 @@
             </a:ln>
             <a:extLst>
               <a:ext uri="{91240B29-F687-4f45-9708-019B960494DF}">
-                <a14:hiddenLine xmlns:a14="http://schemas.microsoft.com/office/drawing/2010/main" xmlns="" w="9525">
+                <a14:hiddenLine xmlns="" xmlns:a14="http://schemas.microsoft.com/office/drawing/2010/main" w="9525">
                   <a:solidFill>
                     <a:srgbClr val="000000"/>
                   </a:solidFill>
@@ -3981,7 +3987,7 @@
             </a:ln>
             <a:extLst>
               <a:ext uri="{91240B29-F687-4f45-9708-019B960494DF}">
-                <a14:hiddenLine xmlns:a14="http://schemas.microsoft.com/office/drawing/2010/main" xmlns="" w="9525">
+                <a14:hiddenLine xmlns="" xmlns:a14="http://schemas.microsoft.com/office/drawing/2010/main" w="9525">
                   <a:solidFill>
                     <a:srgbClr val="000000"/>
                   </a:solidFill>
@@ -4101,7 +4107,7 @@
             </a:ln>
             <a:extLst>
               <a:ext uri="{91240B29-F687-4f45-9708-019B960494DF}">
-                <a14:hiddenLine xmlns:a14="http://schemas.microsoft.com/office/drawing/2010/main" xmlns="" w="9525">
+                <a14:hiddenLine xmlns="" xmlns:a14="http://schemas.microsoft.com/office/drawing/2010/main" w="9525">
                   <a:solidFill>
                     <a:srgbClr val="000000"/>
                   </a:solidFill>
@@ -4169,7 +4175,7 @@
             </a:ln>
             <a:extLst>
               <a:ext uri="{91240B29-F687-4f45-9708-019B960494DF}">
-                <a14:hiddenLine xmlns:a14="http://schemas.microsoft.com/office/drawing/2010/main" xmlns="" w="9525">
+                <a14:hiddenLine xmlns="" xmlns:a14="http://schemas.microsoft.com/office/drawing/2010/main" w="9525">
                   <a:solidFill>
                     <a:srgbClr val="000000"/>
                   </a:solidFill>
@@ -4259,7 +4265,7 @@
             </a:ln>
             <a:extLst>
               <a:ext uri="{91240B29-F687-4f45-9708-019B960494DF}">
-                <a14:hiddenLine xmlns:a14="http://schemas.microsoft.com/office/drawing/2010/main" xmlns="" w="9525">
+                <a14:hiddenLine xmlns="" xmlns:a14="http://schemas.microsoft.com/office/drawing/2010/main" w="9525">
                   <a:solidFill>
                     <a:srgbClr val="000000"/>
                   </a:solidFill>
@@ -4399,7 +4405,7 @@
           <a:p>
             <a:fld id="{48A87A34-81AB-432B-8DAE-1953F412C126}" type="datetimeFigureOut">
               <a:rPr lang="en-US" dirty="0"/>
-              <a:t>2/14/18</a:t>
+              <a:t>3/25/18</a:t>
             </a:fld>
             <a:endParaRPr lang="en-US" dirty="0"/>
           </a:p>
@@ -4661,7 +4667,7 @@
           <a:p>
             <a:fld id="{48A87A34-81AB-432B-8DAE-1953F412C126}" type="datetimeFigureOut">
               <a:rPr lang="en-US" dirty="0"/>
-              <a:t>2/14/18</a:t>
+              <a:t>3/25/18</a:t>
             </a:fld>
             <a:endParaRPr lang="en-US" dirty="0"/>
           </a:p>
@@ -4852,7 +4858,7 @@
           <a:p>
             <a:fld id="{48A87A34-81AB-432B-8DAE-1953F412C126}" type="datetimeFigureOut">
               <a:rPr lang="en-US" dirty="0"/>
-              <a:t>2/14/18</a:t>
+              <a:t>3/25/18</a:t>
             </a:fld>
             <a:endParaRPr lang="en-US" dirty="0"/>
           </a:p>
@@ -5110,7 +5116,7 @@
           <a:p>
             <a:fld id="{48A87A34-81AB-432B-8DAE-1953F412C126}" type="datetimeFigureOut">
               <a:rPr lang="en-US" dirty="0"/>
-              <a:t>2/14/18</a:t>
+              <a:t>3/25/18</a:t>
             </a:fld>
             <a:endParaRPr lang="en-US" dirty="0"/>
           </a:p>
@@ -5539,7 +5545,7 @@
           <a:p>
             <a:fld id="{48A87A34-81AB-432B-8DAE-1953F412C126}" type="datetimeFigureOut">
               <a:rPr lang="en-US" dirty="0"/>
-              <a:t>2/14/18</a:t>
+              <a:t>3/25/18</a:t>
             </a:fld>
             <a:endParaRPr lang="en-US" dirty="0"/>
           </a:p>
@@ -6080,7 +6086,7 @@
           <a:p>
             <a:fld id="{48A87A34-81AB-432B-8DAE-1953F412C126}" type="datetimeFigureOut">
               <a:rPr lang="en-US" dirty="0"/>
-              <a:t>2/14/18</a:t>
+              <a:t>3/25/18</a:t>
             </a:fld>
             <a:endParaRPr lang="en-US" dirty="0"/>
           </a:p>
@@ -6795,7 +6801,7 @@
           <a:p>
             <a:fld id="{48A87A34-81AB-432B-8DAE-1953F412C126}" type="datetimeFigureOut">
               <a:rPr lang="en-US" dirty="0"/>
-              <a:t>2/14/18</a:t>
+              <a:t>3/25/18</a:t>
             </a:fld>
             <a:endParaRPr lang="en-US" dirty="0"/>
           </a:p>
@@ -6960,7 +6966,7 @@
           <a:p>
             <a:fld id="{48A87A34-81AB-432B-8DAE-1953F412C126}" type="datetimeFigureOut">
               <a:rPr lang="en-US" dirty="0"/>
-              <a:t>2/14/18</a:t>
+              <a:t>3/25/18</a:t>
             </a:fld>
             <a:endParaRPr lang="en-US" dirty="0"/>
           </a:p>
@@ -7135,7 +7141,7 @@
           <a:p>
             <a:fld id="{48A87A34-81AB-432B-8DAE-1953F412C126}" type="datetimeFigureOut">
               <a:rPr lang="en-US" dirty="0"/>
-              <a:t>2/14/18</a:t>
+              <a:t>3/25/18</a:t>
             </a:fld>
             <a:endParaRPr lang="en-US" dirty="0"/>
           </a:p>
@@ -7300,7 +7306,7 @@
           <a:p>
             <a:fld id="{48A87A34-81AB-432B-8DAE-1953F412C126}" type="datetimeFigureOut">
               <a:rPr lang="en-US" dirty="0"/>
-              <a:t>2/14/18</a:t>
+              <a:t>3/25/18</a:t>
             </a:fld>
             <a:endParaRPr lang="en-US" dirty="0"/>
           </a:p>
@@ -7545,7 +7551,7 @@
           <a:p>
             <a:fld id="{48A87A34-81AB-432B-8DAE-1953F412C126}" type="datetimeFigureOut">
               <a:rPr lang="en-US" dirty="0"/>
-              <a:t>2/14/18</a:t>
+              <a:t>3/25/18</a:t>
             </a:fld>
             <a:endParaRPr lang="en-US" dirty="0"/>
           </a:p>
@@ -7772,7 +7778,7 @@
           <a:p>
             <a:fld id="{48A87A34-81AB-432B-8DAE-1953F412C126}" type="datetimeFigureOut">
               <a:rPr lang="en-US" dirty="0"/>
-              <a:t>2/14/18</a:t>
+              <a:t>3/25/18</a:t>
             </a:fld>
             <a:endParaRPr lang="en-US" dirty="0"/>
           </a:p>
@@ -8148,7 +8154,7 @@
           <a:p>
             <a:fld id="{48A87A34-81AB-432B-8DAE-1953F412C126}" type="datetimeFigureOut">
               <a:rPr lang="en-US" dirty="0"/>
-              <a:t>2/14/18</a:t>
+              <a:t>3/25/18</a:t>
             </a:fld>
             <a:endParaRPr lang="en-US" dirty="0"/>
           </a:p>
@@ -8261,7 +8267,7 @@
           <a:p>
             <a:fld id="{48A87A34-81AB-432B-8DAE-1953F412C126}" type="datetimeFigureOut">
               <a:rPr lang="en-US" dirty="0"/>
-              <a:t>2/14/18</a:t>
+              <a:t>3/25/18</a:t>
             </a:fld>
             <a:endParaRPr lang="en-US" dirty="0"/>
           </a:p>
@@ -8351,7 +8357,7 @@
           <a:p>
             <a:fld id="{48A87A34-81AB-432B-8DAE-1953F412C126}" type="datetimeFigureOut">
               <a:rPr lang="en-US" dirty="0"/>
-              <a:t>2/14/18</a:t>
+              <a:t>3/25/18</a:t>
             </a:fld>
             <a:endParaRPr lang="en-US" dirty="0"/>
           </a:p>
@@ -8595,7 +8601,7 @@
           <a:p>
             <a:fld id="{48A87A34-81AB-432B-8DAE-1953F412C126}" type="datetimeFigureOut">
               <a:rPr lang="en-US" dirty="0"/>
-              <a:t>2/14/18</a:t>
+              <a:t>3/25/18</a:t>
             </a:fld>
             <a:endParaRPr lang="en-US" dirty="0"/>
           </a:p>
@@ -8870,7 +8876,7 @@
           <a:p>
             <a:fld id="{48A87A34-81AB-432B-8DAE-1953F412C126}" type="datetimeFigureOut">
               <a:rPr lang="en-US" dirty="0"/>
-              <a:t>2/14/18</a:t>
+              <a:t>3/25/18</a:t>
             </a:fld>
             <a:endParaRPr lang="en-US" dirty="0"/>
           </a:p>
@@ -8981,7 +8987,7 @@
           <a:noFill/>
           <a:extLst>
             <a:ext uri="{909E8E84-426E-40dd-AFC4-6F175D3DCCD1}">
-              <a14:hiddenFill xmlns:a14="http://schemas.microsoft.com/office/drawing/2010/main" xmlns="">
+              <a14:hiddenFill xmlns="" xmlns:a14="http://schemas.microsoft.com/office/drawing/2010/main">
                 <a:solidFill>
                   <a:srgbClr val="FFFFFF"/>
                 </a:solidFill>
@@ -9055,7 +9061,7 @@
               </a:ln>
               <a:extLst>
                 <a:ext uri="{91240B29-F687-4f45-9708-019B960494DF}">
-                  <a14:hiddenLine xmlns:a14="http://schemas.microsoft.com/office/drawing/2010/main" xmlns="" w="9525">
+                  <a14:hiddenLine xmlns="" xmlns:a14="http://schemas.microsoft.com/office/drawing/2010/main" w="9525">
                     <a:solidFill>
                       <a:srgbClr val="000000"/>
                     </a:solidFill>
@@ -9145,7 +9151,7 @@
               </a:ln>
               <a:extLst>
                 <a:ext uri="{91240B29-F687-4f45-9708-019B960494DF}">
-                  <a14:hiddenLine xmlns:a14="http://schemas.microsoft.com/office/drawing/2010/main" xmlns="" w="9525">
+                  <a14:hiddenLine xmlns="" xmlns:a14="http://schemas.microsoft.com/office/drawing/2010/main" w="9525">
                     <a:solidFill>
                       <a:srgbClr val="000000"/>
                     </a:solidFill>
@@ -9235,7 +9241,7 @@
               </a:ln>
               <a:extLst>
                 <a:ext uri="{91240B29-F687-4f45-9708-019B960494DF}">
-                  <a14:hiddenLine xmlns:a14="http://schemas.microsoft.com/office/drawing/2010/main" xmlns="" w="9525">
+                  <a14:hiddenLine xmlns="" xmlns:a14="http://schemas.microsoft.com/office/drawing/2010/main" w="9525">
                     <a:solidFill>
                       <a:srgbClr val="000000"/>
                     </a:solidFill>
@@ -9297,7 +9303,7 @@
               </a:ln>
               <a:extLst>
                 <a:ext uri="{91240B29-F687-4f45-9708-019B960494DF}">
-                  <a14:hiddenLine xmlns:a14="http://schemas.microsoft.com/office/drawing/2010/main" xmlns="" w="9525">
+                  <a14:hiddenLine xmlns="" xmlns:a14="http://schemas.microsoft.com/office/drawing/2010/main" w="9525">
                     <a:solidFill>
                       <a:srgbClr val="000000"/>
                     </a:solidFill>
@@ -9387,7 +9393,7 @@
               </a:ln>
               <a:extLst>
                 <a:ext uri="{91240B29-F687-4f45-9708-019B960494DF}">
-                  <a14:hiddenLine xmlns:a14="http://schemas.microsoft.com/office/drawing/2010/main" xmlns="" w="9525">
+                  <a14:hiddenLine xmlns="" xmlns:a14="http://schemas.microsoft.com/office/drawing/2010/main" w="9525">
                     <a:solidFill>
                       <a:srgbClr val="000000"/>
                     </a:solidFill>
@@ -9449,7 +9455,7 @@
               </a:ln>
               <a:extLst>
                 <a:ext uri="{91240B29-F687-4f45-9708-019B960494DF}">
-                  <a14:hiddenLine xmlns:a14="http://schemas.microsoft.com/office/drawing/2010/main" xmlns="" w="9525">
+                  <a14:hiddenLine xmlns="" xmlns:a14="http://schemas.microsoft.com/office/drawing/2010/main" w="9525">
                     <a:solidFill>
                       <a:srgbClr val="000000"/>
                     </a:solidFill>
@@ -9511,7 +9517,7 @@
               </a:ln>
               <a:extLst>
                 <a:ext uri="{91240B29-F687-4f45-9708-019B960494DF}">
-                  <a14:hiddenLine xmlns:a14="http://schemas.microsoft.com/office/drawing/2010/main" xmlns="" w="9525">
+                  <a14:hiddenLine xmlns="" xmlns:a14="http://schemas.microsoft.com/office/drawing/2010/main" w="9525">
                     <a:solidFill>
                       <a:srgbClr val="000000"/>
                     </a:solidFill>
@@ -9601,7 +9607,7 @@
               </a:ln>
               <a:extLst>
                 <a:ext uri="{91240B29-F687-4f45-9708-019B960494DF}">
-                  <a14:hiddenLine xmlns:a14="http://schemas.microsoft.com/office/drawing/2010/main" xmlns="" w="9525">
+                  <a14:hiddenLine xmlns="" xmlns:a14="http://schemas.microsoft.com/office/drawing/2010/main" w="9525">
                     <a:solidFill>
                       <a:srgbClr val="000000"/>
                     </a:solidFill>
@@ -9691,7 +9697,7 @@
               </a:ln>
               <a:extLst>
                 <a:ext uri="{91240B29-F687-4f45-9708-019B960494DF}">
-                  <a14:hiddenLine xmlns:a14="http://schemas.microsoft.com/office/drawing/2010/main" xmlns="" w="9525">
+                  <a14:hiddenLine xmlns="" xmlns:a14="http://schemas.microsoft.com/office/drawing/2010/main" w="9525">
                     <a:solidFill>
                       <a:srgbClr val="000000"/>
                     </a:solidFill>
@@ -9753,7 +9759,7 @@
               </a:ln>
               <a:extLst>
                 <a:ext uri="{91240B29-F687-4f45-9708-019B960494DF}">
-                  <a14:hiddenLine xmlns:a14="http://schemas.microsoft.com/office/drawing/2010/main" xmlns="" w="9525">
+                  <a14:hiddenLine xmlns="" xmlns:a14="http://schemas.microsoft.com/office/drawing/2010/main" w="9525">
                     <a:solidFill>
                       <a:srgbClr val="000000"/>
                     </a:solidFill>
@@ -9863,7 +9869,7 @@
               </a:ln>
               <a:extLst>
                 <a:ext uri="{91240B29-F687-4f45-9708-019B960494DF}">
-                  <a14:hiddenLine xmlns:a14="http://schemas.microsoft.com/office/drawing/2010/main" xmlns="" w="9525">
+                  <a14:hiddenLine xmlns="" xmlns:a14="http://schemas.microsoft.com/office/drawing/2010/main" w="9525">
                     <a:solidFill>
                       <a:srgbClr val="000000"/>
                     </a:solidFill>
@@ -9947,7 +9953,7 @@
               </a:ln>
               <a:extLst>
                 <a:ext uri="{91240B29-F687-4f45-9708-019B960494DF}">
-                  <a14:hiddenLine xmlns:a14="http://schemas.microsoft.com/office/drawing/2010/main" xmlns="" w="9525">
+                  <a14:hiddenLine xmlns="" xmlns:a14="http://schemas.microsoft.com/office/drawing/2010/main" w="9525">
                     <a:solidFill>
                       <a:srgbClr val="000000"/>
                     </a:solidFill>
@@ -10009,7 +10015,7 @@
               </a:ln>
               <a:extLst>
                 <a:ext uri="{91240B29-F687-4f45-9708-019B960494DF}">
-                  <a14:hiddenLine xmlns:a14="http://schemas.microsoft.com/office/drawing/2010/main" xmlns="" w="9525">
+                  <a14:hiddenLine xmlns="" xmlns:a14="http://schemas.microsoft.com/office/drawing/2010/main" w="9525">
                     <a:solidFill>
                       <a:srgbClr val="000000"/>
                     </a:solidFill>
@@ -10071,7 +10077,7 @@
               </a:ln>
               <a:extLst>
                 <a:ext uri="{91240B29-F687-4f45-9708-019B960494DF}">
-                  <a14:hiddenLine xmlns:a14="http://schemas.microsoft.com/office/drawing/2010/main" xmlns="" w="9525">
+                  <a14:hiddenLine xmlns="" xmlns:a14="http://schemas.microsoft.com/office/drawing/2010/main" w="9525">
                     <a:solidFill>
                       <a:srgbClr val="000000"/>
                     </a:solidFill>
@@ -10161,7 +10167,7 @@
               </a:ln>
               <a:extLst>
                 <a:ext uri="{91240B29-F687-4f45-9708-019B960494DF}">
-                  <a14:hiddenLine xmlns:a14="http://schemas.microsoft.com/office/drawing/2010/main" xmlns="" w="9525">
+                  <a14:hiddenLine xmlns="" xmlns:a14="http://schemas.microsoft.com/office/drawing/2010/main" w="9525">
                     <a:solidFill>
                       <a:srgbClr val="000000"/>
                     </a:solidFill>
@@ -10195,7 +10201,7 @@
               </a:ln>
               <a:extLst>
                 <a:ext uri="{91240B29-F687-4f45-9708-019B960494DF}">
-                  <a14:hiddenLine xmlns:a14="http://schemas.microsoft.com/office/drawing/2010/main" xmlns="" w="9525">
+                  <a14:hiddenLine xmlns="" xmlns:a14="http://schemas.microsoft.com/office/drawing/2010/main" w="9525">
                     <a:solidFill>
                       <a:srgbClr val="000000"/>
                     </a:solidFill>
@@ -10260,7 +10266,7 @@
               </a:ln>
               <a:extLst>
                 <a:ext uri="{91240B29-F687-4f45-9708-019B960494DF}">
-                  <a14:hiddenLine xmlns:a14="http://schemas.microsoft.com/office/drawing/2010/main" xmlns="" w="9525">
+                  <a14:hiddenLine xmlns="" xmlns:a14="http://schemas.microsoft.com/office/drawing/2010/main" w="9525">
                     <a:solidFill>
                       <a:srgbClr val="000000"/>
                     </a:solidFill>
@@ -10350,7 +10356,7 @@
               </a:ln>
               <a:extLst>
                 <a:ext uri="{91240B29-F687-4f45-9708-019B960494DF}">
-                  <a14:hiddenLine xmlns:a14="http://schemas.microsoft.com/office/drawing/2010/main" xmlns="" w="9525">
+                  <a14:hiddenLine xmlns="" xmlns:a14="http://schemas.microsoft.com/office/drawing/2010/main" w="9525">
                     <a:solidFill>
                       <a:srgbClr val="000000"/>
                     </a:solidFill>
@@ -10412,7 +10418,7 @@
               </a:ln>
               <a:extLst>
                 <a:ext uri="{91240B29-F687-4f45-9708-019B960494DF}">
-                  <a14:hiddenLine xmlns:a14="http://schemas.microsoft.com/office/drawing/2010/main" xmlns="" w="9525">
+                  <a14:hiddenLine xmlns="" xmlns:a14="http://schemas.microsoft.com/office/drawing/2010/main" w="9525">
                     <a:solidFill>
                       <a:srgbClr val="000000"/>
                     </a:solidFill>
@@ -10502,7 +10508,7 @@
               </a:ln>
               <a:extLst>
                 <a:ext uri="{91240B29-F687-4f45-9708-019B960494DF}">
-                  <a14:hiddenLine xmlns:a14="http://schemas.microsoft.com/office/drawing/2010/main" xmlns="" w="9525">
+                  <a14:hiddenLine xmlns="" xmlns:a14="http://schemas.microsoft.com/office/drawing/2010/main" w="9525">
                     <a:solidFill>
                       <a:srgbClr val="000000"/>
                     </a:solidFill>
@@ -10567,7 +10573,7 @@
               </a:ln>
               <a:extLst>
                 <a:ext uri="{91240B29-F687-4f45-9708-019B960494DF}">
-                  <a14:hiddenLine xmlns:a14="http://schemas.microsoft.com/office/drawing/2010/main" xmlns="" w="9525">
+                  <a14:hiddenLine xmlns="" xmlns:a14="http://schemas.microsoft.com/office/drawing/2010/main" w="9525">
                     <a:solidFill>
                       <a:srgbClr val="000000"/>
                     </a:solidFill>
@@ -10629,7 +10635,7 @@
               </a:ln>
               <a:extLst>
                 <a:ext uri="{91240B29-F687-4f45-9708-019B960494DF}">
-                  <a14:hiddenLine xmlns:a14="http://schemas.microsoft.com/office/drawing/2010/main" xmlns="" w="9525">
+                  <a14:hiddenLine xmlns="" xmlns:a14="http://schemas.microsoft.com/office/drawing/2010/main" w="9525">
                     <a:solidFill>
                       <a:srgbClr val="000000"/>
                     </a:solidFill>
@@ -10719,7 +10725,7 @@
               </a:ln>
               <a:extLst>
                 <a:ext uri="{91240B29-F687-4f45-9708-019B960494DF}">
-                  <a14:hiddenLine xmlns:a14="http://schemas.microsoft.com/office/drawing/2010/main" xmlns="" w="9525">
+                  <a14:hiddenLine xmlns="" xmlns:a14="http://schemas.microsoft.com/office/drawing/2010/main" w="9525">
                     <a:solidFill>
                       <a:srgbClr val="000000"/>
                     </a:solidFill>
@@ -10809,7 +10815,7 @@
               </a:ln>
               <a:extLst>
                 <a:ext uri="{91240B29-F687-4f45-9708-019B960494DF}">
-                  <a14:hiddenLine xmlns:a14="http://schemas.microsoft.com/office/drawing/2010/main" xmlns="" w="9525">
+                  <a14:hiddenLine xmlns="" xmlns:a14="http://schemas.microsoft.com/office/drawing/2010/main" w="9525">
                     <a:solidFill>
                       <a:srgbClr val="000000"/>
                     </a:solidFill>
@@ -10874,7 +10880,7 @@
               </a:ln>
               <a:extLst>
                 <a:ext uri="{91240B29-F687-4f45-9708-019B960494DF}">
-                  <a14:hiddenLine xmlns:a14="http://schemas.microsoft.com/office/drawing/2010/main" xmlns="" w="9525">
+                  <a14:hiddenLine xmlns="" xmlns:a14="http://schemas.microsoft.com/office/drawing/2010/main" w="9525">
                     <a:solidFill>
                       <a:srgbClr val="000000"/>
                     </a:solidFill>
@@ -10994,7 +11000,7 @@
               </a:ln>
               <a:extLst>
                 <a:ext uri="{91240B29-F687-4f45-9708-019B960494DF}">
-                  <a14:hiddenLine xmlns:a14="http://schemas.microsoft.com/office/drawing/2010/main" xmlns="" w="9525">
+                  <a14:hiddenLine xmlns="" xmlns:a14="http://schemas.microsoft.com/office/drawing/2010/main" w="9525">
                     <a:solidFill>
                       <a:srgbClr val="000000"/>
                     </a:solidFill>
@@ -11092,7 +11098,7 @@
               </a:ln>
               <a:extLst>
                 <a:ext uri="{91240B29-F687-4f45-9708-019B960494DF}">
-                  <a14:hiddenLine xmlns:a14="http://schemas.microsoft.com/office/drawing/2010/main" xmlns="" w="9525">
+                  <a14:hiddenLine xmlns="" xmlns:a14="http://schemas.microsoft.com/office/drawing/2010/main" w="9525">
                     <a:solidFill>
                       <a:srgbClr val="000000"/>
                     </a:solidFill>
@@ -11207,7 +11213,7 @@
               </a:ln>
               <a:extLst>
                 <a:ext uri="{91240B29-F687-4f45-9708-019B960494DF}">
-                  <a14:hiddenLine xmlns:a14="http://schemas.microsoft.com/office/drawing/2010/main" xmlns="" w="9525">
+                  <a14:hiddenLine xmlns="" xmlns:a14="http://schemas.microsoft.com/office/drawing/2010/main" w="9525">
                     <a:solidFill>
                       <a:srgbClr val="000000"/>
                     </a:solidFill>
@@ -11297,7 +11303,7 @@
               </a:ln>
               <a:extLst>
                 <a:ext uri="{91240B29-F687-4f45-9708-019B960494DF}">
-                  <a14:hiddenLine xmlns:a14="http://schemas.microsoft.com/office/drawing/2010/main" xmlns="" w="9525">
+                  <a14:hiddenLine xmlns="" xmlns:a14="http://schemas.microsoft.com/office/drawing/2010/main" w="9525">
                     <a:solidFill>
                       <a:srgbClr val="000000"/>
                     </a:solidFill>
@@ -11362,7 +11368,7 @@
               </a:ln>
               <a:extLst>
                 <a:ext uri="{91240B29-F687-4f45-9708-019B960494DF}">
-                  <a14:hiddenLine xmlns:a14="http://schemas.microsoft.com/office/drawing/2010/main" xmlns="" w="9525">
+                  <a14:hiddenLine xmlns="" xmlns:a14="http://schemas.microsoft.com/office/drawing/2010/main" w="9525">
                     <a:solidFill>
                       <a:srgbClr val="000000"/>
                     </a:solidFill>
@@ -11452,7 +11458,7 @@
               </a:ln>
               <a:extLst>
                 <a:ext uri="{91240B29-F687-4f45-9708-019B960494DF}">
-                  <a14:hiddenLine xmlns:a14="http://schemas.microsoft.com/office/drawing/2010/main" xmlns="" w="9525">
+                  <a14:hiddenLine xmlns="" xmlns:a14="http://schemas.microsoft.com/office/drawing/2010/main" w="9525">
                     <a:solidFill>
                       <a:srgbClr val="000000"/>
                     </a:solidFill>
@@ -11520,7 +11526,7 @@
               </a:ln>
               <a:extLst>
                 <a:ext uri="{91240B29-F687-4f45-9708-019B960494DF}">
-                  <a14:hiddenLine xmlns:a14="http://schemas.microsoft.com/office/drawing/2010/main" xmlns="" w="9525">
+                  <a14:hiddenLine xmlns="" xmlns:a14="http://schemas.microsoft.com/office/drawing/2010/main" w="9525">
                     <a:solidFill>
                       <a:srgbClr val="000000"/>
                     </a:solidFill>
@@ -11610,7 +11616,7 @@
               </a:ln>
               <a:extLst>
                 <a:ext uri="{91240B29-F687-4f45-9708-019B960494DF}">
-                  <a14:hiddenLine xmlns:a14="http://schemas.microsoft.com/office/drawing/2010/main" xmlns="" w="9525">
+                  <a14:hiddenLine xmlns="" xmlns:a14="http://schemas.microsoft.com/office/drawing/2010/main" w="9525">
                     <a:solidFill>
                       <a:srgbClr val="000000"/>
                     </a:solidFill>
@@ -11678,7 +11684,7 @@
               </a:ln>
               <a:extLst>
                 <a:ext uri="{91240B29-F687-4f45-9708-019B960494DF}">
-                  <a14:hiddenLine xmlns:a14="http://schemas.microsoft.com/office/drawing/2010/main" xmlns="" w="9525">
+                  <a14:hiddenLine xmlns="" xmlns:a14="http://schemas.microsoft.com/office/drawing/2010/main" w="9525">
                     <a:solidFill>
                       <a:srgbClr val="000000"/>
                     </a:solidFill>
@@ -11768,7 +11774,7 @@
               </a:ln>
               <a:extLst>
                 <a:ext uri="{91240B29-F687-4f45-9708-019B960494DF}">
-                  <a14:hiddenLine xmlns:a14="http://schemas.microsoft.com/office/drawing/2010/main" xmlns="" w="9525">
+                  <a14:hiddenLine xmlns="" xmlns:a14="http://schemas.microsoft.com/office/drawing/2010/main" w="9525">
                     <a:solidFill>
                       <a:srgbClr val="000000"/>
                     </a:solidFill>
@@ -11802,7 +11808,7 @@
               </a:ln>
               <a:extLst>
                 <a:ext uri="{91240B29-F687-4f45-9708-019B960494DF}">
-                  <a14:hiddenLine xmlns:a14="http://schemas.microsoft.com/office/drawing/2010/main" xmlns="" w="9525">
+                  <a14:hiddenLine xmlns="" xmlns:a14="http://schemas.microsoft.com/office/drawing/2010/main" w="9525">
                     <a:solidFill>
                       <a:srgbClr val="000000"/>
                     </a:solidFill>
@@ -11943,7 +11949,7 @@
             <a:fld id="{48A87A34-81AB-432B-8DAE-1953F412C126}" type="datetimeFigureOut">
               <a:rPr lang="en-US" dirty="0"/>
               <a:pPr/>
-              <a:t>2/14/18</a:t>
+              <a:t>3/25/18</a:t>
             </a:fld>
             <a:endParaRPr lang="en-US" dirty="0"/>
           </a:p>
@@ -12432,6 +12438,769 @@
 </p:sld>
 </file>
 
+<file path=ppt/slides/slide2.xml><?xml version="1.0" encoding="utf-8"?>
+<p:sld xmlns:a="http://schemas.openxmlformats.org/drawingml/2006/main" xmlns:r="http://schemas.openxmlformats.org/officeDocument/2006/relationships" xmlns:p="http://schemas.openxmlformats.org/presentationml/2006/main">
+  <p:cSld>
+    <p:spTree>
+      <p:nvGrpSpPr>
+        <p:cNvPr id="1" name=""/>
+        <p:cNvGrpSpPr/>
+        <p:nvPr/>
+      </p:nvGrpSpPr>
+      <p:grpSpPr>
+        <a:xfrm>
+          <a:off x="0" y="0"/>
+          <a:ext cx="0" cy="0"/>
+          <a:chOff x="0" y="0"/>
+          <a:chExt cx="0" cy="0"/>
+        </a:xfrm>
+      </p:grpSpPr>
+      <p:sp>
+        <p:nvSpPr>
+          <p:cNvPr id="2" name="제목 1">
+            <a:extLst>
+              <a:ext uri="{FF2B5EF4-FFF2-40B4-BE49-F238E27FC236}">
+                <a16:creationId xmlns:a16="http://schemas.microsoft.com/office/drawing/2014/main" id="{E20D0C83-B77C-6A4C-B73B-8B8506E14991}"/>
+              </a:ext>
+            </a:extLst>
+          </p:cNvPr>
+          <p:cNvSpPr>
+            <a:spLocks noGrp="1"/>
+          </p:cNvSpPr>
+          <p:nvPr>
+            <p:ph type="title"/>
+          </p:nvPr>
+        </p:nvSpPr>
+        <p:spPr/>
+        <p:txBody>
+          <a:bodyPr/>
+          <a:lstStyle/>
+          <a:p>
+            <a:r>
+              <a:rPr kumimoji="1" lang="en-US" altLang="ko-KR" dirty="0" err="1"/>
+              <a:t>Onedrive</a:t>
+            </a:r>
+            <a:endParaRPr kumimoji="1" lang="ko-KR" altLang="en-US" dirty="0"/>
+          </a:p>
+        </p:txBody>
+      </p:sp>
+      <p:sp>
+        <p:nvSpPr>
+          <p:cNvPr id="4" name="내용 개체 틀 3">
+            <a:extLst>
+              <a:ext uri="{FF2B5EF4-FFF2-40B4-BE49-F238E27FC236}">
+                <a16:creationId xmlns:a16="http://schemas.microsoft.com/office/drawing/2014/main" id="{7BC00917-2E5F-0D46-B45D-E4A150F117E9}"/>
+              </a:ext>
+            </a:extLst>
+          </p:cNvPr>
+          <p:cNvSpPr>
+            <a:spLocks noGrp="1"/>
+          </p:cNvSpPr>
+          <p:nvPr>
+            <p:ph sz="half" idx="1"/>
+          </p:nvPr>
+        </p:nvSpPr>
+        <p:spPr/>
+        <p:txBody>
+          <a:bodyPr/>
+          <a:lstStyle/>
+          <a:p>
+            <a:r>
+              <a:rPr kumimoji="1" lang="en-US" altLang="ko-KR" dirty="0" err="1"/>
+              <a:t>Onedrive</a:t>
+            </a:r>
+            <a:r>
+              <a:rPr kumimoji="1" lang="en-US" altLang="ko-KR" dirty="0"/>
+              <a:t> is a program that can sync the files in your computer 24/7 when online.</a:t>
+            </a:r>
+          </a:p>
+          <a:p>
+            <a:r>
+              <a:rPr kumimoji="1" lang="en-US" altLang="ko-KR" dirty="0"/>
+              <a:t>For school accounts, it has 1TB of storage, which is about 8.3 times bigger than your computer size. (120GB * 8.3 = approx. 1000GB)</a:t>
+            </a:r>
+            <a:endParaRPr kumimoji="1" lang="ko-KR" altLang="en-US" dirty="0"/>
+          </a:p>
+        </p:txBody>
+      </p:sp>
+      <p:pic>
+        <p:nvPicPr>
+          <p:cNvPr id="7" name="내용 개체 틀 6">
+            <a:extLst>
+              <a:ext uri="{FF2B5EF4-FFF2-40B4-BE49-F238E27FC236}">
+                <a16:creationId xmlns:a16="http://schemas.microsoft.com/office/drawing/2014/main" id="{872F2B31-4548-7B47-8755-55AF5767AC17}"/>
+              </a:ext>
+            </a:extLst>
+          </p:cNvPr>
+          <p:cNvPicPr>
+            <a:picLocks noGrp="1" noChangeAspect="1"/>
+          </p:cNvPicPr>
+          <p:nvPr>
+            <p:ph sz="half" idx="2"/>
+          </p:nvPr>
+        </p:nvPicPr>
+        <p:blipFill>
+          <a:blip r:embed="rId2"/>
+          <a:stretch>
+            <a:fillRect/>
+          </a:stretch>
+        </p:blipFill>
+        <p:spPr>
+          <a:xfrm>
+            <a:off x="6172200" y="2649190"/>
+            <a:ext cx="4875213" cy="2742307"/>
+          </a:xfrm>
+        </p:spPr>
+      </p:pic>
+    </p:spTree>
+    <p:extLst>
+      <p:ext uri="{BB962C8B-B14F-4D97-AF65-F5344CB8AC3E}">
+        <p14:creationId xmlns:p14="http://schemas.microsoft.com/office/powerpoint/2010/main" val="564104713"/>
+      </p:ext>
+    </p:extLst>
+  </p:cSld>
+  <p:clrMapOvr>
+    <a:masterClrMapping/>
+  </p:clrMapOvr>
+</p:sld>
+</file>
+
+<file path=ppt/slides/slide3.xml><?xml version="1.0" encoding="utf-8"?>
+<p:sld xmlns:a="http://schemas.openxmlformats.org/drawingml/2006/main" xmlns:r="http://schemas.openxmlformats.org/officeDocument/2006/relationships" xmlns:p="http://schemas.openxmlformats.org/presentationml/2006/main">
+  <p:cSld>
+    <p:spTree>
+      <p:nvGrpSpPr>
+        <p:cNvPr id="1" name=""/>
+        <p:cNvGrpSpPr/>
+        <p:nvPr/>
+      </p:nvGrpSpPr>
+      <p:grpSpPr>
+        <a:xfrm>
+          <a:off x="0" y="0"/>
+          <a:ext cx="0" cy="0"/>
+          <a:chOff x="0" y="0"/>
+          <a:chExt cx="0" cy="0"/>
+        </a:xfrm>
+      </p:grpSpPr>
+      <p:sp>
+        <p:nvSpPr>
+          <p:cNvPr id="5" name="제목 4">
+            <a:extLst>
+              <a:ext uri="{FF2B5EF4-FFF2-40B4-BE49-F238E27FC236}">
+                <a16:creationId xmlns:a16="http://schemas.microsoft.com/office/drawing/2014/main" id="{10003848-9805-AE42-8FFD-842AE0D872F8}"/>
+              </a:ext>
+            </a:extLst>
+          </p:cNvPr>
+          <p:cNvSpPr>
+            <a:spLocks noGrp="1"/>
+          </p:cNvSpPr>
+          <p:nvPr>
+            <p:ph type="title"/>
+          </p:nvPr>
+        </p:nvSpPr>
+        <p:spPr/>
+        <p:txBody>
+          <a:bodyPr/>
+          <a:lstStyle/>
+          <a:p>
+            <a:r>
+              <a:rPr kumimoji="1" lang="en-US" altLang="ko-KR" dirty="0"/>
+              <a:t>Installation of </a:t>
+            </a:r>
+            <a:r>
+              <a:rPr kumimoji="1" lang="en-US" altLang="ko-KR" dirty="0" err="1"/>
+              <a:t>onedrive</a:t>
+            </a:r>
+            <a:endParaRPr kumimoji="1" lang="ko-KR" altLang="en-US" dirty="0"/>
+          </a:p>
+        </p:txBody>
+      </p:sp>
+      <p:sp>
+        <p:nvSpPr>
+          <p:cNvPr id="6" name="내용 개체 틀 5">
+            <a:extLst>
+              <a:ext uri="{FF2B5EF4-FFF2-40B4-BE49-F238E27FC236}">
+                <a16:creationId xmlns:a16="http://schemas.microsoft.com/office/drawing/2014/main" id="{ADDFD9C5-7BC1-CD47-8E42-59C78644B837}"/>
+              </a:ext>
+            </a:extLst>
+          </p:cNvPr>
+          <p:cNvSpPr>
+            <a:spLocks noGrp="1"/>
+          </p:cNvSpPr>
+          <p:nvPr>
+            <p:ph idx="1"/>
+          </p:nvPr>
+        </p:nvSpPr>
+        <p:spPr/>
+        <p:txBody>
+          <a:bodyPr/>
+          <a:lstStyle/>
+          <a:p>
+            <a:pPr marL="457200" indent="-457200">
+              <a:buAutoNum type="arabicPeriod"/>
+            </a:pPr>
+            <a:r>
+              <a:rPr kumimoji="1" lang="en-US" altLang="ko-KR" dirty="0"/>
+              <a:t>Self-Service?</a:t>
+            </a:r>
+          </a:p>
+          <a:p>
+            <a:pPr marL="457200" indent="-457200">
+              <a:buAutoNum type="arabicPeriod"/>
+            </a:pPr>
+            <a:endParaRPr kumimoji="1" lang="ko-KR" altLang="en-US" dirty="0"/>
+          </a:p>
+        </p:txBody>
+      </p:sp>
+    </p:spTree>
+    <p:extLst>
+      <p:ext uri="{BB962C8B-B14F-4D97-AF65-F5344CB8AC3E}">
+        <p14:creationId xmlns:p14="http://schemas.microsoft.com/office/powerpoint/2010/main" val="618677547"/>
+      </p:ext>
+    </p:extLst>
+  </p:cSld>
+  <p:clrMapOvr>
+    <a:masterClrMapping/>
+  </p:clrMapOvr>
+</p:sld>
+</file>
+
+<file path=ppt/slides/slide4.xml><?xml version="1.0" encoding="utf-8"?>
+<p:sld xmlns:a="http://schemas.openxmlformats.org/drawingml/2006/main" xmlns:r="http://schemas.openxmlformats.org/officeDocument/2006/relationships" xmlns:p="http://schemas.openxmlformats.org/presentationml/2006/main">
+  <p:cSld>
+    <p:spTree>
+      <p:nvGrpSpPr>
+        <p:cNvPr id="1" name=""/>
+        <p:cNvGrpSpPr/>
+        <p:nvPr/>
+      </p:nvGrpSpPr>
+      <p:grpSpPr>
+        <a:xfrm>
+          <a:off x="0" y="0"/>
+          <a:ext cx="0" cy="0"/>
+          <a:chOff x="0" y="0"/>
+          <a:chExt cx="0" cy="0"/>
+        </a:xfrm>
+      </p:grpSpPr>
+      <p:sp>
+        <p:nvSpPr>
+          <p:cNvPr id="2" name="제목 1">
+            <a:extLst>
+              <a:ext uri="{FF2B5EF4-FFF2-40B4-BE49-F238E27FC236}">
+                <a16:creationId xmlns:a16="http://schemas.microsoft.com/office/drawing/2014/main" id="{55163D13-D59A-184A-A4A3-E14AE15C6863}"/>
+              </a:ext>
+            </a:extLst>
+          </p:cNvPr>
+          <p:cNvSpPr>
+            <a:spLocks noGrp="1"/>
+          </p:cNvSpPr>
+          <p:nvPr>
+            <p:ph type="title"/>
+          </p:nvPr>
+        </p:nvSpPr>
+        <p:spPr/>
+        <p:txBody>
+          <a:bodyPr/>
+          <a:lstStyle/>
+          <a:p>
+            <a:r>
+              <a:rPr kumimoji="1" lang="en-US" altLang="ko-KR" dirty="0"/>
+              <a:t>Usage of </a:t>
+            </a:r>
+            <a:r>
+              <a:rPr kumimoji="1" lang="en-US" altLang="ko-KR" dirty="0" err="1"/>
+              <a:t>onedrive</a:t>
+            </a:r>
+            <a:r>
+              <a:rPr kumimoji="1" lang="en-US" altLang="ko-KR" dirty="0"/>
+              <a:t> in general</a:t>
+            </a:r>
+            <a:endParaRPr kumimoji="1" lang="ko-KR" altLang="en-US" dirty="0"/>
+          </a:p>
+        </p:txBody>
+      </p:sp>
+      <p:sp>
+        <p:nvSpPr>
+          <p:cNvPr id="6" name="내용 개체 틀 5">
+            <a:extLst>
+              <a:ext uri="{FF2B5EF4-FFF2-40B4-BE49-F238E27FC236}">
+                <a16:creationId xmlns:a16="http://schemas.microsoft.com/office/drawing/2014/main" id="{08CCB7E5-1E87-1048-9C33-A7528D8B6B5E}"/>
+              </a:ext>
+            </a:extLst>
+          </p:cNvPr>
+          <p:cNvSpPr>
+            <a:spLocks noGrp="1"/>
+          </p:cNvSpPr>
+          <p:nvPr>
+            <p:ph sz="half" idx="1"/>
+          </p:nvPr>
+        </p:nvSpPr>
+        <p:spPr/>
+        <p:txBody>
+          <a:bodyPr/>
+          <a:lstStyle/>
+          <a:p>
+            <a:r>
+              <a:rPr kumimoji="1" lang="en-US" altLang="ko-KR" dirty="0"/>
+              <a:t>(It is Korean due to my preference)</a:t>
+            </a:r>
+          </a:p>
+          <a:p>
+            <a:r>
+              <a:rPr kumimoji="1" lang="en-US" altLang="ko-KR" dirty="0"/>
+              <a:t>Turn on the </a:t>
+            </a:r>
+            <a:r>
+              <a:rPr kumimoji="1" lang="en-US" altLang="ko-KR" dirty="0" err="1"/>
+              <a:t>Onedrive.app</a:t>
+            </a:r>
+            <a:endParaRPr kumimoji="1" lang="en-US" altLang="ko-KR" dirty="0"/>
+          </a:p>
+          <a:p>
+            <a:endParaRPr kumimoji="1" lang="ko-KR" altLang="en-US" dirty="0"/>
+          </a:p>
+        </p:txBody>
+      </p:sp>
+      <p:pic>
+        <p:nvPicPr>
+          <p:cNvPr id="9" name="내용 개체 틀 8">
+            <a:extLst>
+              <a:ext uri="{FF2B5EF4-FFF2-40B4-BE49-F238E27FC236}">
+                <a16:creationId xmlns:a16="http://schemas.microsoft.com/office/drawing/2014/main" id="{57356BB6-3D48-6649-B54F-3B3A85B78FE1}"/>
+              </a:ext>
+            </a:extLst>
+          </p:cNvPr>
+          <p:cNvPicPr>
+            <a:picLocks noGrp="1" noChangeAspect="1"/>
+          </p:cNvPicPr>
+          <p:nvPr>
+            <p:ph sz="half" idx="2"/>
+          </p:nvPr>
+        </p:nvPicPr>
+        <p:blipFill>
+          <a:blip r:embed="rId2"/>
+          <a:stretch>
+            <a:fillRect/>
+          </a:stretch>
+        </p:blipFill>
+        <p:spPr>
+          <a:xfrm>
+            <a:off x="6560469" y="2249488"/>
+            <a:ext cx="4098674" cy="3541712"/>
+          </a:xfrm>
+        </p:spPr>
+      </p:pic>
+    </p:spTree>
+    <p:extLst>
+      <p:ext uri="{BB962C8B-B14F-4D97-AF65-F5344CB8AC3E}">
+        <p14:creationId xmlns:p14="http://schemas.microsoft.com/office/powerpoint/2010/main" val="283685442"/>
+      </p:ext>
+    </p:extLst>
+  </p:cSld>
+  <p:clrMapOvr>
+    <a:masterClrMapping/>
+  </p:clrMapOvr>
+</p:sld>
+</file>
+
+<file path=ppt/slides/slide5.xml><?xml version="1.0" encoding="utf-8"?>
+<p:sld xmlns:a="http://schemas.openxmlformats.org/drawingml/2006/main" xmlns:r="http://schemas.openxmlformats.org/officeDocument/2006/relationships" xmlns:p="http://schemas.openxmlformats.org/presentationml/2006/main">
+  <p:cSld>
+    <p:spTree>
+      <p:nvGrpSpPr>
+        <p:cNvPr id="1" name=""/>
+        <p:cNvGrpSpPr/>
+        <p:nvPr/>
+      </p:nvGrpSpPr>
+      <p:grpSpPr>
+        <a:xfrm>
+          <a:off x="0" y="0"/>
+          <a:ext cx="0" cy="0"/>
+          <a:chOff x="0" y="0"/>
+          <a:chExt cx="0" cy="0"/>
+        </a:xfrm>
+      </p:grpSpPr>
+      <p:sp>
+        <p:nvSpPr>
+          <p:cNvPr id="2" name="제목 1">
+            <a:extLst>
+              <a:ext uri="{FF2B5EF4-FFF2-40B4-BE49-F238E27FC236}">
+                <a16:creationId xmlns:a16="http://schemas.microsoft.com/office/drawing/2014/main" id="{6DD9994D-D5CE-5043-B932-FA33C743E6BC}"/>
+              </a:ext>
+            </a:extLst>
+          </p:cNvPr>
+          <p:cNvSpPr>
+            <a:spLocks noGrp="1"/>
+          </p:cNvSpPr>
+          <p:nvPr>
+            <p:ph type="title"/>
+          </p:nvPr>
+        </p:nvSpPr>
+        <p:spPr/>
+        <p:txBody>
+          <a:bodyPr/>
+          <a:lstStyle/>
+          <a:p>
+            <a:r>
+              <a:rPr kumimoji="1" lang="en-US" altLang="ko-KR" dirty="0"/>
+              <a:t>Usage of </a:t>
+            </a:r>
+            <a:r>
+              <a:rPr kumimoji="1" lang="en-US" altLang="ko-KR" dirty="0" err="1"/>
+              <a:t>onedrive</a:t>
+            </a:r>
+            <a:r>
+              <a:rPr kumimoji="1" lang="en-US" altLang="ko-KR" dirty="0"/>
+              <a:t> in general</a:t>
+            </a:r>
+            <a:endParaRPr kumimoji="1" lang="ko-KR" altLang="en-US" dirty="0"/>
+          </a:p>
+        </p:txBody>
+      </p:sp>
+      <p:sp>
+        <p:nvSpPr>
+          <p:cNvPr id="3" name="내용 개체 틀 2">
+            <a:extLst>
+              <a:ext uri="{FF2B5EF4-FFF2-40B4-BE49-F238E27FC236}">
+                <a16:creationId xmlns:a16="http://schemas.microsoft.com/office/drawing/2014/main" id="{97693E34-7BF1-9B41-9CAE-B0DF8A8C5331}"/>
+              </a:ext>
+            </a:extLst>
+          </p:cNvPr>
+          <p:cNvSpPr>
+            <a:spLocks noGrp="1"/>
+          </p:cNvSpPr>
+          <p:nvPr>
+            <p:ph sz="half" idx="1"/>
+          </p:nvPr>
+        </p:nvSpPr>
+        <p:spPr/>
+        <p:txBody>
+          <a:bodyPr/>
+          <a:lstStyle/>
+          <a:p>
+            <a:r>
+              <a:rPr kumimoji="1" lang="en-US" altLang="ko-KR" dirty="0"/>
+              <a:t>There will be a space where it requires to enter your school account.</a:t>
+            </a:r>
+          </a:p>
+          <a:p>
+            <a:r>
+              <a:rPr kumimoji="1" lang="en-US" altLang="ko-KR" dirty="0"/>
+              <a:t>Enter your school account.</a:t>
+            </a:r>
+            <a:endParaRPr kumimoji="1" lang="ko-KR" altLang="en-US" dirty="0"/>
+          </a:p>
+        </p:txBody>
+      </p:sp>
+      <p:pic>
+        <p:nvPicPr>
+          <p:cNvPr id="6" name="내용 개체 틀 5">
+            <a:extLst>
+              <a:ext uri="{FF2B5EF4-FFF2-40B4-BE49-F238E27FC236}">
+                <a16:creationId xmlns:a16="http://schemas.microsoft.com/office/drawing/2014/main" id="{955CB255-35F0-704E-8F80-C26CE1BF09B4}"/>
+              </a:ext>
+            </a:extLst>
+          </p:cNvPr>
+          <p:cNvPicPr>
+            <a:picLocks noGrp="1" noChangeAspect="1"/>
+          </p:cNvPicPr>
+          <p:nvPr>
+            <p:ph sz="half" idx="2"/>
+          </p:nvPr>
+        </p:nvPicPr>
+        <p:blipFill>
+          <a:blip r:embed="rId2"/>
+          <a:stretch>
+            <a:fillRect/>
+          </a:stretch>
+        </p:blipFill>
+        <p:spPr>
+          <a:xfrm>
+            <a:off x="6556899" y="2249488"/>
+            <a:ext cx="4105815" cy="3541712"/>
+          </a:xfrm>
+        </p:spPr>
+      </p:pic>
+    </p:spTree>
+    <p:extLst>
+      <p:ext uri="{BB962C8B-B14F-4D97-AF65-F5344CB8AC3E}">
+        <p14:creationId xmlns:p14="http://schemas.microsoft.com/office/powerpoint/2010/main" val="4245751285"/>
+      </p:ext>
+    </p:extLst>
+  </p:cSld>
+  <p:clrMapOvr>
+    <a:masterClrMapping/>
+  </p:clrMapOvr>
+</p:sld>
+</file>
+
+<file path=ppt/slides/slide6.xml><?xml version="1.0" encoding="utf-8"?>
+<p:sld xmlns:a="http://schemas.openxmlformats.org/drawingml/2006/main" xmlns:r="http://schemas.openxmlformats.org/officeDocument/2006/relationships" xmlns:p="http://schemas.openxmlformats.org/presentationml/2006/main">
+  <p:cSld>
+    <p:spTree>
+      <p:nvGrpSpPr>
+        <p:cNvPr id="1" name=""/>
+        <p:cNvGrpSpPr/>
+        <p:nvPr/>
+      </p:nvGrpSpPr>
+      <p:grpSpPr>
+        <a:xfrm>
+          <a:off x="0" y="0"/>
+          <a:ext cx="0" cy="0"/>
+          <a:chOff x="0" y="0"/>
+          <a:chExt cx="0" cy="0"/>
+        </a:xfrm>
+      </p:grpSpPr>
+      <p:sp>
+        <p:nvSpPr>
+          <p:cNvPr id="2" name="제목 1">
+            <a:extLst>
+              <a:ext uri="{FF2B5EF4-FFF2-40B4-BE49-F238E27FC236}">
+                <a16:creationId xmlns:a16="http://schemas.microsoft.com/office/drawing/2014/main" id="{22D26623-5D63-4B4C-AD16-FB13BA6FC4DB}"/>
+              </a:ext>
+            </a:extLst>
+          </p:cNvPr>
+          <p:cNvSpPr>
+            <a:spLocks noGrp="1"/>
+          </p:cNvSpPr>
+          <p:nvPr>
+            <p:ph type="title"/>
+          </p:nvPr>
+        </p:nvSpPr>
+        <p:spPr/>
+        <p:txBody>
+          <a:bodyPr/>
+          <a:lstStyle/>
+          <a:p>
+            <a:r>
+              <a:rPr kumimoji="1" lang="en-US" altLang="ko-KR" dirty="0"/>
+              <a:t>Usage of </a:t>
+            </a:r>
+            <a:r>
+              <a:rPr kumimoji="1" lang="en-US" altLang="ko-KR" dirty="0" err="1"/>
+              <a:t>onedrive</a:t>
+            </a:r>
+            <a:r>
+              <a:rPr kumimoji="1" lang="en-US" altLang="ko-KR" dirty="0"/>
+              <a:t> in general</a:t>
+            </a:r>
+            <a:endParaRPr kumimoji="1" lang="ko-KR" altLang="en-US" dirty="0"/>
+          </a:p>
+        </p:txBody>
+      </p:sp>
+      <p:sp>
+        <p:nvSpPr>
+          <p:cNvPr id="3" name="내용 개체 틀 2">
+            <a:extLst>
+              <a:ext uri="{FF2B5EF4-FFF2-40B4-BE49-F238E27FC236}">
+                <a16:creationId xmlns:a16="http://schemas.microsoft.com/office/drawing/2014/main" id="{5729DAA9-04F8-974C-AAA9-2D65BC86552F}"/>
+              </a:ext>
+            </a:extLst>
+          </p:cNvPr>
+          <p:cNvSpPr>
+            <a:spLocks noGrp="1"/>
+          </p:cNvSpPr>
+          <p:nvPr>
+            <p:ph sz="half" idx="1"/>
+          </p:nvPr>
+        </p:nvSpPr>
+        <p:spPr/>
+        <p:txBody>
+          <a:bodyPr/>
+          <a:lstStyle/>
+          <a:p>
+            <a:r>
+              <a:rPr kumimoji="1" lang="en-US" altLang="ko-KR" dirty="0"/>
+              <a:t>After you entered your school account, (the picture shows Samuel’s account), you will proceed to login page.</a:t>
+            </a:r>
+            <a:endParaRPr kumimoji="1" lang="ko-KR" altLang="en-US" dirty="0"/>
+          </a:p>
+        </p:txBody>
+      </p:sp>
+      <p:pic>
+        <p:nvPicPr>
+          <p:cNvPr id="6" name="내용 개체 틀 5">
+            <a:extLst>
+              <a:ext uri="{FF2B5EF4-FFF2-40B4-BE49-F238E27FC236}">
+                <a16:creationId xmlns:a16="http://schemas.microsoft.com/office/drawing/2014/main" id="{68873018-73FC-0A46-A4EC-0B1E0C7A14E0}"/>
+              </a:ext>
+            </a:extLst>
+          </p:cNvPr>
+          <p:cNvPicPr>
+            <a:picLocks noGrp="1" noChangeAspect="1"/>
+          </p:cNvPicPr>
+          <p:nvPr>
+            <p:ph sz="half" idx="2"/>
+          </p:nvPr>
+        </p:nvPicPr>
+        <p:blipFill>
+          <a:blip r:embed="rId2"/>
+          <a:stretch>
+            <a:fillRect/>
+          </a:stretch>
+        </p:blipFill>
+        <p:spPr>
+          <a:xfrm>
+            <a:off x="6572255" y="2249488"/>
+            <a:ext cx="4075102" cy="3541712"/>
+          </a:xfrm>
+        </p:spPr>
+      </p:pic>
+    </p:spTree>
+    <p:extLst>
+      <p:ext uri="{BB962C8B-B14F-4D97-AF65-F5344CB8AC3E}">
+        <p14:creationId xmlns:p14="http://schemas.microsoft.com/office/powerpoint/2010/main" val="3855621807"/>
+      </p:ext>
+    </p:extLst>
+  </p:cSld>
+  <p:clrMapOvr>
+    <a:masterClrMapping/>
+  </p:clrMapOvr>
+</p:sld>
+</file>
+
+<file path=ppt/slides/slide7.xml><?xml version="1.0" encoding="utf-8"?>
+<p:sld xmlns:a="http://schemas.openxmlformats.org/drawingml/2006/main" xmlns:r="http://schemas.openxmlformats.org/officeDocument/2006/relationships" xmlns:p="http://schemas.openxmlformats.org/presentationml/2006/main">
+  <p:cSld>
+    <p:spTree>
+      <p:nvGrpSpPr>
+        <p:cNvPr id="1" name=""/>
+        <p:cNvGrpSpPr/>
+        <p:nvPr/>
+      </p:nvGrpSpPr>
+      <p:grpSpPr>
+        <a:xfrm>
+          <a:off x="0" y="0"/>
+          <a:ext cx="0" cy="0"/>
+          <a:chOff x="0" y="0"/>
+          <a:chExt cx="0" cy="0"/>
+        </a:xfrm>
+      </p:grpSpPr>
+      <p:sp>
+        <p:nvSpPr>
+          <p:cNvPr id="2" name="제목 1">
+            <a:extLst>
+              <a:ext uri="{FF2B5EF4-FFF2-40B4-BE49-F238E27FC236}">
+                <a16:creationId xmlns:a16="http://schemas.microsoft.com/office/drawing/2014/main" id="{DC16E890-2F16-1147-AF29-A2690D77D359}"/>
+              </a:ext>
+            </a:extLst>
+          </p:cNvPr>
+          <p:cNvSpPr>
+            <a:spLocks noGrp="1"/>
+          </p:cNvSpPr>
+          <p:nvPr>
+            <p:ph type="title"/>
+          </p:nvPr>
+        </p:nvSpPr>
+        <p:spPr/>
+        <p:txBody>
+          <a:bodyPr/>
+          <a:lstStyle/>
+          <a:p>
+            <a:r>
+              <a:rPr kumimoji="1" lang="en-US" altLang="ko-KR" dirty="0"/>
+              <a:t>Usage of </a:t>
+            </a:r>
+            <a:r>
+              <a:rPr kumimoji="1" lang="en-US" altLang="ko-KR" dirty="0" err="1"/>
+              <a:t>onedrive</a:t>
+            </a:r>
+            <a:r>
+              <a:rPr kumimoji="1" lang="en-US" altLang="ko-KR" dirty="0"/>
+              <a:t> in general</a:t>
+            </a:r>
+            <a:endParaRPr kumimoji="1" lang="ko-KR" altLang="en-US" dirty="0"/>
+          </a:p>
+        </p:txBody>
+      </p:sp>
+      <p:sp>
+        <p:nvSpPr>
+          <p:cNvPr id="3" name="내용 개체 틀 2">
+            <a:extLst>
+              <a:ext uri="{FF2B5EF4-FFF2-40B4-BE49-F238E27FC236}">
+                <a16:creationId xmlns:a16="http://schemas.microsoft.com/office/drawing/2014/main" id="{62C3CD82-065A-0A46-899A-40D5C0C8C1A1}"/>
+              </a:ext>
+            </a:extLst>
+          </p:cNvPr>
+          <p:cNvSpPr>
+            <a:spLocks noGrp="1"/>
+          </p:cNvSpPr>
+          <p:nvPr>
+            <p:ph sz="half" idx="1"/>
+          </p:nvPr>
+        </p:nvSpPr>
+        <p:spPr/>
+        <p:txBody>
+          <a:bodyPr/>
+          <a:lstStyle/>
+          <a:p>
+            <a:r>
+              <a:rPr kumimoji="1" lang="en-US" altLang="ko-KR" dirty="0"/>
+              <a:t>After the procedure of locating the folder for </a:t>
+            </a:r>
+            <a:r>
+              <a:rPr kumimoji="1" lang="en-US" altLang="ko-KR" dirty="0" err="1"/>
+              <a:t>Onedrive</a:t>
+            </a:r>
+            <a:r>
+              <a:rPr kumimoji="1" lang="en-US" altLang="ko-KR" dirty="0"/>
+              <a:t>, (and some other things). Press the box to show the tick, then press the final button.</a:t>
+            </a:r>
+          </a:p>
+          <a:p>
+            <a:endParaRPr kumimoji="1" lang="en-US" altLang="ko-KR" dirty="0"/>
+          </a:p>
+          <a:p>
+            <a:r>
+              <a:rPr kumimoji="1" lang="en-US" altLang="ko-KR" dirty="0"/>
+              <a:t>For the sake of Samuel, I have omitted some pictures for him.</a:t>
+            </a:r>
+            <a:endParaRPr kumimoji="1" lang="ko-KR" altLang="en-US" dirty="0"/>
+          </a:p>
+        </p:txBody>
+      </p:sp>
+      <p:pic>
+        <p:nvPicPr>
+          <p:cNvPr id="6" name="내용 개체 틀 5">
+            <a:extLst>
+              <a:ext uri="{FF2B5EF4-FFF2-40B4-BE49-F238E27FC236}">
+                <a16:creationId xmlns:a16="http://schemas.microsoft.com/office/drawing/2014/main" id="{D4CB3C0D-505A-DB41-A90C-22C0D2082617}"/>
+              </a:ext>
+            </a:extLst>
+          </p:cNvPr>
+          <p:cNvPicPr>
+            <a:picLocks noGrp="1" noChangeAspect="1"/>
+          </p:cNvPicPr>
+          <p:nvPr>
+            <p:ph sz="half" idx="2"/>
+          </p:nvPr>
+        </p:nvPicPr>
+        <p:blipFill>
+          <a:blip r:embed="rId2"/>
+          <a:stretch>
+            <a:fillRect/>
+          </a:stretch>
+        </p:blipFill>
+        <p:spPr>
+          <a:xfrm>
+            <a:off x="6531133" y="2249488"/>
+            <a:ext cx="4157347" cy="3541712"/>
+          </a:xfrm>
+        </p:spPr>
+      </p:pic>
+    </p:spTree>
+    <p:extLst>
+      <p:ext uri="{BB962C8B-B14F-4D97-AF65-F5344CB8AC3E}">
+        <p14:creationId xmlns:p14="http://schemas.microsoft.com/office/powerpoint/2010/main" val="3701839215"/>
+      </p:ext>
+    </p:extLst>
+  </p:cSld>
+  <p:clrMapOvr>
+    <a:masterClrMapping/>
+  </p:clrMapOvr>
+</p:sld>
+</file>
+
 <file path=ppt/theme/theme1.xml><?xml version="1.0" encoding="utf-8"?>
 <a:theme xmlns:a="http://schemas.openxmlformats.org/drawingml/2006/main" name="Circuit">
   <a:themeElements>

--- a/MSOffice.pptx
+++ b/MSOffice.pptx
@@ -12,6 +12,8 @@
     <p:sldId id="260" r:id="rId6"/>
     <p:sldId id="261" r:id="rId7"/>
     <p:sldId id="262" r:id="rId8"/>
+    <p:sldId id="263" r:id="rId9"/>
+    <p:sldId id="264" r:id="rId10"/>
   </p:sldIdLst>
   <p:sldSz cx="12192000" cy="6858000"/>
   <p:notesSz cx="6858000" cy="9144000"/>
@@ -12648,6 +12650,43 @@
             <a:pPr marL="457200" indent="-457200">
               <a:buAutoNum type="arabicPeriod"/>
             </a:pPr>
+            <a:r>
+              <a:rPr kumimoji="1" lang="en-US" altLang="ko-KR" dirty="0"/>
+              <a:t>Idk</a:t>
+            </a:r>
+          </a:p>
+          <a:p>
+            <a:pPr marL="457200" indent="-457200">
+              <a:buAutoNum type="arabicPeriod"/>
+            </a:pPr>
+            <a:r>
+              <a:rPr kumimoji="1" lang="en-US" altLang="ko-KR" dirty="0"/>
+              <a:t>App Store</a:t>
+            </a:r>
+          </a:p>
+          <a:p>
+            <a:pPr marL="457200" indent="-457200">
+              <a:buAutoNum type="arabicPeriod"/>
+            </a:pPr>
+            <a:r>
+              <a:rPr kumimoji="1" lang="en-US" altLang="ko-KR" dirty="0"/>
+              <a:t>Torrent?</a:t>
+            </a:r>
+          </a:p>
+          <a:p>
+            <a:pPr marL="457200" indent="-457200">
+              <a:buAutoNum type="arabicPeriod"/>
+            </a:pPr>
+            <a:r>
+              <a:rPr kumimoji="1" lang="en-US" altLang="ko-KR"/>
+              <a:t>Microsoft Office 365..?</a:t>
+            </a:r>
+            <a:endParaRPr kumimoji="1" lang="en-US" altLang="ko-KR" dirty="0"/>
+          </a:p>
+          <a:p>
+            <a:pPr marL="457200" indent="-457200">
+              <a:buAutoNum type="arabicPeriod"/>
+            </a:pPr>
             <a:endParaRPr kumimoji="1" lang="ko-KR" altLang="en-US" dirty="0"/>
           </a:p>
         </p:txBody>
@@ -13192,6 +13231,247 @@
     <p:extLst>
       <p:ext uri="{BB962C8B-B14F-4D97-AF65-F5344CB8AC3E}">
         <p14:creationId xmlns:p14="http://schemas.microsoft.com/office/powerpoint/2010/main" val="3701839215"/>
+      </p:ext>
+    </p:extLst>
+  </p:cSld>
+  <p:clrMapOvr>
+    <a:masterClrMapping/>
+  </p:clrMapOvr>
+</p:sld>
+</file>
+
+<file path=ppt/slides/slide8.xml><?xml version="1.0" encoding="utf-8"?>
+<p:sld xmlns:a="http://schemas.openxmlformats.org/drawingml/2006/main" xmlns:r="http://schemas.openxmlformats.org/officeDocument/2006/relationships" xmlns:p="http://schemas.openxmlformats.org/presentationml/2006/main">
+  <p:cSld>
+    <p:spTree>
+      <p:nvGrpSpPr>
+        <p:cNvPr id="1" name=""/>
+        <p:cNvGrpSpPr/>
+        <p:nvPr/>
+      </p:nvGrpSpPr>
+      <p:grpSpPr>
+        <a:xfrm>
+          <a:off x="0" y="0"/>
+          <a:ext cx="0" cy="0"/>
+          <a:chOff x="0" y="0"/>
+          <a:chExt cx="0" cy="0"/>
+        </a:xfrm>
+      </p:grpSpPr>
+      <p:sp>
+        <p:nvSpPr>
+          <p:cNvPr id="2" name="제목 1">
+            <a:extLst>
+              <a:ext uri="{FF2B5EF4-FFF2-40B4-BE49-F238E27FC236}">
+                <a16:creationId xmlns:a16="http://schemas.microsoft.com/office/drawing/2014/main" id="{1264C97E-4B3A-E344-9AF3-B8096D408F3D}"/>
+              </a:ext>
+            </a:extLst>
+          </p:cNvPr>
+          <p:cNvSpPr>
+            <a:spLocks noGrp="1"/>
+          </p:cNvSpPr>
+          <p:nvPr>
+            <p:ph type="title"/>
+          </p:nvPr>
+        </p:nvSpPr>
+        <p:spPr/>
+        <p:txBody>
+          <a:bodyPr/>
+          <a:lstStyle/>
+          <a:p>
+            <a:endParaRPr kumimoji="1" lang="ko-KR" altLang="en-US"/>
+          </a:p>
+        </p:txBody>
+      </p:sp>
+      <p:sp>
+        <p:nvSpPr>
+          <p:cNvPr id="3" name="내용 개체 틀 2">
+            <a:extLst>
+              <a:ext uri="{FF2B5EF4-FFF2-40B4-BE49-F238E27FC236}">
+                <a16:creationId xmlns:a16="http://schemas.microsoft.com/office/drawing/2014/main" id="{0BA48772-FA7A-394F-B10C-9987EB630970}"/>
+              </a:ext>
+            </a:extLst>
+          </p:cNvPr>
+          <p:cNvSpPr>
+            <a:spLocks noGrp="1"/>
+          </p:cNvSpPr>
+          <p:nvPr>
+            <p:ph sz="half" idx="1"/>
+          </p:nvPr>
+        </p:nvSpPr>
+        <p:spPr/>
+        <p:txBody>
+          <a:bodyPr/>
+          <a:lstStyle/>
+          <a:p>
+            <a:endParaRPr kumimoji="1" lang="ko-KR" altLang="en-US"/>
+          </a:p>
+        </p:txBody>
+      </p:sp>
+      <p:sp>
+        <p:nvSpPr>
+          <p:cNvPr id="4" name="내용 개체 틀 3">
+            <a:extLst>
+              <a:ext uri="{FF2B5EF4-FFF2-40B4-BE49-F238E27FC236}">
+                <a16:creationId xmlns:a16="http://schemas.microsoft.com/office/drawing/2014/main" id="{39590BB7-CC95-8E40-9897-604BB7312E96}"/>
+              </a:ext>
+            </a:extLst>
+          </p:cNvPr>
+          <p:cNvSpPr>
+            <a:spLocks noGrp="1"/>
+          </p:cNvSpPr>
+          <p:nvPr>
+            <p:ph sz="half" idx="2"/>
+          </p:nvPr>
+        </p:nvSpPr>
+        <p:spPr/>
+        <p:txBody>
+          <a:bodyPr/>
+          <a:lstStyle/>
+          <a:p>
+            <a:endParaRPr kumimoji="1" lang="ko-KR" altLang="en-US"/>
+          </a:p>
+        </p:txBody>
+      </p:sp>
+    </p:spTree>
+    <p:extLst>
+      <p:ext uri="{BB962C8B-B14F-4D97-AF65-F5344CB8AC3E}">
+        <p14:creationId xmlns:p14="http://schemas.microsoft.com/office/powerpoint/2010/main" val="4122910011"/>
+      </p:ext>
+    </p:extLst>
+  </p:cSld>
+  <p:clrMapOvr>
+    <a:masterClrMapping/>
+  </p:clrMapOvr>
+</p:sld>
+</file>
+
+<file path=ppt/slides/slide9.xml><?xml version="1.0" encoding="utf-8"?>
+<p:sld xmlns:a="http://schemas.openxmlformats.org/drawingml/2006/main" xmlns:r="http://schemas.openxmlformats.org/officeDocument/2006/relationships" xmlns:p="http://schemas.openxmlformats.org/presentationml/2006/main">
+  <p:cSld>
+    <p:spTree>
+      <p:nvGrpSpPr>
+        <p:cNvPr id="1" name=""/>
+        <p:cNvGrpSpPr/>
+        <p:nvPr/>
+      </p:nvGrpSpPr>
+      <p:grpSpPr>
+        <a:xfrm>
+          <a:off x="0" y="0"/>
+          <a:ext cx="0" cy="0"/>
+          <a:chOff x="0" y="0"/>
+          <a:chExt cx="0" cy="0"/>
+        </a:xfrm>
+      </p:grpSpPr>
+      <p:sp>
+        <p:nvSpPr>
+          <p:cNvPr id="2" name="제목 1">
+            <a:extLst>
+              <a:ext uri="{FF2B5EF4-FFF2-40B4-BE49-F238E27FC236}">
+                <a16:creationId xmlns:a16="http://schemas.microsoft.com/office/drawing/2014/main" id="{9D7486EF-2B3B-FD4C-B314-1DA8B59BF1DC}"/>
+              </a:ext>
+            </a:extLst>
+          </p:cNvPr>
+          <p:cNvSpPr>
+            <a:spLocks noGrp="1"/>
+          </p:cNvSpPr>
+          <p:nvPr>
+            <p:ph type="title"/>
+          </p:nvPr>
+        </p:nvSpPr>
+        <p:spPr/>
+        <p:txBody>
+          <a:bodyPr/>
+          <a:lstStyle/>
+          <a:p>
+            <a:r>
+              <a:rPr kumimoji="1" lang="en-US" altLang="ko-KR" dirty="0"/>
+              <a:t>Office 365</a:t>
+            </a:r>
+            <a:endParaRPr kumimoji="1" lang="ko-KR" altLang="en-US" dirty="0"/>
+          </a:p>
+        </p:txBody>
+      </p:sp>
+      <p:sp>
+        <p:nvSpPr>
+          <p:cNvPr id="3" name="내용 개체 틀 2">
+            <a:extLst>
+              <a:ext uri="{FF2B5EF4-FFF2-40B4-BE49-F238E27FC236}">
+                <a16:creationId xmlns:a16="http://schemas.microsoft.com/office/drawing/2014/main" id="{E4924E39-F19E-6F48-B272-3CA287BDA0AE}"/>
+              </a:ext>
+            </a:extLst>
+          </p:cNvPr>
+          <p:cNvSpPr>
+            <a:spLocks noGrp="1"/>
+          </p:cNvSpPr>
+          <p:nvPr>
+            <p:ph sz="half" idx="1"/>
+          </p:nvPr>
+        </p:nvSpPr>
+        <p:spPr>
+          <a:xfrm>
+            <a:off x="1141410" y="2249486"/>
+            <a:ext cx="9200769" cy="2116715"/>
+          </a:xfrm>
+        </p:spPr>
+        <p:txBody>
+          <a:bodyPr/>
+          <a:lstStyle/>
+          <a:p>
+            <a:r>
+              <a:rPr kumimoji="1" lang="en-US" altLang="ko-KR" dirty="0"/>
+              <a:t>Office 365 gives various service that you will never see again after in personal account.</a:t>
+            </a:r>
+          </a:p>
+          <a:p>
+            <a:r>
+              <a:rPr kumimoji="1" lang="en-US" altLang="ko-KR" dirty="0"/>
+              <a:t>Why don</a:t>
+            </a:r>
+            <a:r>
+              <a:rPr kumimoji="1" lang="ko-KR" altLang="en-US" dirty="0"/>
+              <a:t>’</a:t>
+            </a:r>
+            <a:r>
+              <a:rPr kumimoji="1" lang="en-US" altLang="ko-KR" dirty="0"/>
+              <a:t>t we use more efficiently?</a:t>
+            </a:r>
+            <a:endParaRPr kumimoji="1" lang="ko-KR" altLang="en-US" dirty="0"/>
+          </a:p>
+        </p:txBody>
+      </p:sp>
+      <p:pic>
+        <p:nvPicPr>
+          <p:cNvPr id="6" name="내용 개체 틀 5">
+            <a:extLst>
+              <a:ext uri="{FF2B5EF4-FFF2-40B4-BE49-F238E27FC236}">
+                <a16:creationId xmlns:a16="http://schemas.microsoft.com/office/drawing/2014/main" id="{6A3B7822-DBEF-FF4F-97D3-A584BE04D140}"/>
+              </a:ext>
+            </a:extLst>
+          </p:cNvPr>
+          <p:cNvPicPr>
+            <a:picLocks noGrp="1" noChangeAspect="1"/>
+          </p:cNvPicPr>
+          <p:nvPr>
+            <p:ph sz="half" idx="2"/>
+          </p:nvPr>
+        </p:nvPicPr>
+        <p:blipFill>
+          <a:blip r:embed="rId2"/>
+          <a:stretch>
+            <a:fillRect/>
+          </a:stretch>
+        </p:blipFill>
+        <p:spPr>
+          <a:xfrm>
+            <a:off x="971265" y="4426621"/>
+            <a:ext cx="9792370" cy="1364579"/>
+          </a:xfrm>
+        </p:spPr>
+      </p:pic>
+    </p:spTree>
+    <p:extLst>
+      <p:ext uri="{BB962C8B-B14F-4D97-AF65-F5344CB8AC3E}">
+        <p14:creationId xmlns:p14="http://schemas.microsoft.com/office/powerpoint/2010/main" val="1154433210"/>
       </p:ext>
     </p:extLst>
   </p:cSld>

--- a/MSOffice.pptx
+++ b/MSOffice.pptx
@@ -14,6 +14,15 @@
     <p:sldId id="262" r:id="rId8"/>
     <p:sldId id="263" r:id="rId9"/>
     <p:sldId id="264" r:id="rId10"/>
+    <p:sldId id="265" r:id="rId11"/>
+    <p:sldId id="266" r:id="rId12"/>
+    <p:sldId id="267" r:id="rId13"/>
+    <p:sldId id="268" r:id="rId14"/>
+    <p:sldId id="269" r:id="rId15"/>
+    <p:sldId id="270" r:id="rId16"/>
+    <p:sldId id="271" r:id="rId17"/>
+    <p:sldId id="272" r:id="rId18"/>
+    <p:sldId id="273" r:id="rId19"/>
   </p:sldIdLst>
   <p:sldSz cx="12192000" cy="6858000"/>
   <p:notesSz cx="6858000" cy="9144000"/>
@@ -181,7 +190,7 @@
           <a:noFill/>
           <a:extLst>
             <a:ext uri="{909E8E84-426E-40dd-AFC4-6F175D3DCCD1}">
-              <a14:hiddenFill xmlns="" xmlns:a14="http://schemas.microsoft.com/office/drawing/2010/main">
+              <a14:hiddenFill xmlns:a14="http://schemas.microsoft.com/office/drawing/2010/main" xmlns="">
                 <a:solidFill>
                   <a:srgbClr val="FFFFFF"/>
                 </a:solidFill>
@@ -241,7 +250,7 @@
             </a:ln>
             <a:extLst>
               <a:ext uri="{91240B29-F687-4f45-9708-019B960494DF}">
-                <a14:hiddenLine xmlns="" xmlns:a14="http://schemas.microsoft.com/office/drawing/2010/main" w="9525">
+                <a14:hiddenLine xmlns:a14="http://schemas.microsoft.com/office/drawing/2010/main" xmlns="" w="9525">
                   <a:solidFill>
                     <a:srgbClr val="000000"/>
                   </a:solidFill>
@@ -331,7 +340,7 @@
             </a:ln>
             <a:extLst>
               <a:ext uri="{91240B29-F687-4f45-9708-019B960494DF}">
-                <a14:hiddenLine xmlns="" xmlns:a14="http://schemas.microsoft.com/office/drawing/2010/main" w="9525">
+                <a14:hiddenLine xmlns:a14="http://schemas.microsoft.com/office/drawing/2010/main" xmlns="" w="9525">
                   <a:solidFill>
                     <a:srgbClr val="000000"/>
                   </a:solidFill>
@@ -421,7 +430,7 @@
             </a:ln>
             <a:extLst>
               <a:ext uri="{91240B29-F687-4f45-9708-019B960494DF}">
-                <a14:hiddenLine xmlns="" xmlns:a14="http://schemas.microsoft.com/office/drawing/2010/main" w="9525">
+                <a14:hiddenLine xmlns:a14="http://schemas.microsoft.com/office/drawing/2010/main" xmlns="" w="9525">
                   <a:solidFill>
                     <a:srgbClr val="000000"/>
                   </a:solidFill>
@@ -455,7 +464,7 @@
             </a:ln>
             <a:extLst>
               <a:ext uri="{91240B29-F687-4f45-9708-019B960494DF}">
-                <a14:hiddenLine xmlns="" xmlns:a14="http://schemas.microsoft.com/office/drawing/2010/main" w="9525">
+                <a14:hiddenLine xmlns:a14="http://schemas.microsoft.com/office/drawing/2010/main" xmlns="" w="9525">
                   <a:solidFill>
                     <a:srgbClr val="000000"/>
                   </a:solidFill>
@@ -545,7 +554,7 @@
             </a:ln>
             <a:extLst>
               <a:ext uri="{91240B29-F687-4f45-9708-019B960494DF}">
-                <a14:hiddenLine xmlns="" xmlns:a14="http://schemas.microsoft.com/office/drawing/2010/main" w="9525">
+                <a14:hiddenLine xmlns:a14="http://schemas.microsoft.com/office/drawing/2010/main" xmlns="" w="9525">
                   <a:solidFill>
                     <a:srgbClr val="000000"/>
                   </a:solidFill>
@@ -607,7 +616,7 @@
             </a:ln>
             <a:extLst>
               <a:ext uri="{91240B29-F687-4f45-9708-019B960494DF}">
-                <a14:hiddenLine xmlns="" xmlns:a14="http://schemas.microsoft.com/office/drawing/2010/main" w="9525">
+                <a14:hiddenLine xmlns:a14="http://schemas.microsoft.com/office/drawing/2010/main" xmlns="" w="9525">
                   <a:solidFill>
                     <a:srgbClr val="000000"/>
                   </a:solidFill>
@@ -669,7 +678,7 @@
             </a:ln>
             <a:extLst>
               <a:ext uri="{91240B29-F687-4f45-9708-019B960494DF}">
-                <a14:hiddenLine xmlns="" xmlns:a14="http://schemas.microsoft.com/office/drawing/2010/main" w="9525">
+                <a14:hiddenLine xmlns:a14="http://schemas.microsoft.com/office/drawing/2010/main" xmlns="" w="9525">
                   <a:solidFill>
                     <a:srgbClr val="000000"/>
                   </a:solidFill>
@@ -759,7 +768,7 @@
             </a:ln>
             <a:extLst>
               <a:ext uri="{91240B29-F687-4f45-9708-019B960494DF}">
-                <a14:hiddenLine xmlns="" xmlns:a14="http://schemas.microsoft.com/office/drawing/2010/main" w="9525">
+                <a14:hiddenLine xmlns:a14="http://schemas.microsoft.com/office/drawing/2010/main" xmlns="" w="9525">
                   <a:solidFill>
                     <a:srgbClr val="000000"/>
                   </a:solidFill>
@@ -821,7 +830,7 @@
             </a:ln>
             <a:extLst>
               <a:ext uri="{91240B29-F687-4f45-9708-019B960494DF}">
-                <a14:hiddenLine xmlns="" xmlns:a14="http://schemas.microsoft.com/office/drawing/2010/main" w="9525">
+                <a14:hiddenLine xmlns:a14="http://schemas.microsoft.com/office/drawing/2010/main" xmlns="" w="9525">
                   <a:solidFill>
                     <a:srgbClr val="000000"/>
                   </a:solidFill>
@@ -883,7 +892,7 @@
             </a:ln>
             <a:extLst>
               <a:ext uri="{91240B29-F687-4f45-9708-019B960494DF}">
-                <a14:hiddenLine xmlns="" xmlns:a14="http://schemas.microsoft.com/office/drawing/2010/main" w="9525">
+                <a14:hiddenLine xmlns:a14="http://schemas.microsoft.com/office/drawing/2010/main" xmlns="" w="9525">
                   <a:solidFill>
                     <a:srgbClr val="000000"/>
                   </a:solidFill>
@@ -973,7 +982,7 @@
             </a:ln>
             <a:extLst>
               <a:ext uri="{91240B29-F687-4f45-9708-019B960494DF}">
-                <a14:hiddenLine xmlns="" xmlns:a14="http://schemas.microsoft.com/office/drawing/2010/main" w="9525">
+                <a14:hiddenLine xmlns:a14="http://schemas.microsoft.com/office/drawing/2010/main" xmlns="" w="9525">
                   <a:solidFill>
                     <a:srgbClr val="000000"/>
                   </a:solidFill>
@@ -1063,7 +1072,7 @@
             </a:ln>
             <a:extLst>
               <a:ext uri="{91240B29-F687-4f45-9708-019B960494DF}">
-                <a14:hiddenLine xmlns="" xmlns:a14="http://schemas.microsoft.com/office/drawing/2010/main" w="9525">
+                <a14:hiddenLine xmlns:a14="http://schemas.microsoft.com/office/drawing/2010/main" xmlns="" w="9525">
                   <a:solidFill>
                     <a:srgbClr val="000000"/>
                   </a:solidFill>
@@ -1125,7 +1134,7 @@
             </a:ln>
             <a:extLst>
               <a:ext uri="{91240B29-F687-4f45-9708-019B960494DF}">
-                <a14:hiddenLine xmlns="" xmlns:a14="http://schemas.microsoft.com/office/drawing/2010/main" w="9525">
+                <a14:hiddenLine xmlns:a14="http://schemas.microsoft.com/office/drawing/2010/main" xmlns="" w="9525">
                   <a:solidFill>
                     <a:srgbClr val="000000"/>
                   </a:solidFill>
@@ -1235,7 +1244,7 @@
             </a:ln>
             <a:extLst>
               <a:ext uri="{91240B29-F687-4f45-9708-019B960494DF}">
-                <a14:hiddenLine xmlns="" xmlns:a14="http://schemas.microsoft.com/office/drawing/2010/main" w="9525">
+                <a14:hiddenLine xmlns:a14="http://schemas.microsoft.com/office/drawing/2010/main" xmlns="" w="9525">
                   <a:solidFill>
                     <a:srgbClr val="000000"/>
                   </a:solidFill>
@@ -1297,7 +1306,7 @@
             </a:ln>
             <a:extLst>
               <a:ext uri="{91240B29-F687-4f45-9708-019B960494DF}">
-                <a14:hiddenLine xmlns="" xmlns:a14="http://schemas.microsoft.com/office/drawing/2010/main" w="9525">
+                <a14:hiddenLine xmlns:a14="http://schemas.microsoft.com/office/drawing/2010/main" xmlns="" w="9525">
                   <a:solidFill>
                     <a:srgbClr val="000000"/>
                   </a:solidFill>
@@ -1387,7 +1396,7 @@
             </a:ln>
             <a:extLst>
               <a:ext uri="{91240B29-F687-4f45-9708-019B960494DF}">
-                <a14:hiddenLine xmlns="" xmlns:a14="http://schemas.microsoft.com/office/drawing/2010/main" w="9525">
+                <a14:hiddenLine xmlns:a14="http://schemas.microsoft.com/office/drawing/2010/main" xmlns="" w="9525">
                   <a:solidFill>
                     <a:srgbClr val="000000"/>
                   </a:solidFill>
@@ -1477,7 +1486,7 @@
             </a:ln>
             <a:extLst>
               <a:ext uri="{91240B29-F687-4f45-9708-019B960494DF}">
-                <a14:hiddenLine xmlns="" xmlns:a14="http://schemas.microsoft.com/office/drawing/2010/main" w="9525">
+                <a14:hiddenLine xmlns:a14="http://schemas.microsoft.com/office/drawing/2010/main" xmlns="" w="9525">
                   <a:solidFill>
                     <a:srgbClr val="000000"/>
                   </a:solidFill>
@@ -1539,7 +1548,7 @@
             </a:ln>
             <a:extLst>
               <a:ext uri="{91240B29-F687-4f45-9708-019B960494DF}">
-                <a14:hiddenLine xmlns="" xmlns:a14="http://schemas.microsoft.com/office/drawing/2010/main" w="9525">
+                <a14:hiddenLine xmlns:a14="http://schemas.microsoft.com/office/drawing/2010/main" xmlns="" w="9525">
                   <a:solidFill>
                     <a:srgbClr val="000000"/>
                   </a:solidFill>
@@ -1629,7 +1638,7 @@
             </a:ln>
             <a:extLst>
               <a:ext uri="{91240B29-F687-4f45-9708-019B960494DF}">
-                <a14:hiddenLine xmlns="" xmlns:a14="http://schemas.microsoft.com/office/drawing/2010/main" w="9525">
+                <a14:hiddenLine xmlns:a14="http://schemas.microsoft.com/office/drawing/2010/main" xmlns="" w="9525">
                   <a:solidFill>
                     <a:srgbClr val="000000"/>
                   </a:solidFill>
@@ -1719,7 +1728,7 @@
             </a:ln>
             <a:extLst>
               <a:ext uri="{91240B29-F687-4f45-9708-019B960494DF}">
-                <a14:hiddenLine xmlns="" xmlns:a14="http://schemas.microsoft.com/office/drawing/2010/main" w="9525">
+                <a14:hiddenLine xmlns:a14="http://schemas.microsoft.com/office/drawing/2010/main" xmlns="" w="9525">
                   <a:solidFill>
                     <a:srgbClr val="000000"/>
                   </a:solidFill>
@@ -1775,7 +1784,7 @@
             </a:ln>
             <a:extLst>
               <a:ext uri="{91240B29-F687-4f45-9708-019B960494DF}">
-                <a14:hiddenLine xmlns="" xmlns:a14="http://schemas.microsoft.com/office/drawing/2010/main" w="9525">
+                <a14:hiddenLine xmlns:a14="http://schemas.microsoft.com/office/drawing/2010/main" xmlns="" w="9525">
                   <a:solidFill>
                     <a:srgbClr val="000000"/>
                   </a:solidFill>
@@ -1865,7 +1874,7 @@
             </a:ln>
             <a:extLst>
               <a:ext uri="{91240B29-F687-4f45-9708-019B960494DF}">
-                <a14:hiddenLine xmlns="" xmlns:a14="http://schemas.microsoft.com/office/drawing/2010/main" w="9525">
+                <a14:hiddenLine xmlns:a14="http://schemas.microsoft.com/office/drawing/2010/main" xmlns="" w="9525">
                   <a:solidFill>
                     <a:srgbClr val="000000"/>
                   </a:solidFill>
@@ -1921,7 +1930,7 @@
             </a:ln>
             <a:extLst>
               <a:ext uri="{91240B29-F687-4f45-9708-019B960494DF}">
-                <a14:hiddenLine xmlns="" xmlns:a14="http://schemas.microsoft.com/office/drawing/2010/main" w="9525">
+                <a14:hiddenLine xmlns:a14="http://schemas.microsoft.com/office/drawing/2010/main" xmlns="" w="9525">
                   <a:solidFill>
                     <a:srgbClr val="000000"/>
                   </a:solidFill>
@@ -2011,7 +2020,7 @@
             </a:ln>
             <a:extLst>
               <a:ext uri="{91240B29-F687-4f45-9708-019B960494DF}">
-                <a14:hiddenLine xmlns="" xmlns:a14="http://schemas.microsoft.com/office/drawing/2010/main" w="9525">
+                <a14:hiddenLine xmlns:a14="http://schemas.microsoft.com/office/drawing/2010/main" xmlns="" w="9525">
                   <a:solidFill>
                     <a:srgbClr val="000000"/>
                   </a:solidFill>
@@ -2079,7 +2088,7 @@
             </a:ln>
             <a:extLst>
               <a:ext uri="{91240B29-F687-4f45-9708-019B960494DF}">
-                <a14:hiddenLine xmlns="" xmlns:a14="http://schemas.microsoft.com/office/drawing/2010/main" w="9525">
+                <a14:hiddenLine xmlns:a14="http://schemas.microsoft.com/office/drawing/2010/main" xmlns="" w="9525">
                   <a:solidFill>
                     <a:srgbClr val="000000"/>
                   </a:solidFill>
@@ -2169,7 +2178,7 @@
             </a:ln>
             <a:extLst>
               <a:ext uri="{91240B29-F687-4f45-9708-019B960494DF}">
-                <a14:hiddenLine xmlns="" xmlns:a14="http://schemas.microsoft.com/office/drawing/2010/main" w="9525">
+                <a14:hiddenLine xmlns:a14="http://schemas.microsoft.com/office/drawing/2010/main" xmlns="" w="9525">
                   <a:solidFill>
                     <a:srgbClr val="000000"/>
                   </a:solidFill>
@@ -2237,7 +2246,7 @@
             </a:ln>
             <a:extLst>
               <a:ext uri="{91240B29-F687-4f45-9708-019B960494DF}">
-                <a14:hiddenLine xmlns="" xmlns:a14="http://schemas.microsoft.com/office/drawing/2010/main" w="9525">
+                <a14:hiddenLine xmlns:a14="http://schemas.microsoft.com/office/drawing/2010/main" xmlns="" w="9525">
                   <a:solidFill>
                     <a:srgbClr val="000000"/>
                   </a:solidFill>
@@ -2327,7 +2336,7 @@
             </a:ln>
             <a:extLst>
               <a:ext uri="{91240B29-F687-4f45-9708-019B960494DF}">
-                <a14:hiddenLine xmlns="" xmlns:a14="http://schemas.microsoft.com/office/drawing/2010/main" w="9525">
+                <a14:hiddenLine xmlns:a14="http://schemas.microsoft.com/office/drawing/2010/main" xmlns="" w="9525">
                   <a:solidFill>
                     <a:srgbClr val="000000"/>
                   </a:solidFill>
@@ -2361,7 +2370,7 @@
             </a:ln>
             <a:extLst>
               <a:ext uri="{91240B29-F687-4f45-9708-019B960494DF}">
-                <a14:hiddenLine xmlns="" xmlns:a14="http://schemas.microsoft.com/office/drawing/2010/main" w="9525">
+                <a14:hiddenLine xmlns:a14="http://schemas.microsoft.com/office/drawing/2010/main" xmlns="" w="9525">
                   <a:solidFill>
                     <a:srgbClr val="000000"/>
                   </a:solidFill>
@@ -2451,7 +2460,7 @@
             </a:ln>
             <a:extLst>
               <a:ext uri="{91240B29-F687-4f45-9708-019B960494DF}">
-                <a14:hiddenLine xmlns="" xmlns:a14="http://schemas.microsoft.com/office/drawing/2010/main" w="9525">
+                <a14:hiddenLine xmlns:a14="http://schemas.microsoft.com/office/drawing/2010/main" xmlns="" w="9525">
                   <a:solidFill>
                     <a:srgbClr val="000000"/>
                   </a:solidFill>
@@ -2513,7 +2522,7 @@
             </a:ln>
             <a:extLst>
               <a:ext uri="{91240B29-F687-4f45-9708-019B960494DF}">
-                <a14:hiddenLine xmlns="" xmlns:a14="http://schemas.microsoft.com/office/drawing/2010/main" w="9525">
+                <a14:hiddenLine xmlns:a14="http://schemas.microsoft.com/office/drawing/2010/main" xmlns="" w="9525">
                   <a:solidFill>
                     <a:srgbClr val="000000"/>
                   </a:solidFill>
@@ -2575,7 +2584,7 @@
             </a:ln>
             <a:extLst>
               <a:ext uri="{91240B29-F687-4f45-9708-019B960494DF}">
-                <a14:hiddenLine xmlns="" xmlns:a14="http://schemas.microsoft.com/office/drawing/2010/main" w="9525">
+                <a14:hiddenLine xmlns:a14="http://schemas.microsoft.com/office/drawing/2010/main" xmlns="" w="9525">
                   <a:solidFill>
                     <a:srgbClr val="000000"/>
                   </a:solidFill>
@@ -2665,7 +2674,7 @@
             </a:ln>
             <a:extLst>
               <a:ext uri="{91240B29-F687-4f45-9708-019B960494DF}">
-                <a14:hiddenLine xmlns="" xmlns:a14="http://schemas.microsoft.com/office/drawing/2010/main" w="9525">
+                <a14:hiddenLine xmlns:a14="http://schemas.microsoft.com/office/drawing/2010/main" xmlns="" w="9525">
                   <a:solidFill>
                     <a:srgbClr val="000000"/>
                   </a:solidFill>
@@ -2733,7 +2742,7 @@
             </a:ln>
             <a:extLst>
               <a:ext uri="{91240B29-F687-4f45-9708-019B960494DF}">
-                <a14:hiddenLine xmlns="" xmlns:a14="http://schemas.microsoft.com/office/drawing/2010/main" w="9525">
+                <a14:hiddenLine xmlns:a14="http://schemas.microsoft.com/office/drawing/2010/main" xmlns="" w="9525">
                   <a:solidFill>
                     <a:srgbClr val="000000"/>
                   </a:solidFill>
@@ -2795,7 +2804,7 @@
             </a:ln>
             <a:extLst>
               <a:ext uri="{91240B29-F687-4f45-9708-019B960494DF}">
-                <a14:hiddenLine xmlns="" xmlns:a14="http://schemas.microsoft.com/office/drawing/2010/main" w="9525">
+                <a14:hiddenLine xmlns:a14="http://schemas.microsoft.com/office/drawing/2010/main" xmlns="" w="9525">
                   <a:solidFill>
                     <a:srgbClr val="000000"/>
                   </a:solidFill>
@@ -2885,7 +2894,7 @@
             </a:ln>
             <a:extLst>
               <a:ext uri="{91240B29-F687-4f45-9708-019B960494DF}">
-                <a14:hiddenLine xmlns="" xmlns:a14="http://schemas.microsoft.com/office/drawing/2010/main" w="9525">
+                <a14:hiddenLine xmlns:a14="http://schemas.microsoft.com/office/drawing/2010/main" xmlns="" w="9525">
                   <a:solidFill>
                     <a:srgbClr val="000000"/>
                   </a:solidFill>
@@ -2947,7 +2956,7 @@
             </a:ln>
             <a:extLst>
               <a:ext uri="{91240B29-F687-4f45-9708-019B960494DF}">
-                <a14:hiddenLine xmlns="" xmlns:a14="http://schemas.microsoft.com/office/drawing/2010/main" w="9525">
+                <a14:hiddenLine xmlns:a14="http://schemas.microsoft.com/office/drawing/2010/main" xmlns="" w="9525">
                   <a:solidFill>
                     <a:srgbClr val="000000"/>
                   </a:solidFill>
@@ -3037,7 +3046,7 @@
             </a:ln>
             <a:extLst>
               <a:ext uri="{91240B29-F687-4f45-9708-019B960494DF}">
-                <a14:hiddenLine xmlns="" xmlns:a14="http://schemas.microsoft.com/office/drawing/2010/main" w="9525">
+                <a14:hiddenLine xmlns:a14="http://schemas.microsoft.com/office/drawing/2010/main" xmlns="" w="9525">
                   <a:solidFill>
                     <a:srgbClr val="000000"/>
                   </a:solidFill>
@@ -3099,7 +3108,7 @@
             </a:ln>
             <a:extLst>
               <a:ext uri="{91240B29-F687-4f45-9708-019B960494DF}">
-                <a14:hiddenLine xmlns="" xmlns:a14="http://schemas.microsoft.com/office/drawing/2010/main" w="9525">
+                <a14:hiddenLine xmlns:a14="http://schemas.microsoft.com/office/drawing/2010/main" xmlns="" w="9525">
                   <a:solidFill>
                     <a:srgbClr val="000000"/>
                   </a:solidFill>
@@ -3189,7 +3198,7 @@
             </a:ln>
             <a:extLst>
               <a:ext uri="{91240B29-F687-4f45-9708-019B960494DF}">
-                <a14:hiddenLine xmlns="" xmlns:a14="http://schemas.microsoft.com/office/drawing/2010/main" w="9525">
+                <a14:hiddenLine xmlns:a14="http://schemas.microsoft.com/office/drawing/2010/main" xmlns="" w="9525">
                   <a:solidFill>
                     <a:srgbClr val="000000"/>
                   </a:solidFill>
@@ -3223,7 +3232,7 @@
             </a:ln>
             <a:extLst>
               <a:ext uri="{91240B29-F687-4f45-9708-019B960494DF}">
-                <a14:hiddenLine xmlns="" xmlns:a14="http://schemas.microsoft.com/office/drawing/2010/main" w="9525">
+                <a14:hiddenLine xmlns:a14="http://schemas.microsoft.com/office/drawing/2010/main" xmlns="" w="9525">
                   <a:solidFill>
                     <a:srgbClr val="000000"/>
                   </a:solidFill>
@@ -3288,7 +3297,7 @@
             </a:ln>
             <a:extLst>
               <a:ext uri="{91240B29-F687-4f45-9708-019B960494DF}">
-                <a14:hiddenLine xmlns="" xmlns:a14="http://schemas.microsoft.com/office/drawing/2010/main" w="9525">
+                <a14:hiddenLine xmlns:a14="http://schemas.microsoft.com/office/drawing/2010/main" xmlns="" w="9525">
                   <a:solidFill>
                     <a:srgbClr val="000000"/>
                   </a:solidFill>
@@ -3378,7 +3387,7 @@
             </a:ln>
             <a:extLst>
               <a:ext uri="{91240B29-F687-4f45-9708-019B960494DF}">
-                <a14:hiddenLine xmlns="" xmlns:a14="http://schemas.microsoft.com/office/drawing/2010/main" w="9525">
+                <a14:hiddenLine xmlns:a14="http://schemas.microsoft.com/office/drawing/2010/main" xmlns="" w="9525">
                   <a:solidFill>
                     <a:srgbClr val="000000"/>
                   </a:solidFill>
@@ -3440,7 +3449,7 @@
             </a:ln>
             <a:extLst>
               <a:ext uri="{91240B29-F687-4f45-9708-019B960494DF}">
-                <a14:hiddenLine xmlns="" xmlns:a14="http://schemas.microsoft.com/office/drawing/2010/main" w="9525">
+                <a14:hiddenLine xmlns:a14="http://schemas.microsoft.com/office/drawing/2010/main" xmlns="" w="9525">
                   <a:solidFill>
                     <a:srgbClr val="000000"/>
                   </a:solidFill>
@@ -3530,7 +3539,7 @@
             </a:ln>
             <a:extLst>
               <a:ext uri="{91240B29-F687-4f45-9708-019B960494DF}">
-                <a14:hiddenLine xmlns="" xmlns:a14="http://schemas.microsoft.com/office/drawing/2010/main" w="9525">
+                <a14:hiddenLine xmlns:a14="http://schemas.microsoft.com/office/drawing/2010/main" xmlns="" w="9525">
                   <a:solidFill>
                     <a:srgbClr val="000000"/>
                   </a:solidFill>
@@ -3620,7 +3629,7 @@
             </a:ln>
             <a:extLst>
               <a:ext uri="{91240B29-F687-4f45-9708-019B960494DF}">
-                <a14:hiddenLine xmlns="" xmlns:a14="http://schemas.microsoft.com/office/drawing/2010/main" w="9525">
+                <a14:hiddenLine xmlns:a14="http://schemas.microsoft.com/office/drawing/2010/main" xmlns="" w="9525">
                   <a:solidFill>
                     <a:srgbClr val="000000"/>
                   </a:solidFill>
@@ -3685,7 +3694,7 @@
             </a:ln>
             <a:extLst>
               <a:ext uri="{91240B29-F687-4f45-9708-019B960494DF}">
-                <a14:hiddenLine xmlns="" xmlns:a14="http://schemas.microsoft.com/office/drawing/2010/main" w="9525">
+                <a14:hiddenLine xmlns:a14="http://schemas.microsoft.com/office/drawing/2010/main" xmlns="" w="9525">
                   <a:solidFill>
                     <a:srgbClr val="000000"/>
                   </a:solidFill>
@@ -3747,7 +3756,7 @@
             </a:ln>
             <a:extLst>
               <a:ext uri="{91240B29-F687-4f45-9708-019B960494DF}">
-                <a14:hiddenLine xmlns="" xmlns:a14="http://schemas.microsoft.com/office/drawing/2010/main" w="9525">
+                <a14:hiddenLine xmlns:a14="http://schemas.microsoft.com/office/drawing/2010/main" xmlns="" w="9525">
                   <a:solidFill>
                     <a:srgbClr val="000000"/>
                   </a:solidFill>
@@ -3837,7 +3846,7 @@
             </a:ln>
             <a:extLst>
               <a:ext uri="{91240B29-F687-4f45-9708-019B960494DF}">
-                <a14:hiddenLine xmlns="" xmlns:a14="http://schemas.microsoft.com/office/drawing/2010/main" w="9525">
+                <a14:hiddenLine xmlns:a14="http://schemas.microsoft.com/office/drawing/2010/main" xmlns="" w="9525">
                   <a:solidFill>
                     <a:srgbClr val="000000"/>
                   </a:solidFill>
@@ -3927,7 +3936,7 @@
             </a:ln>
             <a:extLst>
               <a:ext uri="{91240B29-F687-4f45-9708-019B960494DF}">
-                <a14:hiddenLine xmlns="" xmlns:a14="http://schemas.microsoft.com/office/drawing/2010/main" w="9525">
+                <a14:hiddenLine xmlns:a14="http://schemas.microsoft.com/office/drawing/2010/main" xmlns="" w="9525">
                   <a:solidFill>
                     <a:srgbClr val="000000"/>
                   </a:solidFill>
@@ -3989,7 +3998,7 @@
             </a:ln>
             <a:extLst>
               <a:ext uri="{91240B29-F687-4f45-9708-019B960494DF}">
-                <a14:hiddenLine xmlns="" xmlns:a14="http://schemas.microsoft.com/office/drawing/2010/main" w="9525">
+                <a14:hiddenLine xmlns:a14="http://schemas.microsoft.com/office/drawing/2010/main" xmlns="" w="9525">
                   <a:solidFill>
                     <a:srgbClr val="000000"/>
                   </a:solidFill>
@@ -4109,7 +4118,7 @@
             </a:ln>
             <a:extLst>
               <a:ext uri="{91240B29-F687-4f45-9708-019B960494DF}">
-                <a14:hiddenLine xmlns="" xmlns:a14="http://schemas.microsoft.com/office/drawing/2010/main" w="9525">
+                <a14:hiddenLine xmlns:a14="http://schemas.microsoft.com/office/drawing/2010/main" xmlns="" w="9525">
                   <a:solidFill>
                     <a:srgbClr val="000000"/>
                   </a:solidFill>
@@ -4177,7 +4186,7 @@
             </a:ln>
             <a:extLst>
               <a:ext uri="{91240B29-F687-4f45-9708-019B960494DF}">
-                <a14:hiddenLine xmlns="" xmlns:a14="http://schemas.microsoft.com/office/drawing/2010/main" w="9525">
+                <a14:hiddenLine xmlns:a14="http://schemas.microsoft.com/office/drawing/2010/main" xmlns="" w="9525">
                   <a:solidFill>
                     <a:srgbClr val="000000"/>
                   </a:solidFill>
@@ -4267,7 +4276,7 @@
             </a:ln>
             <a:extLst>
               <a:ext uri="{91240B29-F687-4f45-9708-019B960494DF}">
-                <a14:hiddenLine xmlns="" xmlns:a14="http://schemas.microsoft.com/office/drawing/2010/main" w="9525">
+                <a14:hiddenLine xmlns:a14="http://schemas.microsoft.com/office/drawing/2010/main" xmlns="" w="9525">
                   <a:solidFill>
                     <a:srgbClr val="000000"/>
                   </a:solidFill>
@@ -4407,7 +4416,7 @@
           <a:p>
             <a:fld id="{48A87A34-81AB-432B-8DAE-1953F412C126}" type="datetimeFigureOut">
               <a:rPr lang="en-US" dirty="0"/>
-              <a:t>3/25/18</a:t>
+              <a:t>3/28/18</a:t>
             </a:fld>
             <a:endParaRPr lang="en-US" dirty="0"/>
           </a:p>
@@ -4669,7 +4678,7 @@
           <a:p>
             <a:fld id="{48A87A34-81AB-432B-8DAE-1953F412C126}" type="datetimeFigureOut">
               <a:rPr lang="en-US" dirty="0"/>
-              <a:t>3/25/18</a:t>
+              <a:t>3/28/18</a:t>
             </a:fld>
             <a:endParaRPr lang="en-US" dirty="0"/>
           </a:p>
@@ -4860,7 +4869,7 @@
           <a:p>
             <a:fld id="{48A87A34-81AB-432B-8DAE-1953F412C126}" type="datetimeFigureOut">
               <a:rPr lang="en-US" dirty="0"/>
-              <a:t>3/25/18</a:t>
+              <a:t>3/28/18</a:t>
             </a:fld>
             <a:endParaRPr lang="en-US" dirty="0"/>
           </a:p>
@@ -5118,7 +5127,7 @@
           <a:p>
             <a:fld id="{48A87A34-81AB-432B-8DAE-1953F412C126}" type="datetimeFigureOut">
               <a:rPr lang="en-US" dirty="0"/>
-              <a:t>3/25/18</a:t>
+              <a:t>3/28/18</a:t>
             </a:fld>
             <a:endParaRPr lang="en-US" dirty="0"/>
           </a:p>
@@ -5547,7 +5556,7 @@
           <a:p>
             <a:fld id="{48A87A34-81AB-432B-8DAE-1953F412C126}" type="datetimeFigureOut">
               <a:rPr lang="en-US" dirty="0"/>
-              <a:t>3/25/18</a:t>
+              <a:t>3/28/18</a:t>
             </a:fld>
             <a:endParaRPr lang="en-US" dirty="0"/>
           </a:p>
@@ -6088,7 +6097,7 @@
           <a:p>
             <a:fld id="{48A87A34-81AB-432B-8DAE-1953F412C126}" type="datetimeFigureOut">
               <a:rPr lang="en-US" dirty="0"/>
-              <a:t>3/25/18</a:t>
+              <a:t>3/28/18</a:t>
             </a:fld>
             <a:endParaRPr lang="en-US" dirty="0"/>
           </a:p>
@@ -6803,7 +6812,7 @@
           <a:p>
             <a:fld id="{48A87A34-81AB-432B-8DAE-1953F412C126}" type="datetimeFigureOut">
               <a:rPr lang="en-US" dirty="0"/>
-              <a:t>3/25/18</a:t>
+              <a:t>3/28/18</a:t>
             </a:fld>
             <a:endParaRPr lang="en-US" dirty="0"/>
           </a:p>
@@ -6968,7 +6977,7 @@
           <a:p>
             <a:fld id="{48A87A34-81AB-432B-8DAE-1953F412C126}" type="datetimeFigureOut">
               <a:rPr lang="en-US" dirty="0"/>
-              <a:t>3/25/18</a:t>
+              <a:t>3/28/18</a:t>
             </a:fld>
             <a:endParaRPr lang="en-US" dirty="0"/>
           </a:p>
@@ -7143,7 +7152,7 @@
           <a:p>
             <a:fld id="{48A87A34-81AB-432B-8DAE-1953F412C126}" type="datetimeFigureOut">
               <a:rPr lang="en-US" dirty="0"/>
-              <a:t>3/25/18</a:t>
+              <a:t>3/28/18</a:t>
             </a:fld>
             <a:endParaRPr lang="en-US" dirty="0"/>
           </a:p>
@@ -7308,7 +7317,7 @@
           <a:p>
             <a:fld id="{48A87A34-81AB-432B-8DAE-1953F412C126}" type="datetimeFigureOut">
               <a:rPr lang="en-US" dirty="0"/>
-              <a:t>3/25/18</a:t>
+              <a:t>3/28/18</a:t>
             </a:fld>
             <a:endParaRPr lang="en-US" dirty="0"/>
           </a:p>
@@ -7553,7 +7562,7 @@
           <a:p>
             <a:fld id="{48A87A34-81AB-432B-8DAE-1953F412C126}" type="datetimeFigureOut">
               <a:rPr lang="en-US" dirty="0"/>
-              <a:t>3/25/18</a:t>
+              <a:t>3/28/18</a:t>
             </a:fld>
             <a:endParaRPr lang="en-US" dirty="0"/>
           </a:p>
@@ -7780,7 +7789,7 @@
           <a:p>
             <a:fld id="{48A87A34-81AB-432B-8DAE-1953F412C126}" type="datetimeFigureOut">
               <a:rPr lang="en-US" dirty="0"/>
-              <a:t>3/25/18</a:t>
+              <a:t>3/28/18</a:t>
             </a:fld>
             <a:endParaRPr lang="en-US" dirty="0"/>
           </a:p>
@@ -8156,7 +8165,7 @@
           <a:p>
             <a:fld id="{48A87A34-81AB-432B-8DAE-1953F412C126}" type="datetimeFigureOut">
               <a:rPr lang="en-US" dirty="0"/>
-              <a:t>3/25/18</a:t>
+              <a:t>3/28/18</a:t>
             </a:fld>
             <a:endParaRPr lang="en-US" dirty="0"/>
           </a:p>
@@ -8269,7 +8278,7 @@
           <a:p>
             <a:fld id="{48A87A34-81AB-432B-8DAE-1953F412C126}" type="datetimeFigureOut">
               <a:rPr lang="en-US" dirty="0"/>
-              <a:t>3/25/18</a:t>
+              <a:t>3/28/18</a:t>
             </a:fld>
             <a:endParaRPr lang="en-US" dirty="0"/>
           </a:p>
@@ -8359,7 +8368,7 @@
           <a:p>
             <a:fld id="{48A87A34-81AB-432B-8DAE-1953F412C126}" type="datetimeFigureOut">
               <a:rPr lang="en-US" dirty="0"/>
-              <a:t>3/25/18</a:t>
+              <a:t>3/28/18</a:t>
             </a:fld>
             <a:endParaRPr lang="en-US" dirty="0"/>
           </a:p>
@@ -8603,7 +8612,7 @@
           <a:p>
             <a:fld id="{48A87A34-81AB-432B-8DAE-1953F412C126}" type="datetimeFigureOut">
               <a:rPr lang="en-US" dirty="0"/>
-              <a:t>3/25/18</a:t>
+              <a:t>3/28/18</a:t>
             </a:fld>
             <a:endParaRPr lang="en-US" dirty="0"/>
           </a:p>
@@ -8878,7 +8887,7 @@
           <a:p>
             <a:fld id="{48A87A34-81AB-432B-8DAE-1953F412C126}" type="datetimeFigureOut">
               <a:rPr lang="en-US" dirty="0"/>
-              <a:t>3/25/18</a:t>
+              <a:t>3/28/18</a:t>
             </a:fld>
             <a:endParaRPr lang="en-US" dirty="0"/>
           </a:p>
@@ -8989,7 +8998,7 @@
           <a:noFill/>
           <a:extLst>
             <a:ext uri="{909E8E84-426E-40dd-AFC4-6F175D3DCCD1}">
-              <a14:hiddenFill xmlns="" xmlns:a14="http://schemas.microsoft.com/office/drawing/2010/main">
+              <a14:hiddenFill xmlns:a14="http://schemas.microsoft.com/office/drawing/2010/main" xmlns="">
                 <a:solidFill>
                   <a:srgbClr val="FFFFFF"/>
                 </a:solidFill>
@@ -9063,7 +9072,7 @@
               </a:ln>
               <a:extLst>
                 <a:ext uri="{91240B29-F687-4f45-9708-019B960494DF}">
-                  <a14:hiddenLine xmlns="" xmlns:a14="http://schemas.microsoft.com/office/drawing/2010/main" w="9525">
+                  <a14:hiddenLine xmlns:a14="http://schemas.microsoft.com/office/drawing/2010/main" xmlns="" w="9525">
                     <a:solidFill>
                       <a:srgbClr val="000000"/>
                     </a:solidFill>
@@ -9153,7 +9162,7 @@
               </a:ln>
               <a:extLst>
                 <a:ext uri="{91240B29-F687-4f45-9708-019B960494DF}">
-                  <a14:hiddenLine xmlns="" xmlns:a14="http://schemas.microsoft.com/office/drawing/2010/main" w="9525">
+                  <a14:hiddenLine xmlns:a14="http://schemas.microsoft.com/office/drawing/2010/main" xmlns="" w="9525">
                     <a:solidFill>
                       <a:srgbClr val="000000"/>
                     </a:solidFill>
@@ -9243,7 +9252,7 @@
               </a:ln>
               <a:extLst>
                 <a:ext uri="{91240B29-F687-4f45-9708-019B960494DF}">
-                  <a14:hiddenLine xmlns="" xmlns:a14="http://schemas.microsoft.com/office/drawing/2010/main" w="9525">
+                  <a14:hiddenLine xmlns:a14="http://schemas.microsoft.com/office/drawing/2010/main" xmlns="" w="9525">
                     <a:solidFill>
                       <a:srgbClr val="000000"/>
                     </a:solidFill>
@@ -9305,7 +9314,7 @@
               </a:ln>
               <a:extLst>
                 <a:ext uri="{91240B29-F687-4f45-9708-019B960494DF}">
-                  <a14:hiddenLine xmlns="" xmlns:a14="http://schemas.microsoft.com/office/drawing/2010/main" w="9525">
+                  <a14:hiddenLine xmlns:a14="http://schemas.microsoft.com/office/drawing/2010/main" xmlns="" w="9525">
                     <a:solidFill>
                       <a:srgbClr val="000000"/>
                     </a:solidFill>
@@ -9395,7 +9404,7 @@
               </a:ln>
               <a:extLst>
                 <a:ext uri="{91240B29-F687-4f45-9708-019B960494DF}">
-                  <a14:hiddenLine xmlns="" xmlns:a14="http://schemas.microsoft.com/office/drawing/2010/main" w="9525">
+                  <a14:hiddenLine xmlns:a14="http://schemas.microsoft.com/office/drawing/2010/main" xmlns="" w="9525">
                     <a:solidFill>
                       <a:srgbClr val="000000"/>
                     </a:solidFill>
@@ -9457,7 +9466,7 @@
               </a:ln>
               <a:extLst>
                 <a:ext uri="{91240B29-F687-4f45-9708-019B960494DF}">
-                  <a14:hiddenLine xmlns="" xmlns:a14="http://schemas.microsoft.com/office/drawing/2010/main" w="9525">
+                  <a14:hiddenLine xmlns:a14="http://schemas.microsoft.com/office/drawing/2010/main" xmlns="" w="9525">
                     <a:solidFill>
                       <a:srgbClr val="000000"/>
                     </a:solidFill>
@@ -9519,7 +9528,7 @@
               </a:ln>
               <a:extLst>
                 <a:ext uri="{91240B29-F687-4f45-9708-019B960494DF}">
-                  <a14:hiddenLine xmlns="" xmlns:a14="http://schemas.microsoft.com/office/drawing/2010/main" w="9525">
+                  <a14:hiddenLine xmlns:a14="http://schemas.microsoft.com/office/drawing/2010/main" xmlns="" w="9525">
                     <a:solidFill>
                       <a:srgbClr val="000000"/>
                     </a:solidFill>
@@ -9609,7 +9618,7 @@
               </a:ln>
               <a:extLst>
                 <a:ext uri="{91240B29-F687-4f45-9708-019B960494DF}">
-                  <a14:hiddenLine xmlns="" xmlns:a14="http://schemas.microsoft.com/office/drawing/2010/main" w="9525">
+                  <a14:hiddenLine xmlns:a14="http://schemas.microsoft.com/office/drawing/2010/main" xmlns="" w="9525">
                     <a:solidFill>
                       <a:srgbClr val="000000"/>
                     </a:solidFill>
@@ -9699,7 +9708,7 @@
               </a:ln>
               <a:extLst>
                 <a:ext uri="{91240B29-F687-4f45-9708-019B960494DF}">
-                  <a14:hiddenLine xmlns="" xmlns:a14="http://schemas.microsoft.com/office/drawing/2010/main" w="9525">
+                  <a14:hiddenLine xmlns:a14="http://schemas.microsoft.com/office/drawing/2010/main" xmlns="" w="9525">
                     <a:solidFill>
                       <a:srgbClr val="000000"/>
                     </a:solidFill>
@@ -9761,7 +9770,7 @@
               </a:ln>
               <a:extLst>
                 <a:ext uri="{91240B29-F687-4f45-9708-019B960494DF}">
-                  <a14:hiddenLine xmlns="" xmlns:a14="http://schemas.microsoft.com/office/drawing/2010/main" w="9525">
+                  <a14:hiddenLine xmlns:a14="http://schemas.microsoft.com/office/drawing/2010/main" xmlns="" w="9525">
                     <a:solidFill>
                       <a:srgbClr val="000000"/>
                     </a:solidFill>
@@ -9871,7 +9880,7 @@
               </a:ln>
               <a:extLst>
                 <a:ext uri="{91240B29-F687-4f45-9708-019B960494DF}">
-                  <a14:hiddenLine xmlns="" xmlns:a14="http://schemas.microsoft.com/office/drawing/2010/main" w="9525">
+                  <a14:hiddenLine xmlns:a14="http://schemas.microsoft.com/office/drawing/2010/main" xmlns="" w="9525">
                     <a:solidFill>
                       <a:srgbClr val="000000"/>
                     </a:solidFill>
@@ -9955,7 +9964,7 @@
               </a:ln>
               <a:extLst>
                 <a:ext uri="{91240B29-F687-4f45-9708-019B960494DF}">
-                  <a14:hiddenLine xmlns="" xmlns:a14="http://schemas.microsoft.com/office/drawing/2010/main" w="9525">
+                  <a14:hiddenLine xmlns:a14="http://schemas.microsoft.com/office/drawing/2010/main" xmlns="" w="9525">
                     <a:solidFill>
                       <a:srgbClr val="000000"/>
                     </a:solidFill>
@@ -10017,7 +10026,7 @@
               </a:ln>
               <a:extLst>
                 <a:ext uri="{91240B29-F687-4f45-9708-019B960494DF}">
-                  <a14:hiddenLine xmlns="" xmlns:a14="http://schemas.microsoft.com/office/drawing/2010/main" w="9525">
+                  <a14:hiddenLine xmlns:a14="http://schemas.microsoft.com/office/drawing/2010/main" xmlns="" w="9525">
                     <a:solidFill>
                       <a:srgbClr val="000000"/>
                     </a:solidFill>
@@ -10079,7 +10088,7 @@
               </a:ln>
               <a:extLst>
                 <a:ext uri="{91240B29-F687-4f45-9708-019B960494DF}">
-                  <a14:hiddenLine xmlns="" xmlns:a14="http://schemas.microsoft.com/office/drawing/2010/main" w="9525">
+                  <a14:hiddenLine xmlns:a14="http://schemas.microsoft.com/office/drawing/2010/main" xmlns="" w="9525">
                     <a:solidFill>
                       <a:srgbClr val="000000"/>
                     </a:solidFill>
@@ -10169,7 +10178,7 @@
               </a:ln>
               <a:extLst>
                 <a:ext uri="{91240B29-F687-4f45-9708-019B960494DF}">
-                  <a14:hiddenLine xmlns="" xmlns:a14="http://schemas.microsoft.com/office/drawing/2010/main" w="9525">
+                  <a14:hiddenLine xmlns:a14="http://schemas.microsoft.com/office/drawing/2010/main" xmlns="" w="9525">
                     <a:solidFill>
                       <a:srgbClr val="000000"/>
                     </a:solidFill>
@@ -10203,7 +10212,7 @@
               </a:ln>
               <a:extLst>
                 <a:ext uri="{91240B29-F687-4f45-9708-019B960494DF}">
-                  <a14:hiddenLine xmlns="" xmlns:a14="http://schemas.microsoft.com/office/drawing/2010/main" w="9525">
+                  <a14:hiddenLine xmlns:a14="http://schemas.microsoft.com/office/drawing/2010/main" xmlns="" w="9525">
                     <a:solidFill>
                       <a:srgbClr val="000000"/>
                     </a:solidFill>
@@ -10268,7 +10277,7 @@
               </a:ln>
               <a:extLst>
                 <a:ext uri="{91240B29-F687-4f45-9708-019B960494DF}">
-                  <a14:hiddenLine xmlns="" xmlns:a14="http://schemas.microsoft.com/office/drawing/2010/main" w="9525">
+                  <a14:hiddenLine xmlns:a14="http://schemas.microsoft.com/office/drawing/2010/main" xmlns="" w="9525">
                     <a:solidFill>
                       <a:srgbClr val="000000"/>
                     </a:solidFill>
@@ -10358,7 +10367,7 @@
               </a:ln>
               <a:extLst>
                 <a:ext uri="{91240B29-F687-4f45-9708-019B960494DF}">
-                  <a14:hiddenLine xmlns="" xmlns:a14="http://schemas.microsoft.com/office/drawing/2010/main" w="9525">
+                  <a14:hiddenLine xmlns:a14="http://schemas.microsoft.com/office/drawing/2010/main" xmlns="" w="9525">
                     <a:solidFill>
                       <a:srgbClr val="000000"/>
                     </a:solidFill>
@@ -10420,7 +10429,7 @@
               </a:ln>
               <a:extLst>
                 <a:ext uri="{91240B29-F687-4f45-9708-019B960494DF}">
-                  <a14:hiddenLine xmlns="" xmlns:a14="http://schemas.microsoft.com/office/drawing/2010/main" w="9525">
+                  <a14:hiddenLine xmlns:a14="http://schemas.microsoft.com/office/drawing/2010/main" xmlns="" w="9525">
                     <a:solidFill>
                       <a:srgbClr val="000000"/>
                     </a:solidFill>
@@ -10510,7 +10519,7 @@
               </a:ln>
               <a:extLst>
                 <a:ext uri="{91240B29-F687-4f45-9708-019B960494DF}">
-                  <a14:hiddenLine xmlns="" xmlns:a14="http://schemas.microsoft.com/office/drawing/2010/main" w="9525">
+                  <a14:hiddenLine xmlns:a14="http://schemas.microsoft.com/office/drawing/2010/main" xmlns="" w="9525">
                     <a:solidFill>
                       <a:srgbClr val="000000"/>
                     </a:solidFill>
@@ -10575,7 +10584,7 @@
               </a:ln>
               <a:extLst>
                 <a:ext uri="{91240B29-F687-4f45-9708-019B960494DF}">
-                  <a14:hiddenLine xmlns="" xmlns:a14="http://schemas.microsoft.com/office/drawing/2010/main" w="9525">
+                  <a14:hiddenLine xmlns:a14="http://schemas.microsoft.com/office/drawing/2010/main" xmlns="" w="9525">
                     <a:solidFill>
                       <a:srgbClr val="000000"/>
                     </a:solidFill>
@@ -10637,7 +10646,7 @@
               </a:ln>
               <a:extLst>
                 <a:ext uri="{91240B29-F687-4f45-9708-019B960494DF}">
-                  <a14:hiddenLine xmlns="" xmlns:a14="http://schemas.microsoft.com/office/drawing/2010/main" w="9525">
+                  <a14:hiddenLine xmlns:a14="http://schemas.microsoft.com/office/drawing/2010/main" xmlns="" w="9525">
                     <a:solidFill>
                       <a:srgbClr val="000000"/>
                     </a:solidFill>
@@ -10727,7 +10736,7 @@
               </a:ln>
               <a:extLst>
                 <a:ext uri="{91240B29-F687-4f45-9708-019B960494DF}">
-                  <a14:hiddenLine xmlns="" xmlns:a14="http://schemas.microsoft.com/office/drawing/2010/main" w="9525">
+                  <a14:hiddenLine xmlns:a14="http://schemas.microsoft.com/office/drawing/2010/main" xmlns="" w="9525">
                     <a:solidFill>
                       <a:srgbClr val="000000"/>
                     </a:solidFill>
@@ -10817,7 +10826,7 @@
               </a:ln>
               <a:extLst>
                 <a:ext uri="{91240B29-F687-4f45-9708-019B960494DF}">
-                  <a14:hiddenLine xmlns="" xmlns:a14="http://schemas.microsoft.com/office/drawing/2010/main" w="9525">
+                  <a14:hiddenLine xmlns:a14="http://schemas.microsoft.com/office/drawing/2010/main" xmlns="" w="9525">
                     <a:solidFill>
                       <a:srgbClr val="000000"/>
                     </a:solidFill>
@@ -10882,7 +10891,7 @@
               </a:ln>
               <a:extLst>
                 <a:ext uri="{91240B29-F687-4f45-9708-019B960494DF}">
-                  <a14:hiddenLine xmlns="" xmlns:a14="http://schemas.microsoft.com/office/drawing/2010/main" w="9525">
+                  <a14:hiddenLine xmlns:a14="http://schemas.microsoft.com/office/drawing/2010/main" xmlns="" w="9525">
                     <a:solidFill>
                       <a:srgbClr val="000000"/>
                     </a:solidFill>
@@ -11002,7 +11011,7 @@
               </a:ln>
               <a:extLst>
                 <a:ext uri="{91240B29-F687-4f45-9708-019B960494DF}">
-                  <a14:hiddenLine xmlns="" xmlns:a14="http://schemas.microsoft.com/office/drawing/2010/main" w="9525">
+                  <a14:hiddenLine xmlns:a14="http://schemas.microsoft.com/office/drawing/2010/main" xmlns="" w="9525">
                     <a:solidFill>
                       <a:srgbClr val="000000"/>
                     </a:solidFill>
@@ -11100,7 +11109,7 @@
               </a:ln>
               <a:extLst>
                 <a:ext uri="{91240B29-F687-4f45-9708-019B960494DF}">
-                  <a14:hiddenLine xmlns="" xmlns:a14="http://schemas.microsoft.com/office/drawing/2010/main" w="9525">
+                  <a14:hiddenLine xmlns:a14="http://schemas.microsoft.com/office/drawing/2010/main" xmlns="" w="9525">
                     <a:solidFill>
                       <a:srgbClr val="000000"/>
                     </a:solidFill>
@@ -11215,7 +11224,7 @@
               </a:ln>
               <a:extLst>
                 <a:ext uri="{91240B29-F687-4f45-9708-019B960494DF}">
-                  <a14:hiddenLine xmlns="" xmlns:a14="http://schemas.microsoft.com/office/drawing/2010/main" w="9525">
+                  <a14:hiddenLine xmlns:a14="http://schemas.microsoft.com/office/drawing/2010/main" xmlns="" w="9525">
                     <a:solidFill>
                       <a:srgbClr val="000000"/>
                     </a:solidFill>
@@ -11305,7 +11314,7 @@
               </a:ln>
               <a:extLst>
                 <a:ext uri="{91240B29-F687-4f45-9708-019B960494DF}">
-                  <a14:hiddenLine xmlns="" xmlns:a14="http://schemas.microsoft.com/office/drawing/2010/main" w="9525">
+                  <a14:hiddenLine xmlns:a14="http://schemas.microsoft.com/office/drawing/2010/main" xmlns="" w="9525">
                     <a:solidFill>
                       <a:srgbClr val="000000"/>
                     </a:solidFill>
@@ -11370,7 +11379,7 @@
               </a:ln>
               <a:extLst>
                 <a:ext uri="{91240B29-F687-4f45-9708-019B960494DF}">
-                  <a14:hiddenLine xmlns="" xmlns:a14="http://schemas.microsoft.com/office/drawing/2010/main" w="9525">
+                  <a14:hiddenLine xmlns:a14="http://schemas.microsoft.com/office/drawing/2010/main" xmlns="" w="9525">
                     <a:solidFill>
                       <a:srgbClr val="000000"/>
                     </a:solidFill>
@@ -11460,7 +11469,7 @@
               </a:ln>
               <a:extLst>
                 <a:ext uri="{91240B29-F687-4f45-9708-019B960494DF}">
-                  <a14:hiddenLine xmlns="" xmlns:a14="http://schemas.microsoft.com/office/drawing/2010/main" w="9525">
+                  <a14:hiddenLine xmlns:a14="http://schemas.microsoft.com/office/drawing/2010/main" xmlns="" w="9525">
                     <a:solidFill>
                       <a:srgbClr val="000000"/>
                     </a:solidFill>
@@ -11528,7 +11537,7 @@
               </a:ln>
               <a:extLst>
                 <a:ext uri="{91240B29-F687-4f45-9708-019B960494DF}">
-                  <a14:hiddenLine xmlns="" xmlns:a14="http://schemas.microsoft.com/office/drawing/2010/main" w="9525">
+                  <a14:hiddenLine xmlns:a14="http://schemas.microsoft.com/office/drawing/2010/main" xmlns="" w="9525">
                     <a:solidFill>
                       <a:srgbClr val="000000"/>
                     </a:solidFill>
@@ -11618,7 +11627,7 @@
               </a:ln>
               <a:extLst>
                 <a:ext uri="{91240B29-F687-4f45-9708-019B960494DF}">
-                  <a14:hiddenLine xmlns="" xmlns:a14="http://schemas.microsoft.com/office/drawing/2010/main" w="9525">
+                  <a14:hiddenLine xmlns:a14="http://schemas.microsoft.com/office/drawing/2010/main" xmlns="" w="9525">
                     <a:solidFill>
                       <a:srgbClr val="000000"/>
                     </a:solidFill>
@@ -11686,7 +11695,7 @@
               </a:ln>
               <a:extLst>
                 <a:ext uri="{91240B29-F687-4f45-9708-019B960494DF}">
-                  <a14:hiddenLine xmlns="" xmlns:a14="http://schemas.microsoft.com/office/drawing/2010/main" w="9525">
+                  <a14:hiddenLine xmlns:a14="http://schemas.microsoft.com/office/drawing/2010/main" xmlns="" w="9525">
                     <a:solidFill>
                       <a:srgbClr val="000000"/>
                     </a:solidFill>
@@ -11776,7 +11785,7 @@
               </a:ln>
               <a:extLst>
                 <a:ext uri="{91240B29-F687-4f45-9708-019B960494DF}">
-                  <a14:hiddenLine xmlns="" xmlns:a14="http://schemas.microsoft.com/office/drawing/2010/main" w="9525">
+                  <a14:hiddenLine xmlns:a14="http://schemas.microsoft.com/office/drawing/2010/main" xmlns="" w="9525">
                     <a:solidFill>
                       <a:srgbClr val="000000"/>
                     </a:solidFill>
@@ -11810,7 +11819,7 @@
               </a:ln>
               <a:extLst>
                 <a:ext uri="{91240B29-F687-4f45-9708-019B960494DF}">
-                  <a14:hiddenLine xmlns="" xmlns:a14="http://schemas.microsoft.com/office/drawing/2010/main" w="9525">
+                  <a14:hiddenLine xmlns:a14="http://schemas.microsoft.com/office/drawing/2010/main" xmlns="" w="9525">
                     <a:solidFill>
                       <a:srgbClr val="000000"/>
                     </a:solidFill>
@@ -11951,7 +11960,7 @@
             <a:fld id="{48A87A34-81AB-432B-8DAE-1953F412C126}" type="datetimeFigureOut">
               <a:rPr lang="en-US" dirty="0"/>
               <a:pPr/>
-              <a:t>3/25/18</a:t>
+              <a:t>3/28/18</a:t>
             </a:fld>
             <a:endParaRPr lang="en-US" dirty="0"/>
           </a:p>
@@ -12440,6 +12449,816 @@
 </p:sld>
 </file>
 
+<file path=ppt/slides/slide10.xml><?xml version="1.0" encoding="utf-8"?>
+<p:sld xmlns:a="http://schemas.openxmlformats.org/drawingml/2006/main" xmlns:r="http://schemas.openxmlformats.org/officeDocument/2006/relationships" xmlns:p="http://schemas.openxmlformats.org/presentationml/2006/main">
+  <p:cSld>
+    <p:spTree>
+      <p:nvGrpSpPr>
+        <p:cNvPr id="1" name=""/>
+        <p:cNvGrpSpPr/>
+        <p:nvPr/>
+      </p:nvGrpSpPr>
+      <p:grpSpPr>
+        <a:xfrm>
+          <a:off x="0" y="0"/>
+          <a:ext cx="0" cy="0"/>
+          <a:chOff x="0" y="0"/>
+          <a:chExt cx="0" cy="0"/>
+        </a:xfrm>
+      </p:grpSpPr>
+      <p:sp>
+        <p:nvSpPr>
+          <p:cNvPr id="2" name="제목 1">
+            <a:extLst>
+              <a:ext uri="{FF2B5EF4-FFF2-40B4-BE49-F238E27FC236}">
+                <a16:creationId xmlns:a16="http://schemas.microsoft.com/office/drawing/2014/main" id="{E0929843-8100-8F4F-8D0A-7852F595CF9A}"/>
+              </a:ext>
+            </a:extLst>
+          </p:cNvPr>
+          <p:cNvSpPr>
+            <a:spLocks noGrp="1"/>
+          </p:cNvSpPr>
+          <p:nvPr>
+            <p:ph type="title"/>
+          </p:nvPr>
+        </p:nvSpPr>
+        <p:spPr/>
+        <p:txBody>
+          <a:bodyPr/>
+          <a:lstStyle/>
+          <a:p>
+            <a:r>
+              <a:rPr kumimoji="1" lang="en-US" altLang="ko-KR" dirty="0"/>
+              <a:t>Various office 365 services - Yammer</a:t>
+            </a:r>
+            <a:endParaRPr kumimoji="1" lang="ko-KR" altLang="en-US" dirty="0"/>
+          </a:p>
+        </p:txBody>
+      </p:sp>
+      <p:pic>
+        <p:nvPicPr>
+          <p:cNvPr id="6" name="내용 개체 틀 5">
+            <a:extLst>
+              <a:ext uri="{FF2B5EF4-FFF2-40B4-BE49-F238E27FC236}">
+                <a16:creationId xmlns:a16="http://schemas.microsoft.com/office/drawing/2014/main" id="{5F0D2A3C-CB7F-3748-892D-5B61EC845E5F}"/>
+              </a:ext>
+            </a:extLst>
+          </p:cNvPr>
+          <p:cNvPicPr>
+            <a:picLocks noGrp="1" noChangeAspect="1"/>
+          </p:cNvPicPr>
+          <p:nvPr>
+            <p:ph idx="1"/>
+          </p:nvPr>
+        </p:nvPicPr>
+        <p:blipFill>
+          <a:blip r:embed="rId2"/>
+          <a:stretch>
+            <a:fillRect/>
+          </a:stretch>
+        </p:blipFill>
+        <p:spPr>
+          <a:xfrm>
+            <a:off x="872358" y="1639615"/>
+            <a:ext cx="9583695" cy="5231100"/>
+          </a:xfrm>
+        </p:spPr>
+      </p:pic>
+    </p:spTree>
+    <p:extLst>
+      <p:ext uri="{BB962C8B-B14F-4D97-AF65-F5344CB8AC3E}">
+        <p14:creationId xmlns:p14="http://schemas.microsoft.com/office/powerpoint/2010/main" val="1516585045"/>
+      </p:ext>
+    </p:extLst>
+  </p:cSld>
+  <p:clrMapOvr>
+    <a:masterClrMapping/>
+  </p:clrMapOvr>
+</p:sld>
+</file>
+
+<file path=ppt/slides/slide11.xml><?xml version="1.0" encoding="utf-8"?>
+<p:sld xmlns:a="http://schemas.openxmlformats.org/drawingml/2006/main" xmlns:r="http://schemas.openxmlformats.org/officeDocument/2006/relationships" xmlns:p="http://schemas.openxmlformats.org/presentationml/2006/main">
+  <p:cSld>
+    <p:spTree>
+      <p:nvGrpSpPr>
+        <p:cNvPr id="1" name=""/>
+        <p:cNvGrpSpPr/>
+        <p:nvPr/>
+      </p:nvGrpSpPr>
+      <p:grpSpPr>
+        <a:xfrm>
+          <a:off x="0" y="0"/>
+          <a:ext cx="0" cy="0"/>
+          <a:chOff x="0" y="0"/>
+          <a:chExt cx="0" cy="0"/>
+        </a:xfrm>
+      </p:grpSpPr>
+      <p:sp>
+        <p:nvSpPr>
+          <p:cNvPr id="2" name="제목 1">
+            <a:extLst>
+              <a:ext uri="{FF2B5EF4-FFF2-40B4-BE49-F238E27FC236}">
+                <a16:creationId xmlns:a16="http://schemas.microsoft.com/office/drawing/2014/main" id="{E70F4F96-788F-DA47-BA01-3FE7006F84A3}"/>
+              </a:ext>
+            </a:extLst>
+          </p:cNvPr>
+          <p:cNvSpPr>
+            <a:spLocks noGrp="1"/>
+          </p:cNvSpPr>
+          <p:nvPr>
+            <p:ph type="title"/>
+          </p:nvPr>
+        </p:nvSpPr>
+        <p:spPr/>
+        <p:txBody>
+          <a:bodyPr/>
+          <a:lstStyle/>
+          <a:p>
+            <a:r>
+              <a:rPr kumimoji="1" lang="en-US" altLang="ko-KR" dirty="0"/>
+              <a:t>Various office 365 service - yammer </a:t>
+            </a:r>
+            <a:endParaRPr kumimoji="1" lang="ko-KR" altLang="en-US" dirty="0"/>
+          </a:p>
+        </p:txBody>
+      </p:sp>
+      <p:sp>
+        <p:nvSpPr>
+          <p:cNvPr id="4" name="내용 개체 틀 3">
+            <a:extLst>
+              <a:ext uri="{FF2B5EF4-FFF2-40B4-BE49-F238E27FC236}">
+                <a16:creationId xmlns:a16="http://schemas.microsoft.com/office/drawing/2014/main" id="{233E9378-9DC7-804B-B344-716A9CF09A75}"/>
+              </a:ext>
+            </a:extLst>
+          </p:cNvPr>
+          <p:cNvSpPr>
+            <a:spLocks noGrp="1"/>
+          </p:cNvSpPr>
+          <p:nvPr>
+            <p:ph idx="1"/>
+          </p:nvPr>
+        </p:nvSpPr>
+        <p:spPr/>
+        <p:txBody>
+          <a:bodyPr/>
+          <a:lstStyle/>
+          <a:p>
+            <a:r>
+              <a:rPr kumimoji="1" lang="en-US" altLang="ko-KR" dirty="0"/>
+              <a:t>Yammer is an communication app that can be used to contact anyone in the school with the school account. </a:t>
+            </a:r>
+          </a:p>
+          <a:p>
+            <a:r>
+              <a:rPr kumimoji="1" lang="en-US" altLang="ko-KR" dirty="0"/>
+              <a:t>Just like any SNS, you can do various things that you want to do.</a:t>
+            </a:r>
+            <a:endParaRPr kumimoji="1" lang="ko-KR" altLang="en-US" dirty="0"/>
+          </a:p>
+        </p:txBody>
+      </p:sp>
+    </p:spTree>
+    <p:extLst>
+      <p:ext uri="{BB962C8B-B14F-4D97-AF65-F5344CB8AC3E}">
+        <p14:creationId xmlns:p14="http://schemas.microsoft.com/office/powerpoint/2010/main" val="2242017102"/>
+      </p:ext>
+    </p:extLst>
+  </p:cSld>
+  <p:clrMapOvr>
+    <a:masterClrMapping/>
+  </p:clrMapOvr>
+</p:sld>
+</file>
+
+<file path=ppt/slides/slide12.xml><?xml version="1.0" encoding="utf-8"?>
+<p:sld xmlns:a="http://schemas.openxmlformats.org/drawingml/2006/main" xmlns:r="http://schemas.openxmlformats.org/officeDocument/2006/relationships" xmlns:p="http://schemas.openxmlformats.org/presentationml/2006/main">
+  <p:cSld>
+    <p:spTree>
+      <p:nvGrpSpPr>
+        <p:cNvPr id="1" name=""/>
+        <p:cNvGrpSpPr/>
+        <p:nvPr/>
+      </p:nvGrpSpPr>
+      <p:grpSpPr>
+        <a:xfrm>
+          <a:off x="0" y="0"/>
+          <a:ext cx="0" cy="0"/>
+          <a:chOff x="0" y="0"/>
+          <a:chExt cx="0" cy="0"/>
+        </a:xfrm>
+      </p:grpSpPr>
+      <p:sp>
+        <p:nvSpPr>
+          <p:cNvPr id="2" name="제목 1">
+            <a:extLst>
+              <a:ext uri="{FF2B5EF4-FFF2-40B4-BE49-F238E27FC236}">
+                <a16:creationId xmlns:a16="http://schemas.microsoft.com/office/drawing/2014/main" id="{D3FC1CA4-3F74-7140-8044-C94B51B1B733}"/>
+              </a:ext>
+            </a:extLst>
+          </p:cNvPr>
+          <p:cNvSpPr>
+            <a:spLocks noGrp="1"/>
+          </p:cNvSpPr>
+          <p:nvPr>
+            <p:ph type="title"/>
+          </p:nvPr>
+        </p:nvSpPr>
+        <p:spPr/>
+        <p:txBody>
+          <a:bodyPr/>
+          <a:lstStyle/>
+          <a:p>
+            <a:r>
+              <a:rPr kumimoji="1" lang="en-US" altLang="ko-KR" dirty="0"/>
+              <a:t>Various office 365 service – Microsoft teams [Currently not accessible]</a:t>
+            </a:r>
+            <a:endParaRPr kumimoji="1" lang="ko-KR" altLang="en-US" dirty="0"/>
+          </a:p>
+        </p:txBody>
+      </p:sp>
+      <p:pic>
+        <p:nvPicPr>
+          <p:cNvPr id="5" name="내용 개체 틀 4">
+            <a:extLst>
+              <a:ext uri="{FF2B5EF4-FFF2-40B4-BE49-F238E27FC236}">
+                <a16:creationId xmlns:a16="http://schemas.microsoft.com/office/drawing/2014/main" id="{91328295-2F25-7E4C-A8FD-9C271F8D2AD3}"/>
+              </a:ext>
+            </a:extLst>
+          </p:cNvPr>
+          <p:cNvPicPr>
+            <a:picLocks noGrp="1" noChangeAspect="1"/>
+          </p:cNvPicPr>
+          <p:nvPr>
+            <p:ph idx="1"/>
+          </p:nvPr>
+        </p:nvPicPr>
+        <p:blipFill>
+          <a:blip r:embed="rId2"/>
+          <a:stretch>
+            <a:fillRect/>
+          </a:stretch>
+        </p:blipFill>
+        <p:spPr>
+          <a:xfrm>
+            <a:off x="1288559" y="1791099"/>
+            <a:ext cx="8801372" cy="5066901"/>
+          </a:xfrm>
+        </p:spPr>
+      </p:pic>
+    </p:spTree>
+    <p:extLst>
+      <p:ext uri="{BB962C8B-B14F-4D97-AF65-F5344CB8AC3E}">
+        <p14:creationId xmlns:p14="http://schemas.microsoft.com/office/powerpoint/2010/main" val="1244804893"/>
+      </p:ext>
+    </p:extLst>
+  </p:cSld>
+  <p:clrMapOvr>
+    <a:masterClrMapping/>
+  </p:clrMapOvr>
+</p:sld>
+</file>
+
+<file path=ppt/slides/slide13.xml><?xml version="1.0" encoding="utf-8"?>
+<p:sld xmlns:a="http://schemas.openxmlformats.org/drawingml/2006/main" xmlns:r="http://schemas.openxmlformats.org/officeDocument/2006/relationships" xmlns:p="http://schemas.openxmlformats.org/presentationml/2006/main">
+  <p:cSld>
+    <p:spTree>
+      <p:nvGrpSpPr>
+        <p:cNvPr id="1" name=""/>
+        <p:cNvGrpSpPr/>
+        <p:nvPr/>
+      </p:nvGrpSpPr>
+      <p:grpSpPr>
+        <a:xfrm>
+          <a:off x="0" y="0"/>
+          <a:ext cx="0" cy="0"/>
+          <a:chOff x="0" y="0"/>
+          <a:chExt cx="0" cy="0"/>
+        </a:xfrm>
+      </p:grpSpPr>
+      <p:sp>
+        <p:nvSpPr>
+          <p:cNvPr id="2" name="제목 1">
+            <a:extLst>
+              <a:ext uri="{FF2B5EF4-FFF2-40B4-BE49-F238E27FC236}">
+                <a16:creationId xmlns:a16="http://schemas.microsoft.com/office/drawing/2014/main" id="{31044B32-9A49-1A41-8513-3CC0F5F53EA3}"/>
+              </a:ext>
+            </a:extLst>
+          </p:cNvPr>
+          <p:cNvSpPr>
+            <a:spLocks noGrp="1"/>
+          </p:cNvSpPr>
+          <p:nvPr>
+            <p:ph type="title"/>
+          </p:nvPr>
+        </p:nvSpPr>
+        <p:spPr/>
+        <p:txBody>
+          <a:bodyPr/>
+          <a:lstStyle/>
+          <a:p>
+            <a:r>
+              <a:rPr kumimoji="1" lang="en-US" altLang="ko-KR" dirty="0"/>
+              <a:t>Various office 365 service - flow</a:t>
+            </a:r>
+            <a:endParaRPr kumimoji="1" lang="ko-KR" altLang="en-US" dirty="0"/>
+          </a:p>
+        </p:txBody>
+      </p:sp>
+      <p:pic>
+        <p:nvPicPr>
+          <p:cNvPr id="5" name="내용 개체 틀 4">
+            <a:extLst>
+              <a:ext uri="{FF2B5EF4-FFF2-40B4-BE49-F238E27FC236}">
+                <a16:creationId xmlns:a16="http://schemas.microsoft.com/office/drawing/2014/main" id="{E67EF34C-6818-5D41-A62C-7044C6C0FF50}"/>
+              </a:ext>
+            </a:extLst>
+          </p:cNvPr>
+          <p:cNvPicPr>
+            <a:picLocks noGrp="1" noChangeAspect="1"/>
+          </p:cNvPicPr>
+          <p:nvPr>
+            <p:ph idx="1"/>
+          </p:nvPr>
+        </p:nvPicPr>
+        <p:blipFill>
+          <a:blip r:embed="rId2"/>
+          <a:stretch>
+            <a:fillRect/>
+          </a:stretch>
+        </p:blipFill>
+        <p:spPr>
+          <a:xfrm>
+            <a:off x="882869" y="1513490"/>
+            <a:ext cx="9827745" cy="5337012"/>
+          </a:xfrm>
+        </p:spPr>
+      </p:pic>
+    </p:spTree>
+    <p:extLst>
+      <p:ext uri="{BB962C8B-B14F-4D97-AF65-F5344CB8AC3E}">
+        <p14:creationId xmlns:p14="http://schemas.microsoft.com/office/powerpoint/2010/main" val="3282916644"/>
+      </p:ext>
+    </p:extLst>
+  </p:cSld>
+  <p:clrMapOvr>
+    <a:masterClrMapping/>
+  </p:clrMapOvr>
+</p:sld>
+</file>
+
+<file path=ppt/slides/slide14.xml><?xml version="1.0" encoding="utf-8"?>
+<p:sld xmlns:a="http://schemas.openxmlformats.org/drawingml/2006/main" xmlns:r="http://schemas.openxmlformats.org/officeDocument/2006/relationships" xmlns:p="http://schemas.openxmlformats.org/presentationml/2006/main">
+  <p:cSld>
+    <p:spTree>
+      <p:nvGrpSpPr>
+        <p:cNvPr id="1" name=""/>
+        <p:cNvGrpSpPr/>
+        <p:nvPr/>
+      </p:nvGrpSpPr>
+      <p:grpSpPr>
+        <a:xfrm>
+          <a:off x="0" y="0"/>
+          <a:ext cx="0" cy="0"/>
+          <a:chOff x="0" y="0"/>
+          <a:chExt cx="0" cy="0"/>
+        </a:xfrm>
+      </p:grpSpPr>
+      <p:sp>
+        <p:nvSpPr>
+          <p:cNvPr id="2" name="제목 1">
+            <a:extLst>
+              <a:ext uri="{FF2B5EF4-FFF2-40B4-BE49-F238E27FC236}">
+                <a16:creationId xmlns:a16="http://schemas.microsoft.com/office/drawing/2014/main" id="{ED24486C-16AF-9148-BD36-774B8B1C0AC8}"/>
+              </a:ext>
+            </a:extLst>
+          </p:cNvPr>
+          <p:cNvSpPr>
+            <a:spLocks noGrp="1"/>
+          </p:cNvSpPr>
+          <p:nvPr>
+            <p:ph type="title"/>
+          </p:nvPr>
+        </p:nvSpPr>
+        <p:spPr/>
+        <p:txBody>
+          <a:bodyPr/>
+          <a:lstStyle/>
+          <a:p>
+            <a:r>
+              <a:rPr kumimoji="1" lang="en-US" altLang="ko-KR" dirty="0"/>
+              <a:t>Various office 365 service - flow</a:t>
+            </a:r>
+            <a:endParaRPr kumimoji="1" lang="ko-KR" altLang="en-US" dirty="0"/>
+          </a:p>
+        </p:txBody>
+      </p:sp>
+      <p:sp>
+        <p:nvSpPr>
+          <p:cNvPr id="3" name="내용 개체 틀 2">
+            <a:extLst>
+              <a:ext uri="{FF2B5EF4-FFF2-40B4-BE49-F238E27FC236}">
+                <a16:creationId xmlns:a16="http://schemas.microsoft.com/office/drawing/2014/main" id="{16C82864-FF24-9A4F-A6E5-68F975E28BB6}"/>
+              </a:ext>
+            </a:extLst>
+          </p:cNvPr>
+          <p:cNvSpPr>
+            <a:spLocks noGrp="1"/>
+          </p:cNvSpPr>
+          <p:nvPr>
+            <p:ph idx="1"/>
+          </p:nvPr>
+        </p:nvSpPr>
+        <p:spPr/>
+        <p:txBody>
+          <a:bodyPr/>
+          <a:lstStyle/>
+          <a:p>
+            <a:r>
+              <a:rPr kumimoji="1" lang="en-US" altLang="ko-KR" dirty="0"/>
+              <a:t>A simple program builder that is based on same system as Scratch. You can build your code and algorithms in this application to apply to any of your program that is related to Microsoft account.</a:t>
+            </a:r>
+            <a:endParaRPr kumimoji="1" lang="ko-KR" altLang="en-US" dirty="0"/>
+          </a:p>
+        </p:txBody>
+      </p:sp>
+    </p:spTree>
+    <p:extLst>
+      <p:ext uri="{BB962C8B-B14F-4D97-AF65-F5344CB8AC3E}">
+        <p14:creationId xmlns:p14="http://schemas.microsoft.com/office/powerpoint/2010/main" val="216198352"/>
+      </p:ext>
+    </p:extLst>
+  </p:cSld>
+  <p:clrMapOvr>
+    <a:masterClrMapping/>
+  </p:clrMapOvr>
+</p:sld>
+</file>
+
+<file path=ppt/slides/slide15.xml><?xml version="1.0" encoding="utf-8"?>
+<p:sld xmlns:a="http://schemas.openxmlformats.org/drawingml/2006/main" xmlns:r="http://schemas.openxmlformats.org/officeDocument/2006/relationships" xmlns:p="http://schemas.openxmlformats.org/presentationml/2006/main">
+  <p:cSld>
+    <p:spTree>
+      <p:nvGrpSpPr>
+        <p:cNvPr id="1" name=""/>
+        <p:cNvGrpSpPr/>
+        <p:nvPr/>
+      </p:nvGrpSpPr>
+      <p:grpSpPr>
+        <a:xfrm>
+          <a:off x="0" y="0"/>
+          <a:ext cx="0" cy="0"/>
+          <a:chOff x="0" y="0"/>
+          <a:chExt cx="0" cy="0"/>
+        </a:xfrm>
+      </p:grpSpPr>
+      <p:sp>
+        <p:nvSpPr>
+          <p:cNvPr id="2" name="제목 1">
+            <a:extLst>
+              <a:ext uri="{FF2B5EF4-FFF2-40B4-BE49-F238E27FC236}">
+                <a16:creationId xmlns:a16="http://schemas.microsoft.com/office/drawing/2014/main" id="{E7E18ADD-8671-BD4A-886B-D4E2F57A52DC}"/>
+              </a:ext>
+            </a:extLst>
+          </p:cNvPr>
+          <p:cNvSpPr>
+            <a:spLocks noGrp="1"/>
+          </p:cNvSpPr>
+          <p:nvPr>
+            <p:ph type="title"/>
+          </p:nvPr>
+        </p:nvSpPr>
+        <p:spPr/>
+        <p:txBody>
+          <a:bodyPr/>
+          <a:lstStyle/>
+          <a:p>
+            <a:r>
+              <a:rPr kumimoji="1" lang="en-US" altLang="ko-KR" dirty="0"/>
+              <a:t>Various office 365 service - </a:t>
+            </a:r>
+            <a:r>
+              <a:rPr kumimoji="1" lang="en-US" altLang="ko-KR" dirty="0" err="1"/>
+              <a:t>sharepoint</a:t>
+            </a:r>
+            <a:endParaRPr kumimoji="1" lang="ko-KR" altLang="en-US" dirty="0"/>
+          </a:p>
+        </p:txBody>
+      </p:sp>
+      <p:pic>
+        <p:nvPicPr>
+          <p:cNvPr id="5" name="내용 개체 틀 4">
+            <a:extLst>
+              <a:ext uri="{FF2B5EF4-FFF2-40B4-BE49-F238E27FC236}">
+                <a16:creationId xmlns:a16="http://schemas.microsoft.com/office/drawing/2014/main" id="{35C75878-5A5A-2E49-A33F-8025614AD819}"/>
+              </a:ext>
+            </a:extLst>
+          </p:cNvPr>
+          <p:cNvPicPr>
+            <a:picLocks noGrp="1" noChangeAspect="1"/>
+          </p:cNvPicPr>
+          <p:nvPr>
+            <p:ph idx="1"/>
+          </p:nvPr>
+        </p:nvPicPr>
+        <p:blipFill>
+          <a:blip r:embed="rId2"/>
+          <a:stretch>
+            <a:fillRect/>
+          </a:stretch>
+        </p:blipFill>
+        <p:spPr>
+          <a:xfrm>
+            <a:off x="1063571" y="1642633"/>
+            <a:ext cx="9678001" cy="5215367"/>
+          </a:xfrm>
+        </p:spPr>
+      </p:pic>
+    </p:spTree>
+    <p:extLst>
+      <p:ext uri="{BB962C8B-B14F-4D97-AF65-F5344CB8AC3E}">
+        <p14:creationId xmlns:p14="http://schemas.microsoft.com/office/powerpoint/2010/main" val="3323645695"/>
+      </p:ext>
+    </p:extLst>
+  </p:cSld>
+  <p:clrMapOvr>
+    <a:masterClrMapping/>
+  </p:clrMapOvr>
+</p:sld>
+</file>
+
+<file path=ppt/slides/slide16.xml><?xml version="1.0" encoding="utf-8"?>
+<p:sld xmlns:a="http://schemas.openxmlformats.org/drawingml/2006/main" xmlns:r="http://schemas.openxmlformats.org/officeDocument/2006/relationships" xmlns:p="http://schemas.openxmlformats.org/presentationml/2006/main">
+  <p:cSld>
+    <p:spTree>
+      <p:nvGrpSpPr>
+        <p:cNvPr id="1" name=""/>
+        <p:cNvGrpSpPr/>
+        <p:nvPr/>
+      </p:nvGrpSpPr>
+      <p:grpSpPr>
+        <a:xfrm>
+          <a:off x="0" y="0"/>
+          <a:ext cx="0" cy="0"/>
+          <a:chOff x="0" y="0"/>
+          <a:chExt cx="0" cy="0"/>
+        </a:xfrm>
+      </p:grpSpPr>
+      <p:sp>
+        <p:nvSpPr>
+          <p:cNvPr id="2" name="제목 1">
+            <a:extLst>
+              <a:ext uri="{FF2B5EF4-FFF2-40B4-BE49-F238E27FC236}">
+                <a16:creationId xmlns:a16="http://schemas.microsoft.com/office/drawing/2014/main" id="{96DF7BC4-0661-3E4D-AEBE-119A0BAF05D6}"/>
+              </a:ext>
+            </a:extLst>
+          </p:cNvPr>
+          <p:cNvSpPr>
+            <a:spLocks noGrp="1"/>
+          </p:cNvSpPr>
+          <p:nvPr>
+            <p:ph type="title"/>
+          </p:nvPr>
+        </p:nvSpPr>
+        <p:spPr/>
+        <p:txBody>
+          <a:bodyPr/>
+          <a:lstStyle/>
+          <a:p>
+            <a:r>
+              <a:rPr kumimoji="1" lang="en-US" altLang="ko-KR" dirty="0"/>
+              <a:t>Various office 365 service - </a:t>
+            </a:r>
+            <a:r>
+              <a:rPr kumimoji="1" lang="en-US" altLang="ko-KR" dirty="0" err="1"/>
+              <a:t>sharepoint</a:t>
+            </a:r>
+            <a:endParaRPr kumimoji="1" lang="ko-KR" altLang="en-US" dirty="0"/>
+          </a:p>
+        </p:txBody>
+      </p:sp>
+      <p:pic>
+        <p:nvPicPr>
+          <p:cNvPr id="5" name="내용 개체 틀 4">
+            <a:extLst>
+              <a:ext uri="{FF2B5EF4-FFF2-40B4-BE49-F238E27FC236}">
+                <a16:creationId xmlns:a16="http://schemas.microsoft.com/office/drawing/2014/main" id="{0CCC5A7D-C529-3049-8DAD-61CAE4FDCAA0}"/>
+              </a:ext>
+            </a:extLst>
+          </p:cNvPr>
+          <p:cNvPicPr>
+            <a:picLocks noGrp="1" noChangeAspect="1"/>
+          </p:cNvPicPr>
+          <p:nvPr>
+            <p:ph idx="1"/>
+          </p:nvPr>
+        </p:nvPicPr>
+        <p:blipFill>
+          <a:blip r:embed="rId2"/>
+          <a:stretch>
+            <a:fillRect/>
+          </a:stretch>
+        </p:blipFill>
+        <p:spPr>
+          <a:xfrm>
+            <a:off x="1141413" y="1587062"/>
+            <a:ext cx="9755977" cy="5270938"/>
+          </a:xfrm>
+        </p:spPr>
+      </p:pic>
+    </p:spTree>
+    <p:extLst>
+      <p:ext uri="{BB962C8B-B14F-4D97-AF65-F5344CB8AC3E}">
+        <p14:creationId xmlns:p14="http://schemas.microsoft.com/office/powerpoint/2010/main" val="2865203230"/>
+      </p:ext>
+    </p:extLst>
+  </p:cSld>
+  <p:clrMapOvr>
+    <a:masterClrMapping/>
+  </p:clrMapOvr>
+</p:sld>
+</file>
+
+<file path=ppt/slides/slide17.xml><?xml version="1.0" encoding="utf-8"?>
+<p:sld xmlns:a="http://schemas.openxmlformats.org/drawingml/2006/main" xmlns:r="http://schemas.openxmlformats.org/officeDocument/2006/relationships" xmlns:p="http://schemas.openxmlformats.org/presentationml/2006/main">
+  <p:cSld>
+    <p:spTree>
+      <p:nvGrpSpPr>
+        <p:cNvPr id="1" name=""/>
+        <p:cNvGrpSpPr/>
+        <p:nvPr/>
+      </p:nvGrpSpPr>
+      <p:grpSpPr>
+        <a:xfrm>
+          <a:off x="0" y="0"/>
+          <a:ext cx="0" cy="0"/>
+          <a:chOff x="0" y="0"/>
+          <a:chExt cx="0" cy="0"/>
+        </a:xfrm>
+      </p:grpSpPr>
+      <p:sp>
+        <p:nvSpPr>
+          <p:cNvPr id="2" name="제목 1">
+            <a:extLst>
+              <a:ext uri="{FF2B5EF4-FFF2-40B4-BE49-F238E27FC236}">
+                <a16:creationId xmlns:a16="http://schemas.microsoft.com/office/drawing/2014/main" id="{948D0501-1245-7042-A8F6-989DD6242718}"/>
+              </a:ext>
+            </a:extLst>
+          </p:cNvPr>
+          <p:cNvSpPr>
+            <a:spLocks noGrp="1"/>
+          </p:cNvSpPr>
+          <p:nvPr>
+            <p:ph type="title"/>
+          </p:nvPr>
+        </p:nvSpPr>
+        <p:spPr/>
+        <p:txBody>
+          <a:bodyPr/>
+          <a:lstStyle/>
+          <a:p>
+            <a:r>
+              <a:rPr kumimoji="1" lang="en-US" altLang="ko-KR" dirty="0"/>
+              <a:t>Various office 365 service - </a:t>
+            </a:r>
+            <a:r>
+              <a:rPr kumimoji="1" lang="en-US" altLang="ko-KR" dirty="0" err="1"/>
+              <a:t>sharepoint</a:t>
+            </a:r>
+            <a:endParaRPr kumimoji="1" lang="ko-KR" altLang="en-US" dirty="0"/>
+          </a:p>
+        </p:txBody>
+      </p:sp>
+      <p:pic>
+        <p:nvPicPr>
+          <p:cNvPr id="5" name="내용 개체 틀 4">
+            <a:extLst>
+              <a:ext uri="{FF2B5EF4-FFF2-40B4-BE49-F238E27FC236}">
+                <a16:creationId xmlns:a16="http://schemas.microsoft.com/office/drawing/2014/main" id="{AF696DEB-2595-FA46-833B-516980B6A014}"/>
+              </a:ext>
+            </a:extLst>
+          </p:cNvPr>
+          <p:cNvPicPr>
+            <a:picLocks noGrp="1" noChangeAspect="1"/>
+          </p:cNvPicPr>
+          <p:nvPr>
+            <p:ph idx="1"/>
+          </p:nvPr>
+        </p:nvPicPr>
+        <p:blipFill>
+          <a:blip r:embed="rId2"/>
+          <a:stretch>
+            <a:fillRect/>
+          </a:stretch>
+        </p:blipFill>
+        <p:spPr>
+          <a:xfrm>
+            <a:off x="1151923" y="1553125"/>
+            <a:ext cx="9831427" cy="5304875"/>
+          </a:xfrm>
+        </p:spPr>
+      </p:pic>
+    </p:spTree>
+    <p:extLst>
+      <p:ext uri="{BB962C8B-B14F-4D97-AF65-F5344CB8AC3E}">
+        <p14:creationId xmlns:p14="http://schemas.microsoft.com/office/powerpoint/2010/main" val="1294291134"/>
+      </p:ext>
+    </p:extLst>
+  </p:cSld>
+  <p:clrMapOvr>
+    <a:masterClrMapping/>
+  </p:clrMapOvr>
+</p:sld>
+</file>
+
+<file path=ppt/slides/slide18.xml><?xml version="1.0" encoding="utf-8"?>
+<p:sld xmlns:a="http://schemas.openxmlformats.org/drawingml/2006/main" xmlns:r="http://schemas.openxmlformats.org/officeDocument/2006/relationships" xmlns:p="http://schemas.openxmlformats.org/presentationml/2006/main">
+  <p:cSld>
+    <p:spTree>
+      <p:nvGrpSpPr>
+        <p:cNvPr id="1" name=""/>
+        <p:cNvGrpSpPr/>
+        <p:nvPr/>
+      </p:nvGrpSpPr>
+      <p:grpSpPr>
+        <a:xfrm>
+          <a:off x="0" y="0"/>
+          <a:ext cx="0" cy="0"/>
+          <a:chOff x="0" y="0"/>
+          <a:chExt cx="0" cy="0"/>
+        </a:xfrm>
+      </p:grpSpPr>
+      <p:sp>
+        <p:nvSpPr>
+          <p:cNvPr id="2" name="제목 1">
+            <a:extLst>
+              <a:ext uri="{FF2B5EF4-FFF2-40B4-BE49-F238E27FC236}">
+                <a16:creationId xmlns:a16="http://schemas.microsoft.com/office/drawing/2014/main" id="{38EE8B5A-2B92-E548-AE7C-CB448840105C}"/>
+              </a:ext>
+            </a:extLst>
+          </p:cNvPr>
+          <p:cNvSpPr>
+            <a:spLocks noGrp="1"/>
+          </p:cNvSpPr>
+          <p:nvPr>
+            <p:ph type="title"/>
+          </p:nvPr>
+        </p:nvSpPr>
+        <p:spPr/>
+        <p:txBody>
+          <a:bodyPr/>
+          <a:lstStyle/>
+          <a:p>
+            <a:r>
+              <a:rPr kumimoji="1" lang="en-US" altLang="ko-KR" dirty="0"/>
+              <a:t>Various office 365 service – skype for business</a:t>
+            </a:r>
+            <a:endParaRPr kumimoji="1" lang="ko-KR" altLang="en-US" dirty="0"/>
+          </a:p>
+        </p:txBody>
+      </p:sp>
+      <p:pic>
+        <p:nvPicPr>
+          <p:cNvPr id="5" name="내용 개체 틀 4">
+            <a:extLst>
+              <a:ext uri="{FF2B5EF4-FFF2-40B4-BE49-F238E27FC236}">
+                <a16:creationId xmlns:a16="http://schemas.microsoft.com/office/drawing/2014/main" id="{39FA6669-1806-2B4C-9470-95BA89E9FBAA}"/>
+              </a:ext>
+            </a:extLst>
+          </p:cNvPr>
+          <p:cNvPicPr>
+            <a:picLocks noGrp="1" noChangeAspect="1"/>
+          </p:cNvPicPr>
+          <p:nvPr>
+            <p:ph idx="1"/>
+          </p:nvPr>
+        </p:nvPicPr>
+        <p:blipFill>
+          <a:blip r:embed="rId2"/>
+          <a:stretch>
+            <a:fillRect/>
+          </a:stretch>
+        </p:blipFill>
+        <p:spPr>
+          <a:xfrm>
+            <a:off x="1141413" y="1786287"/>
+            <a:ext cx="9001070" cy="4919313"/>
+          </a:xfrm>
+        </p:spPr>
+      </p:pic>
+    </p:spTree>
+    <p:extLst>
+      <p:ext uri="{BB962C8B-B14F-4D97-AF65-F5344CB8AC3E}">
+        <p14:creationId xmlns:p14="http://schemas.microsoft.com/office/powerpoint/2010/main" val="2693434169"/>
+      </p:ext>
+    </p:extLst>
+  </p:cSld>
+  <p:clrMapOvr>
+    <a:masterClrMapping/>
+  </p:clrMapOvr>
+</p:sld>
+</file>
+
 <file path=ppt/slides/slide2.xml><?xml version="1.0" encoding="utf-8"?>
 <p:sld xmlns:a="http://schemas.openxmlformats.org/drawingml/2006/main" xmlns:r="http://schemas.openxmlformats.org/officeDocument/2006/relationships" xmlns:p="http://schemas.openxmlformats.org/presentationml/2006/main">
   <p:cSld>
@@ -13419,7 +14238,7 @@
           <a:p>
             <a:r>
               <a:rPr kumimoji="1" lang="en-US" altLang="ko-KR" dirty="0"/>
-              <a:t>Office 365 gives various service that you will never see again after in personal account.</a:t>
+              <a:t>Office 365 gives various service that you will never see again after, in personal account.</a:t>
             </a:r>
           </a:p>
           <a:p>

--- a/MSOffice.pptx
+++ b/MSOffice.pptx
@@ -15,14 +15,23 @@
     <p:sldId id="263" r:id="rId9"/>
     <p:sldId id="264" r:id="rId10"/>
     <p:sldId id="265" r:id="rId11"/>
-    <p:sldId id="266" r:id="rId12"/>
-    <p:sldId id="267" r:id="rId13"/>
-    <p:sldId id="268" r:id="rId14"/>
-    <p:sldId id="269" r:id="rId15"/>
-    <p:sldId id="270" r:id="rId16"/>
-    <p:sldId id="271" r:id="rId17"/>
-    <p:sldId id="272" r:id="rId18"/>
-    <p:sldId id="273" r:id="rId19"/>
+    <p:sldId id="274" r:id="rId12"/>
+    <p:sldId id="275" r:id="rId13"/>
+    <p:sldId id="276" r:id="rId14"/>
+    <p:sldId id="266" r:id="rId15"/>
+    <p:sldId id="267" r:id="rId16"/>
+    <p:sldId id="268" r:id="rId17"/>
+    <p:sldId id="269" r:id="rId18"/>
+    <p:sldId id="270" r:id="rId19"/>
+    <p:sldId id="271" r:id="rId20"/>
+    <p:sldId id="272" r:id="rId21"/>
+    <p:sldId id="273" r:id="rId22"/>
+    <p:sldId id="277" r:id="rId23"/>
+    <p:sldId id="278" r:id="rId24"/>
+    <p:sldId id="279" r:id="rId25"/>
+    <p:sldId id="280" r:id="rId26"/>
+    <p:sldId id="281" r:id="rId27"/>
+    <p:sldId id="282" r:id="rId28"/>
   </p:sldIdLst>
   <p:sldSz cx="12192000" cy="6858000"/>
   <p:notesSz cx="6858000" cy="9144000"/>
@@ -190,7 +199,7 @@
           <a:noFill/>
           <a:extLst>
             <a:ext uri="{909E8E84-426E-40dd-AFC4-6F175D3DCCD1}">
-              <a14:hiddenFill xmlns:a14="http://schemas.microsoft.com/office/drawing/2010/main" xmlns="">
+              <a14:hiddenFill xmlns="" xmlns:a14="http://schemas.microsoft.com/office/drawing/2010/main">
                 <a:solidFill>
                   <a:srgbClr val="FFFFFF"/>
                 </a:solidFill>
@@ -250,7 +259,7 @@
             </a:ln>
             <a:extLst>
               <a:ext uri="{91240B29-F687-4f45-9708-019B960494DF}">
-                <a14:hiddenLine xmlns:a14="http://schemas.microsoft.com/office/drawing/2010/main" xmlns="" w="9525">
+                <a14:hiddenLine xmlns="" xmlns:a14="http://schemas.microsoft.com/office/drawing/2010/main" w="9525">
                   <a:solidFill>
                     <a:srgbClr val="000000"/>
                   </a:solidFill>
@@ -340,7 +349,7 @@
             </a:ln>
             <a:extLst>
               <a:ext uri="{91240B29-F687-4f45-9708-019B960494DF}">
-                <a14:hiddenLine xmlns:a14="http://schemas.microsoft.com/office/drawing/2010/main" xmlns="" w="9525">
+                <a14:hiddenLine xmlns="" xmlns:a14="http://schemas.microsoft.com/office/drawing/2010/main" w="9525">
                   <a:solidFill>
                     <a:srgbClr val="000000"/>
                   </a:solidFill>
@@ -430,7 +439,7 @@
             </a:ln>
             <a:extLst>
               <a:ext uri="{91240B29-F687-4f45-9708-019B960494DF}">
-                <a14:hiddenLine xmlns:a14="http://schemas.microsoft.com/office/drawing/2010/main" xmlns="" w="9525">
+                <a14:hiddenLine xmlns="" xmlns:a14="http://schemas.microsoft.com/office/drawing/2010/main" w="9525">
                   <a:solidFill>
                     <a:srgbClr val="000000"/>
                   </a:solidFill>
@@ -464,7 +473,7 @@
             </a:ln>
             <a:extLst>
               <a:ext uri="{91240B29-F687-4f45-9708-019B960494DF}">
-                <a14:hiddenLine xmlns:a14="http://schemas.microsoft.com/office/drawing/2010/main" xmlns="" w="9525">
+                <a14:hiddenLine xmlns="" xmlns:a14="http://schemas.microsoft.com/office/drawing/2010/main" w="9525">
                   <a:solidFill>
                     <a:srgbClr val="000000"/>
                   </a:solidFill>
@@ -554,7 +563,7 @@
             </a:ln>
             <a:extLst>
               <a:ext uri="{91240B29-F687-4f45-9708-019B960494DF}">
-                <a14:hiddenLine xmlns:a14="http://schemas.microsoft.com/office/drawing/2010/main" xmlns="" w="9525">
+                <a14:hiddenLine xmlns="" xmlns:a14="http://schemas.microsoft.com/office/drawing/2010/main" w="9525">
                   <a:solidFill>
                     <a:srgbClr val="000000"/>
                   </a:solidFill>
@@ -616,7 +625,7 @@
             </a:ln>
             <a:extLst>
               <a:ext uri="{91240B29-F687-4f45-9708-019B960494DF}">
-                <a14:hiddenLine xmlns:a14="http://schemas.microsoft.com/office/drawing/2010/main" xmlns="" w="9525">
+                <a14:hiddenLine xmlns="" xmlns:a14="http://schemas.microsoft.com/office/drawing/2010/main" w="9525">
                   <a:solidFill>
                     <a:srgbClr val="000000"/>
                   </a:solidFill>
@@ -678,7 +687,7 @@
             </a:ln>
             <a:extLst>
               <a:ext uri="{91240B29-F687-4f45-9708-019B960494DF}">
-                <a14:hiddenLine xmlns:a14="http://schemas.microsoft.com/office/drawing/2010/main" xmlns="" w="9525">
+                <a14:hiddenLine xmlns="" xmlns:a14="http://schemas.microsoft.com/office/drawing/2010/main" w="9525">
                   <a:solidFill>
                     <a:srgbClr val="000000"/>
                   </a:solidFill>
@@ -768,7 +777,7 @@
             </a:ln>
             <a:extLst>
               <a:ext uri="{91240B29-F687-4f45-9708-019B960494DF}">
-                <a14:hiddenLine xmlns:a14="http://schemas.microsoft.com/office/drawing/2010/main" xmlns="" w="9525">
+                <a14:hiddenLine xmlns="" xmlns:a14="http://schemas.microsoft.com/office/drawing/2010/main" w="9525">
                   <a:solidFill>
                     <a:srgbClr val="000000"/>
                   </a:solidFill>
@@ -830,7 +839,7 @@
             </a:ln>
             <a:extLst>
               <a:ext uri="{91240B29-F687-4f45-9708-019B960494DF}">
-                <a14:hiddenLine xmlns:a14="http://schemas.microsoft.com/office/drawing/2010/main" xmlns="" w="9525">
+                <a14:hiddenLine xmlns="" xmlns:a14="http://schemas.microsoft.com/office/drawing/2010/main" w="9525">
                   <a:solidFill>
                     <a:srgbClr val="000000"/>
                   </a:solidFill>
@@ -892,7 +901,7 @@
             </a:ln>
             <a:extLst>
               <a:ext uri="{91240B29-F687-4f45-9708-019B960494DF}">
-                <a14:hiddenLine xmlns:a14="http://schemas.microsoft.com/office/drawing/2010/main" xmlns="" w="9525">
+                <a14:hiddenLine xmlns="" xmlns:a14="http://schemas.microsoft.com/office/drawing/2010/main" w="9525">
                   <a:solidFill>
                     <a:srgbClr val="000000"/>
                   </a:solidFill>
@@ -982,7 +991,7 @@
             </a:ln>
             <a:extLst>
               <a:ext uri="{91240B29-F687-4f45-9708-019B960494DF}">
-                <a14:hiddenLine xmlns:a14="http://schemas.microsoft.com/office/drawing/2010/main" xmlns="" w="9525">
+                <a14:hiddenLine xmlns="" xmlns:a14="http://schemas.microsoft.com/office/drawing/2010/main" w="9525">
                   <a:solidFill>
                     <a:srgbClr val="000000"/>
                   </a:solidFill>
@@ -1072,7 +1081,7 @@
             </a:ln>
             <a:extLst>
               <a:ext uri="{91240B29-F687-4f45-9708-019B960494DF}">
-                <a14:hiddenLine xmlns:a14="http://schemas.microsoft.com/office/drawing/2010/main" xmlns="" w="9525">
+                <a14:hiddenLine xmlns="" xmlns:a14="http://schemas.microsoft.com/office/drawing/2010/main" w="9525">
                   <a:solidFill>
                     <a:srgbClr val="000000"/>
                   </a:solidFill>
@@ -1134,7 +1143,7 @@
             </a:ln>
             <a:extLst>
               <a:ext uri="{91240B29-F687-4f45-9708-019B960494DF}">
-                <a14:hiddenLine xmlns:a14="http://schemas.microsoft.com/office/drawing/2010/main" xmlns="" w="9525">
+                <a14:hiddenLine xmlns="" xmlns:a14="http://schemas.microsoft.com/office/drawing/2010/main" w="9525">
                   <a:solidFill>
                     <a:srgbClr val="000000"/>
                   </a:solidFill>
@@ -1244,7 +1253,7 @@
             </a:ln>
             <a:extLst>
               <a:ext uri="{91240B29-F687-4f45-9708-019B960494DF}">
-                <a14:hiddenLine xmlns:a14="http://schemas.microsoft.com/office/drawing/2010/main" xmlns="" w="9525">
+                <a14:hiddenLine xmlns="" xmlns:a14="http://schemas.microsoft.com/office/drawing/2010/main" w="9525">
                   <a:solidFill>
                     <a:srgbClr val="000000"/>
                   </a:solidFill>
@@ -1306,7 +1315,7 @@
             </a:ln>
             <a:extLst>
               <a:ext uri="{91240B29-F687-4f45-9708-019B960494DF}">
-                <a14:hiddenLine xmlns:a14="http://schemas.microsoft.com/office/drawing/2010/main" xmlns="" w="9525">
+                <a14:hiddenLine xmlns="" xmlns:a14="http://schemas.microsoft.com/office/drawing/2010/main" w="9525">
                   <a:solidFill>
                     <a:srgbClr val="000000"/>
                   </a:solidFill>
@@ -1396,7 +1405,7 @@
             </a:ln>
             <a:extLst>
               <a:ext uri="{91240B29-F687-4f45-9708-019B960494DF}">
-                <a14:hiddenLine xmlns:a14="http://schemas.microsoft.com/office/drawing/2010/main" xmlns="" w="9525">
+                <a14:hiddenLine xmlns="" xmlns:a14="http://schemas.microsoft.com/office/drawing/2010/main" w="9525">
                   <a:solidFill>
                     <a:srgbClr val="000000"/>
                   </a:solidFill>
@@ -1486,7 +1495,7 @@
             </a:ln>
             <a:extLst>
               <a:ext uri="{91240B29-F687-4f45-9708-019B960494DF}">
-                <a14:hiddenLine xmlns:a14="http://schemas.microsoft.com/office/drawing/2010/main" xmlns="" w="9525">
+                <a14:hiddenLine xmlns="" xmlns:a14="http://schemas.microsoft.com/office/drawing/2010/main" w="9525">
                   <a:solidFill>
                     <a:srgbClr val="000000"/>
                   </a:solidFill>
@@ -1548,7 +1557,7 @@
             </a:ln>
             <a:extLst>
               <a:ext uri="{91240B29-F687-4f45-9708-019B960494DF}">
-                <a14:hiddenLine xmlns:a14="http://schemas.microsoft.com/office/drawing/2010/main" xmlns="" w="9525">
+                <a14:hiddenLine xmlns="" xmlns:a14="http://schemas.microsoft.com/office/drawing/2010/main" w="9525">
                   <a:solidFill>
                     <a:srgbClr val="000000"/>
                   </a:solidFill>
@@ -1638,7 +1647,7 @@
             </a:ln>
             <a:extLst>
               <a:ext uri="{91240B29-F687-4f45-9708-019B960494DF}">
-                <a14:hiddenLine xmlns:a14="http://schemas.microsoft.com/office/drawing/2010/main" xmlns="" w="9525">
+                <a14:hiddenLine xmlns="" xmlns:a14="http://schemas.microsoft.com/office/drawing/2010/main" w="9525">
                   <a:solidFill>
                     <a:srgbClr val="000000"/>
                   </a:solidFill>
@@ -1728,7 +1737,7 @@
             </a:ln>
             <a:extLst>
               <a:ext uri="{91240B29-F687-4f45-9708-019B960494DF}">
-                <a14:hiddenLine xmlns:a14="http://schemas.microsoft.com/office/drawing/2010/main" xmlns="" w="9525">
+                <a14:hiddenLine xmlns="" xmlns:a14="http://schemas.microsoft.com/office/drawing/2010/main" w="9525">
                   <a:solidFill>
                     <a:srgbClr val="000000"/>
                   </a:solidFill>
@@ -1784,7 +1793,7 @@
             </a:ln>
             <a:extLst>
               <a:ext uri="{91240B29-F687-4f45-9708-019B960494DF}">
-                <a14:hiddenLine xmlns:a14="http://schemas.microsoft.com/office/drawing/2010/main" xmlns="" w="9525">
+                <a14:hiddenLine xmlns="" xmlns:a14="http://schemas.microsoft.com/office/drawing/2010/main" w="9525">
                   <a:solidFill>
                     <a:srgbClr val="000000"/>
                   </a:solidFill>
@@ -1874,7 +1883,7 @@
             </a:ln>
             <a:extLst>
               <a:ext uri="{91240B29-F687-4f45-9708-019B960494DF}">
-                <a14:hiddenLine xmlns:a14="http://schemas.microsoft.com/office/drawing/2010/main" xmlns="" w="9525">
+                <a14:hiddenLine xmlns="" xmlns:a14="http://schemas.microsoft.com/office/drawing/2010/main" w="9525">
                   <a:solidFill>
                     <a:srgbClr val="000000"/>
                   </a:solidFill>
@@ -1930,7 +1939,7 @@
             </a:ln>
             <a:extLst>
               <a:ext uri="{91240B29-F687-4f45-9708-019B960494DF}">
-                <a14:hiddenLine xmlns:a14="http://schemas.microsoft.com/office/drawing/2010/main" xmlns="" w="9525">
+                <a14:hiddenLine xmlns="" xmlns:a14="http://schemas.microsoft.com/office/drawing/2010/main" w="9525">
                   <a:solidFill>
                     <a:srgbClr val="000000"/>
                   </a:solidFill>
@@ -2020,7 +2029,7 @@
             </a:ln>
             <a:extLst>
               <a:ext uri="{91240B29-F687-4f45-9708-019B960494DF}">
-                <a14:hiddenLine xmlns:a14="http://schemas.microsoft.com/office/drawing/2010/main" xmlns="" w="9525">
+                <a14:hiddenLine xmlns="" xmlns:a14="http://schemas.microsoft.com/office/drawing/2010/main" w="9525">
                   <a:solidFill>
                     <a:srgbClr val="000000"/>
                   </a:solidFill>
@@ -2088,7 +2097,7 @@
             </a:ln>
             <a:extLst>
               <a:ext uri="{91240B29-F687-4f45-9708-019B960494DF}">
-                <a14:hiddenLine xmlns:a14="http://schemas.microsoft.com/office/drawing/2010/main" xmlns="" w="9525">
+                <a14:hiddenLine xmlns="" xmlns:a14="http://schemas.microsoft.com/office/drawing/2010/main" w="9525">
                   <a:solidFill>
                     <a:srgbClr val="000000"/>
                   </a:solidFill>
@@ -2178,7 +2187,7 @@
             </a:ln>
             <a:extLst>
               <a:ext uri="{91240B29-F687-4f45-9708-019B960494DF}">
-                <a14:hiddenLine xmlns:a14="http://schemas.microsoft.com/office/drawing/2010/main" xmlns="" w="9525">
+                <a14:hiddenLine xmlns="" xmlns:a14="http://schemas.microsoft.com/office/drawing/2010/main" w="9525">
                   <a:solidFill>
                     <a:srgbClr val="000000"/>
                   </a:solidFill>
@@ -2246,7 +2255,7 @@
             </a:ln>
             <a:extLst>
               <a:ext uri="{91240B29-F687-4f45-9708-019B960494DF}">
-                <a14:hiddenLine xmlns:a14="http://schemas.microsoft.com/office/drawing/2010/main" xmlns="" w="9525">
+                <a14:hiddenLine xmlns="" xmlns:a14="http://schemas.microsoft.com/office/drawing/2010/main" w="9525">
                   <a:solidFill>
                     <a:srgbClr val="000000"/>
                   </a:solidFill>
@@ -2336,7 +2345,7 @@
             </a:ln>
             <a:extLst>
               <a:ext uri="{91240B29-F687-4f45-9708-019B960494DF}">
-                <a14:hiddenLine xmlns:a14="http://schemas.microsoft.com/office/drawing/2010/main" xmlns="" w="9525">
+                <a14:hiddenLine xmlns="" xmlns:a14="http://schemas.microsoft.com/office/drawing/2010/main" w="9525">
                   <a:solidFill>
                     <a:srgbClr val="000000"/>
                   </a:solidFill>
@@ -2370,7 +2379,7 @@
             </a:ln>
             <a:extLst>
               <a:ext uri="{91240B29-F687-4f45-9708-019B960494DF}">
-                <a14:hiddenLine xmlns:a14="http://schemas.microsoft.com/office/drawing/2010/main" xmlns="" w="9525">
+                <a14:hiddenLine xmlns="" xmlns:a14="http://schemas.microsoft.com/office/drawing/2010/main" w="9525">
                   <a:solidFill>
                     <a:srgbClr val="000000"/>
                   </a:solidFill>
@@ -2460,7 +2469,7 @@
             </a:ln>
             <a:extLst>
               <a:ext uri="{91240B29-F687-4f45-9708-019B960494DF}">
-                <a14:hiddenLine xmlns:a14="http://schemas.microsoft.com/office/drawing/2010/main" xmlns="" w="9525">
+                <a14:hiddenLine xmlns="" xmlns:a14="http://schemas.microsoft.com/office/drawing/2010/main" w="9525">
                   <a:solidFill>
                     <a:srgbClr val="000000"/>
                   </a:solidFill>
@@ -2522,7 +2531,7 @@
             </a:ln>
             <a:extLst>
               <a:ext uri="{91240B29-F687-4f45-9708-019B960494DF}">
-                <a14:hiddenLine xmlns:a14="http://schemas.microsoft.com/office/drawing/2010/main" xmlns="" w="9525">
+                <a14:hiddenLine xmlns="" xmlns:a14="http://schemas.microsoft.com/office/drawing/2010/main" w="9525">
                   <a:solidFill>
                     <a:srgbClr val="000000"/>
                   </a:solidFill>
@@ -2584,7 +2593,7 @@
             </a:ln>
             <a:extLst>
               <a:ext uri="{91240B29-F687-4f45-9708-019B960494DF}">
-                <a14:hiddenLine xmlns:a14="http://schemas.microsoft.com/office/drawing/2010/main" xmlns="" w="9525">
+                <a14:hiddenLine xmlns="" xmlns:a14="http://schemas.microsoft.com/office/drawing/2010/main" w="9525">
                   <a:solidFill>
                     <a:srgbClr val="000000"/>
                   </a:solidFill>
@@ -2674,7 +2683,7 @@
             </a:ln>
             <a:extLst>
               <a:ext uri="{91240B29-F687-4f45-9708-019B960494DF}">
-                <a14:hiddenLine xmlns:a14="http://schemas.microsoft.com/office/drawing/2010/main" xmlns="" w="9525">
+                <a14:hiddenLine xmlns="" xmlns:a14="http://schemas.microsoft.com/office/drawing/2010/main" w="9525">
                   <a:solidFill>
                     <a:srgbClr val="000000"/>
                   </a:solidFill>
@@ -2742,7 +2751,7 @@
             </a:ln>
             <a:extLst>
               <a:ext uri="{91240B29-F687-4f45-9708-019B960494DF}">
-                <a14:hiddenLine xmlns:a14="http://schemas.microsoft.com/office/drawing/2010/main" xmlns="" w="9525">
+                <a14:hiddenLine xmlns="" xmlns:a14="http://schemas.microsoft.com/office/drawing/2010/main" w="9525">
                   <a:solidFill>
                     <a:srgbClr val="000000"/>
                   </a:solidFill>
@@ -2804,7 +2813,7 @@
             </a:ln>
             <a:extLst>
               <a:ext uri="{91240B29-F687-4f45-9708-019B960494DF}">
-                <a14:hiddenLine xmlns:a14="http://schemas.microsoft.com/office/drawing/2010/main" xmlns="" w="9525">
+                <a14:hiddenLine xmlns="" xmlns:a14="http://schemas.microsoft.com/office/drawing/2010/main" w="9525">
                   <a:solidFill>
                     <a:srgbClr val="000000"/>
                   </a:solidFill>
@@ -2894,7 +2903,7 @@
             </a:ln>
             <a:extLst>
               <a:ext uri="{91240B29-F687-4f45-9708-019B960494DF}">
-                <a14:hiddenLine xmlns:a14="http://schemas.microsoft.com/office/drawing/2010/main" xmlns="" w="9525">
+                <a14:hiddenLine xmlns="" xmlns:a14="http://schemas.microsoft.com/office/drawing/2010/main" w="9525">
                   <a:solidFill>
                     <a:srgbClr val="000000"/>
                   </a:solidFill>
@@ -2956,7 +2965,7 @@
             </a:ln>
             <a:extLst>
               <a:ext uri="{91240B29-F687-4f45-9708-019B960494DF}">
-                <a14:hiddenLine xmlns:a14="http://schemas.microsoft.com/office/drawing/2010/main" xmlns="" w="9525">
+                <a14:hiddenLine xmlns="" xmlns:a14="http://schemas.microsoft.com/office/drawing/2010/main" w="9525">
                   <a:solidFill>
                     <a:srgbClr val="000000"/>
                   </a:solidFill>
@@ -3046,7 +3055,7 @@
             </a:ln>
             <a:extLst>
               <a:ext uri="{91240B29-F687-4f45-9708-019B960494DF}">
-                <a14:hiddenLine xmlns:a14="http://schemas.microsoft.com/office/drawing/2010/main" xmlns="" w="9525">
+                <a14:hiddenLine xmlns="" xmlns:a14="http://schemas.microsoft.com/office/drawing/2010/main" w="9525">
                   <a:solidFill>
                     <a:srgbClr val="000000"/>
                   </a:solidFill>
@@ -3108,7 +3117,7 @@
             </a:ln>
             <a:extLst>
               <a:ext uri="{91240B29-F687-4f45-9708-019B960494DF}">
-                <a14:hiddenLine xmlns:a14="http://schemas.microsoft.com/office/drawing/2010/main" xmlns="" w="9525">
+                <a14:hiddenLine xmlns="" xmlns:a14="http://schemas.microsoft.com/office/drawing/2010/main" w="9525">
                   <a:solidFill>
                     <a:srgbClr val="000000"/>
                   </a:solidFill>
@@ -3198,7 +3207,7 @@
             </a:ln>
             <a:extLst>
               <a:ext uri="{91240B29-F687-4f45-9708-019B960494DF}">
-                <a14:hiddenLine xmlns:a14="http://schemas.microsoft.com/office/drawing/2010/main" xmlns="" w="9525">
+                <a14:hiddenLine xmlns="" xmlns:a14="http://schemas.microsoft.com/office/drawing/2010/main" w="9525">
                   <a:solidFill>
                     <a:srgbClr val="000000"/>
                   </a:solidFill>
@@ -3232,7 +3241,7 @@
             </a:ln>
             <a:extLst>
               <a:ext uri="{91240B29-F687-4f45-9708-019B960494DF}">
-                <a14:hiddenLine xmlns:a14="http://schemas.microsoft.com/office/drawing/2010/main" xmlns="" w="9525">
+                <a14:hiddenLine xmlns="" xmlns:a14="http://schemas.microsoft.com/office/drawing/2010/main" w="9525">
                   <a:solidFill>
                     <a:srgbClr val="000000"/>
                   </a:solidFill>
@@ -3297,7 +3306,7 @@
             </a:ln>
             <a:extLst>
               <a:ext uri="{91240B29-F687-4f45-9708-019B960494DF}">
-                <a14:hiddenLine xmlns:a14="http://schemas.microsoft.com/office/drawing/2010/main" xmlns="" w="9525">
+                <a14:hiddenLine xmlns="" xmlns:a14="http://schemas.microsoft.com/office/drawing/2010/main" w="9525">
                   <a:solidFill>
                     <a:srgbClr val="000000"/>
                   </a:solidFill>
@@ -3387,7 +3396,7 @@
             </a:ln>
             <a:extLst>
               <a:ext uri="{91240B29-F687-4f45-9708-019B960494DF}">
-                <a14:hiddenLine xmlns:a14="http://schemas.microsoft.com/office/drawing/2010/main" xmlns="" w="9525">
+                <a14:hiddenLine xmlns="" xmlns:a14="http://schemas.microsoft.com/office/drawing/2010/main" w="9525">
                   <a:solidFill>
                     <a:srgbClr val="000000"/>
                   </a:solidFill>
@@ -3449,7 +3458,7 @@
             </a:ln>
             <a:extLst>
               <a:ext uri="{91240B29-F687-4f45-9708-019B960494DF}">
-                <a14:hiddenLine xmlns:a14="http://schemas.microsoft.com/office/drawing/2010/main" xmlns="" w="9525">
+                <a14:hiddenLine xmlns="" xmlns:a14="http://schemas.microsoft.com/office/drawing/2010/main" w="9525">
                   <a:solidFill>
                     <a:srgbClr val="000000"/>
                   </a:solidFill>
@@ -3539,7 +3548,7 @@
             </a:ln>
             <a:extLst>
               <a:ext uri="{91240B29-F687-4f45-9708-019B960494DF}">
-                <a14:hiddenLine xmlns:a14="http://schemas.microsoft.com/office/drawing/2010/main" xmlns="" w="9525">
+                <a14:hiddenLine xmlns="" xmlns:a14="http://schemas.microsoft.com/office/drawing/2010/main" w="9525">
                   <a:solidFill>
                     <a:srgbClr val="000000"/>
                   </a:solidFill>
@@ -3629,7 +3638,7 @@
             </a:ln>
             <a:extLst>
               <a:ext uri="{91240B29-F687-4f45-9708-019B960494DF}">
-                <a14:hiddenLine xmlns:a14="http://schemas.microsoft.com/office/drawing/2010/main" xmlns="" w="9525">
+                <a14:hiddenLine xmlns="" xmlns:a14="http://schemas.microsoft.com/office/drawing/2010/main" w="9525">
                   <a:solidFill>
                     <a:srgbClr val="000000"/>
                   </a:solidFill>
@@ -3694,7 +3703,7 @@
             </a:ln>
             <a:extLst>
               <a:ext uri="{91240B29-F687-4f45-9708-019B960494DF}">
-                <a14:hiddenLine xmlns:a14="http://schemas.microsoft.com/office/drawing/2010/main" xmlns="" w="9525">
+                <a14:hiddenLine xmlns="" xmlns:a14="http://schemas.microsoft.com/office/drawing/2010/main" w="9525">
                   <a:solidFill>
                     <a:srgbClr val="000000"/>
                   </a:solidFill>
@@ -3756,7 +3765,7 @@
             </a:ln>
             <a:extLst>
               <a:ext uri="{91240B29-F687-4f45-9708-019B960494DF}">
-                <a14:hiddenLine xmlns:a14="http://schemas.microsoft.com/office/drawing/2010/main" xmlns="" w="9525">
+                <a14:hiddenLine xmlns="" xmlns:a14="http://schemas.microsoft.com/office/drawing/2010/main" w="9525">
                   <a:solidFill>
                     <a:srgbClr val="000000"/>
                   </a:solidFill>
@@ -3846,7 +3855,7 @@
             </a:ln>
             <a:extLst>
               <a:ext uri="{91240B29-F687-4f45-9708-019B960494DF}">
-                <a14:hiddenLine xmlns:a14="http://schemas.microsoft.com/office/drawing/2010/main" xmlns="" w="9525">
+                <a14:hiddenLine xmlns="" xmlns:a14="http://schemas.microsoft.com/office/drawing/2010/main" w="9525">
                   <a:solidFill>
                     <a:srgbClr val="000000"/>
                   </a:solidFill>
@@ -3936,7 +3945,7 @@
             </a:ln>
             <a:extLst>
               <a:ext uri="{91240B29-F687-4f45-9708-019B960494DF}">
-                <a14:hiddenLine xmlns:a14="http://schemas.microsoft.com/office/drawing/2010/main" xmlns="" w="9525">
+                <a14:hiddenLine xmlns="" xmlns:a14="http://schemas.microsoft.com/office/drawing/2010/main" w="9525">
                   <a:solidFill>
                     <a:srgbClr val="000000"/>
                   </a:solidFill>
@@ -3998,7 +4007,7 @@
             </a:ln>
             <a:extLst>
               <a:ext uri="{91240B29-F687-4f45-9708-019B960494DF}">
-                <a14:hiddenLine xmlns:a14="http://schemas.microsoft.com/office/drawing/2010/main" xmlns="" w="9525">
+                <a14:hiddenLine xmlns="" xmlns:a14="http://schemas.microsoft.com/office/drawing/2010/main" w="9525">
                   <a:solidFill>
                     <a:srgbClr val="000000"/>
                   </a:solidFill>
@@ -4118,7 +4127,7 @@
             </a:ln>
             <a:extLst>
               <a:ext uri="{91240B29-F687-4f45-9708-019B960494DF}">
-                <a14:hiddenLine xmlns:a14="http://schemas.microsoft.com/office/drawing/2010/main" xmlns="" w="9525">
+                <a14:hiddenLine xmlns="" xmlns:a14="http://schemas.microsoft.com/office/drawing/2010/main" w="9525">
                   <a:solidFill>
                     <a:srgbClr val="000000"/>
                   </a:solidFill>
@@ -4186,7 +4195,7 @@
             </a:ln>
             <a:extLst>
               <a:ext uri="{91240B29-F687-4f45-9708-019B960494DF}">
-                <a14:hiddenLine xmlns:a14="http://schemas.microsoft.com/office/drawing/2010/main" xmlns="" w="9525">
+                <a14:hiddenLine xmlns="" xmlns:a14="http://schemas.microsoft.com/office/drawing/2010/main" w="9525">
                   <a:solidFill>
                     <a:srgbClr val="000000"/>
                   </a:solidFill>
@@ -4276,7 +4285,7 @@
             </a:ln>
             <a:extLst>
               <a:ext uri="{91240B29-F687-4f45-9708-019B960494DF}">
-                <a14:hiddenLine xmlns:a14="http://schemas.microsoft.com/office/drawing/2010/main" xmlns="" w="9525">
+                <a14:hiddenLine xmlns="" xmlns:a14="http://schemas.microsoft.com/office/drawing/2010/main" w="9525">
                   <a:solidFill>
                     <a:srgbClr val="000000"/>
                   </a:solidFill>
@@ -4416,7 +4425,7 @@
           <a:p>
             <a:fld id="{48A87A34-81AB-432B-8DAE-1953F412C126}" type="datetimeFigureOut">
               <a:rPr lang="en-US" dirty="0"/>
-              <a:t>3/28/18</a:t>
+              <a:t>4/7/18</a:t>
             </a:fld>
             <a:endParaRPr lang="en-US" dirty="0"/>
           </a:p>
@@ -4678,7 +4687,7 @@
           <a:p>
             <a:fld id="{48A87A34-81AB-432B-8DAE-1953F412C126}" type="datetimeFigureOut">
               <a:rPr lang="en-US" dirty="0"/>
-              <a:t>3/28/18</a:t>
+              <a:t>4/7/18</a:t>
             </a:fld>
             <a:endParaRPr lang="en-US" dirty="0"/>
           </a:p>
@@ -4869,7 +4878,7 @@
           <a:p>
             <a:fld id="{48A87A34-81AB-432B-8DAE-1953F412C126}" type="datetimeFigureOut">
               <a:rPr lang="en-US" dirty="0"/>
-              <a:t>3/28/18</a:t>
+              <a:t>4/7/18</a:t>
             </a:fld>
             <a:endParaRPr lang="en-US" dirty="0"/>
           </a:p>
@@ -5127,7 +5136,7 @@
           <a:p>
             <a:fld id="{48A87A34-81AB-432B-8DAE-1953F412C126}" type="datetimeFigureOut">
               <a:rPr lang="en-US" dirty="0"/>
-              <a:t>3/28/18</a:t>
+              <a:t>4/7/18</a:t>
             </a:fld>
             <a:endParaRPr lang="en-US" dirty="0"/>
           </a:p>
@@ -5556,7 +5565,7 @@
           <a:p>
             <a:fld id="{48A87A34-81AB-432B-8DAE-1953F412C126}" type="datetimeFigureOut">
               <a:rPr lang="en-US" dirty="0"/>
-              <a:t>3/28/18</a:t>
+              <a:t>4/7/18</a:t>
             </a:fld>
             <a:endParaRPr lang="en-US" dirty="0"/>
           </a:p>
@@ -6097,7 +6106,7 @@
           <a:p>
             <a:fld id="{48A87A34-81AB-432B-8DAE-1953F412C126}" type="datetimeFigureOut">
               <a:rPr lang="en-US" dirty="0"/>
-              <a:t>3/28/18</a:t>
+              <a:t>4/7/18</a:t>
             </a:fld>
             <a:endParaRPr lang="en-US" dirty="0"/>
           </a:p>
@@ -6812,7 +6821,7 @@
           <a:p>
             <a:fld id="{48A87A34-81AB-432B-8DAE-1953F412C126}" type="datetimeFigureOut">
               <a:rPr lang="en-US" dirty="0"/>
-              <a:t>3/28/18</a:t>
+              <a:t>4/7/18</a:t>
             </a:fld>
             <a:endParaRPr lang="en-US" dirty="0"/>
           </a:p>
@@ -6977,7 +6986,7 @@
           <a:p>
             <a:fld id="{48A87A34-81AB-432B-8DAE-1953F412C126}" type="datetimeFigureOut">
               <a:rPr lang="en-US" dirty="0"/>
-              <a:t>3/28/18</a:t>
+              <a:t>4/7/18</a:t>
             </a:fld>
             <a:endParaRPr lang="en-US" dirty="0"/>
           </a:p>
@@ -7152,7 +7161,7 @@
           <a:p>
             <a:fld id="{48A87A34-81AB-432B-8DAE-1953F412C126}" type="datetimeFigureOut">
               <a:rPr lang="en-US" dirty="0"/>
-              <a:t>3/28/18</a:t>
+              <a:t>4/7/18</a:t>
             </a:fld>
             <a:endParaRPr lang="en-US" dirty="0"/>
           </a:p>
@@ -7317,7 +7326,7 @@
           <a:p>
             <a:fld id="{48A87A34-81AB-432B-8DAE-1953F412C126}" type="datetimeFigureOut">
               <a:rPr lang="en-US" dirty="0"/>
-              <a:t>3/28/18</a:t>
+              <a:t>4/7/18</a:t>
             </a:fld>
             <a:endParaRPr lang="en-US" dirty="0"/>
           </a:p>
@@ -7562,7 +7571,7 @@
           <a:p>
             <a:fld id="{48A87A34-81AB-432B-8DAE-1953F412C126}" type="datetimeFigureOut">
               <a:rPr lang="en-US" dirty="0"/>
-              <a:t>3/28/18</a:t>
+              <a:t>4/7/18</a:t>
             </a:fld>
             <a:endParaRPr lang="en-US" dirty="0"/>
           </a:p>
@@ -7789,7 +7798,7 @@
           <a:p>
             <a:fld id="{48A87A34-81AB-432B-8DAE-1953F412C126}" type="datetimeFigureOut">
               <a:rPr lang="en-US" dirty="0"/>
-              <a:t>3/28/18</a:t>
+              <a:t>4/7/18</a:t>
             </a:fld>
             <a:endParaRPr lang="en-US" dirty="0"/>
           </a:p>
@@ -8165,7 +8174,7 @@
           <a:p>
             <a:fld id="{48A87A34-81AB-432B-8DAE-1953F412C126}" type="datetimeFigureOut">
               <a:rPr lang="en-US" dirty="0"/>
-              <a:t>3/28/18</a:t>
+              <a:t>4/7/18</a:t>
             </a:fld>
             <a:endParaRPr lang="en-US" dirty="0"/>
           </a:p>
@@ -8278,7 +8287,7 @@
           <a:p>
             <a:fld id="{48A87A34-81AB-432B-8DAE-1953F412C126}" type="datetimeFigureOut">
               <a:rPr lang="en-US" dirty="0"/>
-              <a:t>3/28/18</a:t>
+              <a:t>4/7/18</a:t>
             </a:fld>
             <a:endParaRPr lang="en-US" dirty="0"/>
           </a:p>
@@ -8368,7 +8377,7 @@
           <a:p>
             <a:fld id="{48A87A34-81AB-432B-8DAE-1953F412C126}" type="datetimeFigureOut">
               <a:rPr lang="en-US" dirty="0"/>
-              <a:t>3/28/18</a:t>
+              <a:t>4/7/18</a:t>
             </a:fld>
             <a:endParaRPr lang="en-US" dirty="0"/>
           </a:p>
@@ -8612,7 +8621,7 @@
           <a:p>
             <a:fld id="{48A87A34-81AB-432B-8DAE-1953F412C126}" type="datetimeFigureOut">
               <a:rPr lang="en-US" dirty="0"/>
-              <a:t>3/28/18</a:t>
+              <a:t>4/7/18</a:t>
             </a:fld>
             <a:endParaRPr lang="en-US" dirty="0"/>
           </a:p>
@@ -8887,7 +8896,7 @@
           <a:p>
             <a:fld id="{48A87A34-81AB-432B-8DAE-1953F412C126}" type="datetimeFigureOut">
               <a:rPr lang="en-US" dirty="0"/>
-              <a:t>3/28/18</a:t>
+              <a:t>4/7/18</a:t>
             </a:fld>
             <a:endParaRPr lang="en-US" dirty="0"/>
           </a:p>
@@ -8998,7 +9007,7 @@
           <a:noFill/>
           <a:extLst>
             <a:ext uri="{909E8E84-426E-40dd-AFC4-6F175D3DCCD1}">
-              <a14:hiddenFill xmlns:a14="http://schemas.microsoft.com/office/drawing/2010/main" xmlns="">
+              <a14:hiddenFill xmlns="" xmlns:a14="http://schemas.microsoft.com/office/drawing/2010/main">
                 <a:solidFill>
                   <a:srgbClr val="FFFFFF"/>
                 </a:solidFill>
@@ -9072,7 +9081,7 @@
               </a:ln>
               <a:extLst>
                 <a:ext uri="{91240B29-F687-4f45-9708-019B960494DF}">
-                  <a14:hiddenLine xmlns:a14="http://schemas.microsoft.com/office/drawing/2010/main" xmlns="" w="9525">
+                  <a14:hiddenLine xmlns="" xmlns:a14="http://schemas.microsoft.com/office/drawing/2010/main" w="9525">
                     <a:solidFill>
                       <a:srgbClr val="000000"/>
                     </a:solidFill>
@@ -9162,7 +9171,7 @@
               </a:ln>
               <a:extLst>
                 <a:ext uri="{91240B29-F687-4f45-9708-019B960494DF}">
-                  <a14:hiddenLine xmlns:a14="http://schemas.microsoft.com/office/drawing/2010/main" xmlns="" w="9525">
+                  <a14:hiddenLine xmlns="" xmlns:a14="http://schemas.microsoft.com/office/drawing/2010/main" w="9525">
                     <a:solidFill>
                       <a:srgbClr val="000000"/>
                     </a:solidFill>
@@ -9252,7 +9261,7 @@
               </a:ln>
               <a:extLst>
                 <a:ext uri="{91240B29-F687-4f45-9708-019B960494DF}">
-                  <a14:hiddenLine xmlns:a14="http://schemas.microsoft.com/office/drawing/2010/main" xmlns="" w="9525">
+                  <a14:hiddenLine xmlns="" xmlns:a14="http://schemas.microsoft.com/office/drawing/2010/main" w="9525">
                     <a:solidFill>
                       <a:srgbClr val="000000"/>
                     </a:solidFill>
@@ -9314,7 +9323,7 @@
               </a:ln>
               <a:extLst>
                 <a:ext uri="{91240B29-F687-4f45-9708-019B960494DF}">
-                  <a14:hiddenLine xmlns:a14="http://schemas.microsoft.com/office/drawing/2010/main" xmlns="" w="9525">
+                  <a14:hiddenLine xmlns="" xmlns:a14="http://schemas.microsoft.com/office/drawing/2010/main" w="9525">
                     <a:solidFill>
                       <a:srgbClr val="000000"/>
                     </a:solidFill>
@@ -9404,7 +9413,7 @@
               </a:ln>
               <a:extLst>
                 <a:ext uri="{91240B29-F687-4f45-9708-019B960494DF}">
-                  <a14:hiddenLine xmlns:a14="http://schemas.microsoft.com/office/drawing/2010/main" xmlns="" w="9525">
+                  <a14:hiddenLine xmlns="" xmlns:a14="http://schemas.microsoft.com/office/drawing/2010/main" w="9525">
                     <a:solidFill>
                       <a:srgbClr val="000000"/>
                     </a:solidFill>
@@ -9466,7 +9475,7 @@
               </a:ln>
               <a:extLst>
                 <a:ext uri="{91240B29-F687-4f45-9708-019B960494DF}">
-                  <a14:hiddenLine xmlns:a14="http://schemas.microsoft.com/office/drawing/2010/main" xmlns="" w="9525">
+                  <a14:hiddenLine xmlns="" xmlns:a14="http://schemas.microsoft.com/office/drawing/2010/main" w="9525">
                     <a:solidFill>
                       <a:srgbClr val="000000"/>
                     </a:solidFill>
@@ -9528,7 +9537,7 @@
               </a:ln>
               <a:extLst>
                 <a:ext uri="{91240B29-F687-4f45-9708-019B960494DF}">
-                  <a14:hiddenLine xmlns:a14="http://schemas.microsoft.com/office/drawing/2010/main" xmlns="" w="9525">
+                  <a14:hiddenLine xmlns="" xmlns:a14="http://schemas.microsoft.com/office/drawing/2010/main" w="9525">
                     <a:solidFill>
                       <a:srgbClr val="000000"/>
                     </a:solidFill>
@@ -9618,7 +9627,7 @@
               </a:ln>
               <a:extLst>
                 <a:ext uri="{91240B29-F687-4f45-9708-019B960494DF}">
-                  <a14:hiddenLine xmlns:a14="http://schemas.microsoft.com/office/drawing/2010/main" xmlns="" w="9525">
+                  <a14:hiddenLine xmlns="" xmlns:a14="http://schemas.microsoft.com/office/drawing/2010/main" w="9525">
                     <a:solidFill>
                       <a:srgbClr val="000000"/>
                     </a:solidFill>
@@ -9708,7 +9717,7 @@
               </a:ln>
               <a:extLst>
                 <a:ext uri="{91240B29-F687-4f45-9708-019B960494DF}">
-                  <a14:hiddenLine xmlns:a14="http://schemas.microsoft.com/office/drawing/2010/main" xmlns="" w="9525">
+                  <a14:hiddenLine xmlns="" xmlns:a14="http://schemas.microsoft.com/office/drawing/2010/main" w="9525">
                     <a:solidFill>
                       <a:srgbClr val="000000"/>
                     </a:solidFill>
@@ -9770,7 +9779,7 @@
               </a:ln>
               <a:extLst>
                 <a:ext uri="{91240B29-F687-4f45-9708-019B960494DF}">
-                  <a14:hiddenLine xmlns:a14="http://schemas.microsoft.com/office/drawing/2010/main" xmlns="" w="9525">
+                  <a14:hiddenLine xmlns="" xmlns:a14="http://schemas.microsoft.com/office/drawing/2010/main" w="9525">
                     <a:solidFill>
                       <a:srgbClr val="000000"/>
                     </a:solidFill>
@@ -9880,7 +9889,7 @@
               </a:ln>
               <a:extLst>
                 <a:ext uri="{91240B29-F687-4f45-9708-019B960494DF}">
-                  <a14:hiddenLine xmlns:a14="http://schemas.microsoft.com/office/drawing/2010/main" xmlns="" w="9525">
+                  <a14:hiddenLine xmlns="" xmlns:a14="http://schemas.microsoft.com/office/drawing/2010/main" w="9525">
                     <a:solidFill>
                       <a:srgbClr val="000000"/>
                     </a:solidFill>
@@ -9964,7 +9973,7 @@
               </a:ln>
               <a:extLst>
                 <a:ext uri="{91240B29-F687-4f45-9708-019B960494DF}">
-                  <a14:hiddenLine xmlns:a14="http://schemas.microsoft.com/office/drawing/2010/main" xmlns="" w="9525">
+                  <a14:hiddenLine xmlns="" xmlns:a14="http://schemas.microsoft.com/office/drawing/2010/main" w="9525">
                     <a:solidFill>
                       <a:srgbClr val="000000"/>
                     </a:solidFill>
@@ -10026,7 +10035,7 @@
               </a:ln>
               <a:extLst>
                 <a:ext uri="{91240B29-F687-4f45-9708-019B960494DF}">
-                  <a14:hiddenLine xmlns:a14="http://schemas.microsoft.com/office/drawing/2010/main" xmlns="" w="9525">
+                  <a14:hiddenLine xmlns="" xmlns:a14="http://schemas.microsoft.com/office/drawing/2010/main" w="9525">
                     <a:solidFill>
                       <a:srgbClr val="000000"/>
                     </a:solidFill>
@@ -10088,7 +10097,7 @@
               </a:ln>
               <a:extLst>
                 <a:ext uri="{91240B29-F687-4f45-9708-019B960494DF}">
-                  <a14:hiddenLine xmlns:a14="http://schemas.microsoft.com/office/drawing/2010/main" xmlns="" w="9525">
+                  <a14:hiddenLine xmlns="" xmlns:a14="http://schemas.microsoft.com/office/drawing/2010/main" w="9525">
                     <a:solidFill>
                       <a:srgbClr val="000000"/>
                     </a:solidFill>
@@ -10178,7 +10187,7 @@
               </a:ln>
               <a:extLst>
                 <a:ext uri="{91240B29-F687-4f45-9708-019B960494DF}">
-                  <a14:hiddenLine xmlns:a14="http://schemas.microsoft.com/office/drawing/2010/main" xmlns="" w="9525">
+                  <a14:hiddenLine xmlns="" xmlns:a14="http://schemas.microsoft.com/office/drawing/2010/main" w="9525">
                     <a:solidFill>
                       <a:srgbClr val="000000"/>
                     </a:solidFill>
@@ -10212,7 +10221,7 @@
               </a:ln>
               <a:extLst>
                 <a:ext uri="{91240B29-F687-4f45-9708-019B960494DF}">
-                  <a14:hiddenLine xmlns:a14="http://schemas.microsoft.com/office/drawing/2010/main" xmlns="" w="9525">
+                  <a14:hiddenLine xmlns="" xmlns:a14="http://schemas.microsoft.com/office/drawing/2010/main" w="9525">
                     <a:solidFill>
                       <a:srgbClr val="000000"/>
                     </a:solidFill>
@@ -10277,7 +10286,7 @@
               </a:ln>
               <a:extLst>
                 <a:ext uri="{91240B29-F687-4f45-9708-019B960494DF}">
-                  <a14:hiddenLine xmlns:a14="http://schemas.microsoft.com/office/drawing/2010/main" xmlns="" w="9525">
+                  <a14:hiddenLine xmlns="" xmlns:a14="http://schemas.microsoft.com/office/drawing/2010/main" w="9525">
                     <a:solidFill>
                       <a:srgbClr val="000000"/>
                     </a:solidFill>
@@ -10367,7 +10376,7 @@
               </a:ln>
               <a:extLst>
                 <a:ext uri="{91240B29-F687-4f45-9708-019B960494DF}">
-                  <a14:hiddenLine xmlns:a14="http://schemas.microsoft.com/office/drawing/2010/main" xmlns="" w="9525">
+                  <a14:hiddenLine xmlns="" xmlns:a14="http://schemas.microsoft.com/office/drawing/2010/main" w="9525">
                     <a:solidFill>
                       <a:srgbClr val="000000"/>
                     </a:solidFill>
@@ -10429,7 +10438,7 @@
               </a:ln>
               <a:extLst>
                 <a:ext uri="{91240B29-F687-4f45-9708-019B960494DF}">
-                  <a14:hiddenLine xmlns:a14="http://schemas.microsoft.com/office/drawing/2010/main" xmlns="" w="9525">
+                  <a14:hiddenLine xmlns="" xmlns:a14="http://schemas.microsoft.com/office/drawing/2010/main" w="9525">
                     <a:solidFill>
                       <a:srgbClr val="000000"/>
                     </a:solidFill>
@@ -10519,7 +10528,7 @@
               </a:ln>
               <a:extLst>
                 <a:ext uri="{91240B29-F687-4f45-9708-019B960494DF}">
-                  <a14:hiddenLine xmlns:a14="http://schemas.microsoft.com/office/drawing/2010/main" xmlns="" w="9525">
+                  <a14:hiddenLine xmlns="" xmlns:a14="http://schemas.microsoft.com/office/drawing/2010/main" w="9525">
                     <a:solidFill>
                       <a:srgbClr val="000000"/>
                     </a:solidFill>
@@ -10584,7 +10593,7 @@
               </a:ln>
               <a:extLst>
                 <a:ext uri="{91240B29-F687-4f45-9708-019B960494DF}">
-                  <a14:hiddenLine xmlns:a14="http://schemas.microsoft.com/office/drawing/2010/main" xmlns="" w="9525">
+                  <a14:hiddenLine xmlns="" xmlns:a14="http://schemas.microsoft.com/office/drawing/2010/main" w="9525">
                     <a:solidFill>
                       <a:srgbClr val="000000"/>
                     </a:solidFill>
@@ -10646,7 +10655,7 @@
               </a:ln>
               <a:extLst>
                 <a:ext uri="{91240B29-F687-4f45-9708-019B960494DF}">
-                  <a14:hiddenLine xmlns:a14="http://schemas.microsoft.com/office/drawing/2010/main" xmlns="" w="9525">
+                  <a14:hiddenLine xmlns="" xmlns:a14="http://schemas.microsoft.com/office/drawing/2010/main" w="9525">
                     <a:solidFill>
                       <a:srgbClr val="000000"/>
                     </a:solidFill>
@@ -10736,7 +10745,7 @@
               </a:ln>
               <a:extLst>
                 <a:ext uri="{91240B29-F687-4f45-9708-019B960494DF}">
-                  <a14:hiddenLine xmlns:a14="http://schemas.microsoft.com/office/drawing/2010/main" xmlns="" w="9525">
+                  <a14:hiddenLine xmlns="" xmlns:a14="http://schemas.microsoft.com/office/drawing/2010/main" w="9525">
                     <a:solidFill>
                       <a:srgbClr val="000000"/>
                     </a:solidFill>
@@ -10826,7 +10835,7 @@
               </a:ln>
               <a:extLst>
                 <a:ext uri="{91240B29-F687-4f45-9708-019B960494DF}">
-                  <a14:hiddenLine xmlns:a14="http://schemas.microsoft.com/office/drawing/2010/main" xmlns="" w="9525">
+                  <a14:hiddenLine xmlns="" xmlns:a14="http://schemas.microsoft.com/office/drawing/2010/main" w="9525">
                     <a:solidFill>
                       <a:srgbClr val="000000"/>
                     </a:solidFill>
@@ -10891,7 +10900,7 @@
               </a:ln>
               <a:extLst>
                 <a:ext uri="{91240B29-F687-4f45-9708-019B960494DF}">
-                  <a14:hiddenLine xmlns:a14="http://schemas.microsoft.com/office/drawing/2010/main" xmlns="" w="9525">
+                  <a14:hiddenLine xmlns="" xmlns:a14="http://schemas.microsoft.com/office/drawing/2010/main" w="9525">
                     <a:solidFill>
                       <a:srgbClr val="000000"/>
                     </a:solidFill>
@@ -11011,7 +11020,7 @@
               </a:ln>
               <a:extLst>
                 <a:ext uri="{91240B29-F687-4f45-9708-019B960494DF}">
-                  <a14:hiddenLine xmlns:a14="http://schemas.microsoft.com/office/drawing/2010/main" xmlns="" w="9525">
+                  <a14:hiddenLine xmlns="" xmlns:a14="http://schemas.microsoft.com/office/drawing/2010/main" w="9525">
                     <a:solidFill>
                       <a:srgbClr val="000000"/>
                     </a:solidFill>
@@ -11109,7 +11118,7 @@
               </a:ln>
               <a:extLst>
                 <a:ext uri="{91240B29-F687-4f45-9708-019B960494DF}">
-                  <a14:hiddenLine xmlns:a14="http://schemas.microsoft.com/office/drawing/2010/main" xmlns="" w="9525">
+                  <a14:hiddenLine xmlns="" xmlns:a14="http://schemas.microsoft.com/office/drawing/2010/main" w="9525">
                     <a:solidFill>
                       <a:srgbClr val="000000"/>
                     </a:solidFill>
@@ -11224,7 +11233,7 @@
               </a:ln>
               <a:extLst>
                 <a:ext uri="{91240B29-F687-4f45-9708-019B960494DF}">
-                  <a14:hiddenLine xmlns:a14="http://schemas.microsoft.com/office/drawing/2010/main" xmlns="" w="9525">
+                  <a14:hiddenLine xmlns="" xmlns:a14="http://schemas.microsoft.com/office/drawing/2010/main" w="9525">
                     <a:solidFill>
                       <a:srgbClr val="000000"/>
                     </a:solidFill>
@@ -11314,7 +11323,7 @@
               </a:ln>
               <a:extLst>
                 <a:ext uri="{91240B29-F687-4f45-9708-019B960494DF}">
-                  <a14:hiddenLine xmlns:a14="http://schemas.microsoft.com/office/drawing/2010/main" xmlns="" w="9525">
+                  <a14:hiddenLine xmlns="" xmlns:a14="http://schemas.microsoft.com/office/drawing/2010/main" w="9525">
                     <a:solidFill>
                       <a:srgbClr val="000000"/>
                     </a:solidFill>
@@ -11379,7 +11388,7 @@
               </a:ln>
               <a:extLst>
                 <a:ext uri="{91240B29-F687-4f45-9708-019B960494DF}">
-                  <a14:hiddenLine xmlns:a14="http://schemas.microsoft.com/office/drawing/2010/main" xmlns="" w="9525">
+                  <a14:hiddenLine xmlns="" xmlns:a14="http://schemas.microsoft.com/office/drawing/2010/main" w="9525">
                     <a:solidFill>
                       <a:srgbClr val="000000"/>
                     </a:solidFill>
@@ -11469,7 +11478,7 @@
               </a:ln>
               <a:extLst>
                 <a:ext uri="{91240B29-F687-4f45-9708-019B960494DF}">
-                  <a14:hiddenLine xmlns:a14="http://schemas.microsoft.com/office/drawing/2010/main" xmlns="" w="9525">
+                  <a14:hiddenLine xmlns="" xmlns:a14="http://schemas.microsoft.com/office/drawing/2010/main" w="9525">
                     <a:solidFill>
                       <a:srgbClr val="000000"/>
                     </a:solidFill>
@@ -11537,7 +11546,7 @@
               </a:ln>
               <a:extLst>
                 <a:ext uri="{91240B29-F687-4f45-9708-019B960494DF}">
-                  <a14:hiddenLine xmlns:a14="http://schemas.microsoft.com/office/drawing/2010/main" xmlns="" w="9525">
+                  <a14:hiddenLine xmlns="" xmlns:a14="http://schemas.microsoft.com/office/drawing/2010/main" w="9525">
                     <a:solidFill>
                       <a:srgbClr val="000000"/>
                     </a:solidFill>
@@ -11627,7 +11636,7 @@
               </a:ln>
               <a:extLst>
                 <a:ext uri="{91240B29-F687-4f45-9708-019B960494DF}">
-                  <a14:hiddenLine xmlns:a14="http://schemas.microsoft.com/office/drawing/2010/main" xmlns="" w="9525">
+                  <a14:hiddenLine xmlns="" xmlns:a14="http://schemas.microsoft.com/office/drawing/2010/main" w="9525">
                     <a:solidFill>
                       <a:srgbClr val="000000"/>
                     </a:solidFill>
@@ -11695,7 +11704,7 @@
               </a:ln>
               <a:extLst>
                 <a:ext uri="{91240B29-F687-4f45-9708-019B960494DF}">
-                  <a14:hiddenLine xmlns:a14="http://schemas.microsoft.com/office/drawing/2010/main" xmlns="" w="9525">
+                  <a14:hiddenLine xmlns="" xmlns:a14="http://schemas.microsoft.com/office/drawing/2010/main" w="9525">
                     <a:solidFill>
                       <a:srgbClr val="000000"/>
                     </a:solidFill>
@@ -11785,7 +11794,7 @@
               </a:ln>
               <a:extLst>
                 <a:ext uri="{91240B29-F687-4f45-9708-019B960494DF}">
-                  <a14:hiddenLine xmlns:a14="http://schemas.microsoft.com/office/drawing/2010/main" xmlns="" w="9525">
+                  <a14:hiddenLine xmlns="" xmlns:a14="http://schemas.microsoft.com/office/drawing/2010/main" w="9525">
                     <a:solidFill>
                       <a:srgbClr val="000000"/>
                     </a:solidFill>
@@ -11819,7 +11828,7 @@
               </a:ln>
               <a:extLst>
                 <a:ext uri="{91240B29-F687-4f45-9708-019B960494DF}">
-                  <a14:hiddenLine xmlns:a14="http://schemas.microsoft.com/office/drawing/2010/main" xmlns="" w="9525">
+                  <a14:hiddenLine xmlns="" xmlns:a14="http://schemas.microsoft.com/office/drawing/2010/main" w="9525">
                     <a:solidFill>
                       <a:srgbClr val="000000"/>
                     </a:solidFill>
@@ -11960,7 +11969,7 @@
             <a:fld id="{48A87A34-81AB-432B-8DAE-1953F412C126}" type="datetimeFigureOut">
               <a:rPr lang="en-US" dirty="0"/>
               <a:pPr/>
-              <a:t>3/28/18</a:t>
+              <a:t>4/7/18</a:t>
             </a:fld>
             <a:endParaRPr lang="en-US" dirty="0"/>
           </a:p>
@@ -12559,7 +12568,7 @@
           <p:cNvPr id="2" name="제목 1">
             <a:extLst>
               <a:ext uri="{FF2B5EF4-FFF2-40B4-BE49-F238E27FC236}">
-                <a16:creationId xmlns:a16="http://schemas.microsoft.com/office/drawing/2014/main" id="{E70F4F96-788F-DA47-BA01-3FE7006F84A3}"/>
+                <a16:creationId xmlns:a16="http://schemas.microsoft.com/office/drawing/2014/main" id="{887EDC9A-EF8B-FF4B-B492-89F1BB9DAFCB}"/>
               </a:ext>
             </a:extLst>
           </p:cNvPr>
@@ -12575,53 +12584,43 @@
           <a:bodyPr/>
           <a:lstStyle/>
           <a:p>
-            <a:r>
-              <a:rPr kumimoji="1" lang="en-US" altLang="ko-KR" dirty="0"/>
-              <a:t>Various office 365 service - yammer </a:t>
-            </a:r>
-            <a:endParaRPr kumimoji="1" lang="ko-KR" altLang="en-US" dirty="0"/>
+            <a:endParaRPr kumimoji="1" lang="ko-KR" altLang="en-US"/>
           </a:p>
         </p:txBody>
       </p:sp>
-      <p:sp>
-        <p:nvSpPr>
-          <p:cNvPr id="4" name="내용 개체 틀 3">
+      <p:pic>
+        <p:nvPicPr>
+          <p:cNvPr id="9" name="내용 개체 틀 8">
             <a:extLst>
               <a:ext uri="{FF2B5EF4-FFF2-40B4-BE49-F238E27FC236}">
-                <a16:creationId xmlns:a16="http://schemas.microsoft.com/office/drawing/2014/main" id="{233E9378-9DC7-804B-B344-716A9CF09A75}"/>
+                <a16:creationId xmlns:a16="http://schemas.microsoft.com/office/drawing/2014/main" id="{87465855-50B7-B748-8A9E-F3C8E96EB50F}"/>
               </a:ext>
             </a:extLst>
           </p:cNvPr>
-          <p:cNvSpPr>
-            <a:spLocks noGrp="1"/>
-          </p:cNvSpPr>
+          <p:cNvPicPr>
+            <a:picLocks noGrp="1" noChangeAspect="1"/>
+          </p:cNvPicPr>
           <p:nvPr>
             <p:ph idx="1"/>
           </p:nvPr>
-        </p:nvSpPr>
-        <p:spPr/>
-        <p:txBody>
-          <a:bodyPr/>
-          <a:lstStyle/>
-          <a:p>
-            <a:r>
-              <a:rPr kumimoji="1" lang="en-US" altLang="ko-KR" dirty="0"/>
-              <a:t>Yammer is an communication app that can be used to contact anyone in the school with the school account. </a:t>
-            </a:r>
-          </a:p>
-          <a:p>
-            <a:r>
-              <a:rPr kumimoji="1" lang="en-US" altLang="ko-KR" dirty="0"/>
-              <a:t>Just like any SNS, you can do various things that you want to do.</a:t>
-            </a:r>
-            <a:endParaRPr kumimoji="1" lang="ko-KR" altLang="en-US" dirty="0"/>
-          </a:p>
-        </p:txBody>
-      </p:sp>
+        </p:nvPicPr>
+        <p:blipFill>
+          <a:blip r:embed="rId2"/>
+          <a:stretch>
+            <a:fillRect/>
+          </a:stretch>
+        </p:blipFill>
+        <p:spPr>
+          <a:xfrm>
+            <a:off x="1030014" y="166638"/>
+            <a:ext cx="9385738" cy="6555429"/>
+          </a:xfrm>
+        </p:spPr>
+      </p:pic>
     </p:spTree>
     <p:extLst>
       <p:ext uri="{BB962C8B-B14F-4D97-AF65-F5344CB8AC3E}">
-        <p14:creationId xmlns:p14="http://schemas.microsoft.com/office/powerpoint/2010/main" val="2242017102"/>
+        <p14:creationId xmlns:p14="http://schemas.microsoft.com/office/powerpoint/2010/main" val="3462560780"/>
       </p:ext>
     </p:extLst>
   </p:cSld>
@@ -12653,7 +12652,7 @@
           <p:cNvPr id="2" name="제목 1">
             <a:extLst>
               <a:ext uri="{FF2B5EF4-FFF2-40B4-BE49-F238E27FC236}">
-                <a16:creationId xmlns:a16="http://schemas.microsoft.com/office/drawing/2014/main" id="{D3FC1CA4-3F74-7140-8044-C94B51B1B733}"/>
+                <a16:creationId xmlns:a16="http://schemas.microsoft.com/office/drawing/2014/main" id="{B73F2523-8242-244C-B4C1-A3903B52C410}"/>
               </a:ext>
             </a:extLst>
           </p:cNvPr>
@@ -12669,11 +12668,7 @@
           <a:bodyPr/>
           <a:lstStyle/>
           <a:p>
-            <a:r>
-              <a:rPr kumimoji="1" lang="en-US" altLang="ko-KR" dirty="0"/>
-              <a:t>Various office 365 service – Microsoft teams [Currently not accessible]</a:t>
-            </a:r>
-            <a:endParaRPr kumimoji="1" lang="ko-KR" altLang="en-US" dirty="0"/>
+            <a:endParaRPr kumimoji="1" lang="ko-KR" altLang="en-US"/>
           </a:p>
         </p:txBody>
       </p:sp>
@@ -12682,7 +12677,7 @@
           <p:cNvPr id="5" name="내용 개체 틀 4">
             <a:extLst>
               <a:ext uri="{FF2B5EF4-FFF2-40B4-BE49-F238E27FC236}">
-                <a16:creationId xmlns:a16="http://schemas.microsoft.com/office/drawing/2014/main" id="{91328295-2F25-7E4C-A8FD-9C271F8D2AD3}"/>
+                <a16:creationId xmlns:a16="http://schemas.microsoft.com/office/drawing/2014/main" id="{192F7E9D-E980-0F48-8272-A4CC5FF78049}"/>
               </a:ext>
             </a:extLst>
           </p:cNvPr>
@@ -12701,15 +12696,15 @@
         </p:blipFill>
         <p:spPr>
           <a:xfrm>
-            <a:off x="1288559" y="1791099"/>
-            <a:ext cx="8801372" cy="5066901"/>
+            <a:off x="209604" y="84082"/>
+            <a:ext cx="11769616" cy="6443701"/>
           </a:xfrm>
         </p:spPr>
       </p:pic>
     </p:spTree>
     <p:extLst>
       <p:ext uri="{BB962C8B-B14F-4D97-AF65-F5344CB8AC3E}">
-        <p14:creationId xmlns:p14="http://schemas.microsoft.com/office/powerpoint/2010/main" val="1244804893"/>
+        <p14:creationId xmlns:p14="http://schemas.microsoft.com/office/powerpoint/2010/main" val="1395022429"/>
       </p:ext>
     </p:extLst>
   </p:cSld>
@@ -12741,7 +12736,7 @@
           <p:cNvPr id="2" name="제목 1">
             <a:extLst>
               <a:ext uri="{FF2B5EF4-FFF2-40B4-BE49-F238E27FC236}">
-                <a16:creationId xmlns:a16="http://schemas.microsoft.com/office/drawing/2014/main" id="{31044B32-9A49-1A41-8513-3CC0F5F53EA3}"/>
+                <a16:creationId xmlns:a16="http://schemas.microsoft.com/office/drawing/2014/main" id="{E3D44A73-0DDA-1842-BF67-905E39721C16}"/>
               </a:ext>
             </a:extLst>
           </p:cNvPr>
@@ -12757,11 +12752,7 @@
           <a:bodyPr/>
           <a:lstStyle/>
           <a:p>
-            <a:r>
-              <a:rPr kumimoji="1" lang="en-US" altLang="ko-KR" dirty="0"/>
-              <a:t>Various office 365 service - flow</a:t>
-            </a:r>
-            <a:endParaRPr kumimoji="1" lang="ko-KR" altLang="en-US" dirty="0"/>
+            <a:endParaRPr kumimoji="1" lang="ko-KR" altLang="en-US"/>
           </a:p>
         </p:txBody>
       </p:sp>
@@ -12770,7 +12761,7 @@
           <p:cNvPr id="5" name="내용 개체 틀 4">
             <a:extLst>
               <a:ext uri="{FF2B5EF4-FFF2-40B4-BE49-F238E27FC236}">
-                <a16:creationId xmlns:a16="http://schemas.microsoft.com/office/drawing/2014/main" id="{E67EF34C-6818-5D41-A62C-7044C6C0FF50}"/>
+                <a16:creationId xmlns:a16="http://schemas.microsoft.com/office/drawing/2014/main" id="{75976BF3-1F6E-8F4B-9758-CEFB854422C1}"/>
               </a:ext>
             </a:extLst>
           </p:cNvPr>
@@ -12789,15 +12780,15 @@
         </p:blipFill>
         <p:spPr>
           <a:xfrm>
-            <a:off x="882869" y="1513490"/>
-            <a:ext cx="9827745" cy="5337012"/>
+            <a:off x="220716" y="420412"/>
+            <a:ext cx="11520853" cy="5517931"/>
           </a:xfrm>
         </p:spPr>
       </p:pic>
     </p:spTree>
     <p:extLst>
       <p:ext uri="{BB962C8B-B14F-4D97-AF65-F5344CB8AC3E}">
-        <p14:creationId xmlns:p14="http://schemas.microsoft.com/office/powerpoint/2010/main" val="3282916644"/>
+        <p14:creationId xmlns:p14="http://schemas.microsoft.com/office/powerpoint/2010/main" val="1369179033"/>
       </p:ext>
     </p:extLst>
   </p:cSld>
@@ -12829,7 +12820,7 @@
           <p:cNvPr id="2" name="제목 1">
             <a:extLst>
               <a:ext uri="{FF2B5EF4-FFF2-40B4-BE49-F238E27FC236}">
-                <a16:creationId xmlns:a16="http://schemas.microsoft.com/office/drawing/2014/main" id="{ED24486C-16AF-9148-BD36-774B8B1C0AC8}"/>
+                <a16:creationId xmlns:a16="http://schemas.microsoft.com/office/drawing/2014/main" id="{E70F4F96-788F-DA47-BA01-3FE7006F84A3}"/>
               </a:ext>
             </a:extLst>
           </p:cNvPr>
@@ -12847,7 +12838,7 @@
           <a:p>
             <a:r>
               <a:rPr kumimoji="1" lang="en-US" altLang="ko-KR" dirty="0"/>
-              <a:t>Various office 365 service - flow</a:t>
+              <a:t>Various office 365 service - yammer </a:t>
             </a:r>
             <a:endParaRPr kumimoji="1" lang="ko-KR" altLang="en-US" dirty="0"/>
           </a:p>
@@ -12855,10 +12846,10 @@
       </p:sp>
       <p:sp>
         <p:nvSpPr>
-          <p:cNvPr id="3" name="내용 개체 틀 2">
+          <p:cNvPr id="4" name="내용 개체 틀 3">
             <a:extLst>
               <a:ext uri="{FF2B5EF4-FFF2-40B4-BE49-F238E27FC236}">
-                <a16:creationId xmlns:a16="http://schemas.microsoft.com/office/drawing/2014/main" id="{16C82864-FF24-9A4F-A6E5-68F975E28BB6}"/>
+                <a16:creationId xmlns:a16="http://schemas.microsoft.com/office/drawing/2014/main" id="{233E9378-9DC7-804B-B344-716A9CF09A75}"/>
               </a:ext>
             </a:extLst>
           </p:cNvPr>
@@ -12876,7 +12867,13 @@
           <a:p>
             <a:r>
               <a:rPr kumimoji="1" lang="en-US" altLang="ko-KR" dirty="0"/>
-              <a:t>A simple program builder that is based on same system as Scratch. You can build your code and algorithms in this application to apply to any of your program that is related to Microsoft account.</a:t>
+              <a:t>Yammer is an communication app that can be used to contact anyone in the school with the school account. </a:t>
+            </a:r>
+          </a:p>
+          <a:p>
+            <a:r>
+              <a:rPr kumimoji="1" lang="en-US" altLang="ko-KR" dirty="0"/>
+              <a:t>Just like any SNS, you can do various things that you want to do.</a:t>
             </a:r>
             <a:endParaRPr kumimoji="1" lang="ko-KR" altLang="en-US" dirty="0"/>
           </a:p>
@@ -12885,7 +12882,7 @@
     </p:spTree>
     <p:extLst>
       <p:ext uri="{BB962C8B-B14F-4D97-AF65-F5344CB8AC3E}">
-        <p14:creationId xmlns:p14="http://schemas.microsoft.com/office/powerpoint/2010/main" val="216198352"/>
+        <p14:creationId xmlns:p14="http://schemas.microsoft.com/office/powerpoint/2010/main" val="2242017102"/>
       </p:ext>
     </p:extLst>
   </p:cSld>
@@ -12917,7 +12914,7 @@
           <p:cNvPr id="2" name="제목 1">
             <a:extLst>
               <a:ext uri="{FF2B5EF4-FFF2-40B4-BE49-F238E27FC236}">
-                <a16:creationId xmlns:a16="http://schemas.microsoft.com/office/drawing/2014/main" id="{E7E18ADD-8671-BD4A-886B-D4E2F57A52DC}"/>
+                <a16:creationId xmlns:a16="http://schemas.microsoft.com/office/drawing/2014/main" id="{D3FC1CA4-3F74-7140-8044-C94B51B1B733}"/>
               </a:ext>
             </a:extLst>
           </p:cNvPr>
@@ -12935,11 +12932,7 @@
           <a:p>
             <a:r>
               <a:rPr kumimoji="1" lang="en-US" altLang="ko-KR" dirty="0"/>
-              <a:t>Various office 365 service - </a:t>
-            </a:r>
-            <a:r>
-              <a:rPr kumimoji="1" lang="en-US" altLang="ko-KR" dirty="0" err="1"/>
-              <a:t>sharepoint</a:t>
+              <a:t>Various office 365 service – Microsoft teams [Currently not accessible]</a:t>
             </a:r>
             <a:endParaRPr kumimoji="1" lang="ko-KR" altLang="en-US" dirty="0"/>
           </a:p>
@@ -12950,7 +12943,7 @@
           <p:cNvPr id="5" name="내용 개체 틀 4">
             <a:extLst>
               <a:ext uri="{FF2B5EF4-FFF2-40B4-BE49-F238E27FC236}">
-                <a16:creationId xmlns:a16="http://schemas.microsoft.com/office/drawing/2014/main" id="{35C75878-5A5A-2E49-A33F-8025614AD819}"/>
+                <a16:creationId xmlns:a16="http://schemas.microsoft.com/office/drawing/2014/main" id="{91328295-2F25-7E4C-A8FD-9C271F8D2AD3}"/>
               </a:ext>
             </a:extLst>
           </p:cNvPr>
@@ -12969,15 +12962,15 @@
         </p:blipFill>
         <p:spPr>
           <a:xfrm>
-            <a:off x="1063571" y="1642633"/>
-            <a:ext cx="9678001" cy="5215367"/>
+            <a:off x="1288559" y="1791099"/>
+            <a:ext cx="8801372" cy="5066901"/>
           </a:xfrm>
         </p:spPr>
       </p:pic>
     </p:spTree>
     <p:extLst>
       <p:ext uri="{BB962C8B-B14F-4D97-AF65-F5344CB8AC3E}">
-        <p14:creationId xmlns:p14="http://schemas.microsoft.com/office/powerpoint/2010/main" val="3323645695"/>
+        <p14:creationId xmlns:p14="http://schemas.microsoft.com/office/powerpoint/2010/main" val="1244804893"/>
       </p:ext>
     </p:extLst>
   </p:cSld>
@@ -13009,7 +13002,7 @@
           <p:cNvPr id="2" name="제목 1">
             <a:extLst>
               <a:ext uri="{FF2B5EF4-FFF2-40B4-BE49-F238E27FC236}">
-                <a16:creationId xmlns:a16="http://schemas.microsoft.com/office/drawing/2014/main" id="{96DF7BC4-0661-3E4D-AEBE-119A0BAF05D6}"/>
+                <a16:creationId xmlns:a16="http://schemas.microsoft.com/office/drawing/2014/main" id="{31044B32-9A49-1A41-8513-3CC0F5F53EA3}"/>
               </a:ext>
             </a:extLst>
           </p:cNvPr>
@@ -13027,11 +13020,7 @@
           <a:p>
             <a:r>
               <a:rPr kumimoji="1" lang="en-US" altLang="ko-KR" dirty="0"/>
-              <a:t>Various office 365 service - </a:t>
-            </a:r>
-            <a:r>
-              <a:rPr kumimoji="1" lang="en-US" altLang="ko-KR" dirty="0" err="1"/>
-              <a:t>sharepoint</a:t>
+              <a:t>Various office 365 service - flow</a:t>
             </a:r>
             <a:endParaRPr kumimoji="1" lang="ko-KR" altLang="en-US" dirty="0"/>
           </a:p>
@@ -13042,7 +13031,7 @@
           <p:cNvPr id="5" name="내용 개체 틀 4">
             <a:extLst>
               <a:ext uri="{FF2B5EF4-FFF2-40B4-BE49-F238E27FC236}">
-                <a16:creationId xmlns:a16="http://schemas.microsoft.com/office/drawing/2014/main" id="{0CCC5A7D-C529-3049-8DAD-61CAE4FDCAA0}"/>
+                <a16:creationId xmlns:a16="http://schemas.microsoft.com/office/drawing/2014/main" id="{E67EF34C-6818-5D41-A62C-7044C6C0FF50}"/>
               </a:ext>
             </a:extLst>
           </p:cNvPr>
@@ -13061,15 +13050,15 @@
         </p:blipFill>
         <p:spPr>
           <a:xfrm>
-            <a:off x="1141413" y="1587062"/>
-            <a:ext cx="9755977" cy="5270938"/>
+            <a:off x="882869" y="1513490"/>
+            <a:ext cx="9827745" cy="5337012"/>
           </a:xfrm>
         </p:spPr>
       </p:pic>
     </p:spTree>
     <p:extLst>
       <p:ext uri="{BB962C8B-B14F-4D97-AF65-F5344CB8AC3E}">
-        <p14:creationId xmlns:p14="http://schemas.microsoft.com/office/powerpoint/2010/main" val="2865203230"/>
+        <p14:creationId xmlns:p14="http://schemas.microsoft.com/office/powerpoint/2010/main" val="3282916644"/>
       </p:ext>
     </p:extLst>
   </p:cSld>
@@ -13101,7 +13090,7 @@
           <p:cNvPr id="2" name="제목 1">
             <a:extLst>
               <a:ext uri="{FF2B5EF4-FFF2-40B4-BE49-F238E27FC236}">
-                <a16:creationId xmlns:a16="http://schemas.microsoft.com/office/drawing/2014/main" id="{948D0501-1245-7042-A8F6-989DD6242718}"/>
+                <a16:creationId xmlns:a16="http://schemas.microsoft.com/office/drawing/2014/main" id="{ED24486C-16AF-9148-BD36-774B8B1C0AC8}"/>
               </a:ext>
             </a:extLst>
           </p:cNvPr>
@@ -13119,49 +13108,45 @@
           <a:p>
             <a:r>
               <a:rPr kumimoji="1" lang="en-US" altLang="ko-KR" dirty="0"/>
-              <a:t>Various office 365 service - </a:t>
-            </a:r>
-            <a:r>
-              <a:rPr kumimoji="1" lang="en-US" altLang="ko-KR" dirty="0" err="1"/>
-              <a:t>sharepoint</a:t>
+              <a:t>Various office 365 service - flow</a:t>
             </a:r>
             <a:endParaRPr kumimoji="1" lang="ko-KR" altLang="en-US" dirty="0"/>
           </a:p>
         </p:txBody>
       </p:sp>
-      <p:pic>
-        <p:nvPicPr>
-          <p:cNvPr id="5" name="내용 개체 틀 4">
+      <p:sp>
+        <p:nvSpPr>
+          <p:cNvPr id="3" name="내용 개체 틀 2">
             <a:extLst>
               <a:ext uri="{FF2B5EF4-FFF2-40B4-BE49-F238E27FC236}">
-                <a16:creationId xmlns:a16="http://schemas.microsoft.com/office/drawing/2014/main" id="{AF696DEB-2595-FA46-833B-516980B6A014}"/>
+                <a16:creationId xmlns:a16="http://schemas.microsoft.com/office/drawing/2014/main" id="{16C82864-FF24-9A4F-A6E5-68F975E28BB6}"/>
               </a:ext>
             </a:extLst>
           </p:cNvPr>
-          <p:cNvPicPr>
-            <a:picLocks noGrp="1" noChangeAspect="1"/>
-          </p:cNvPicPr>
+          <p:cNvSpPr>
+            <a:spLocks noGrp="1"/>
+          </p:cNvSpPr>
           <p:nvPr>
             <p:ph idx="1"/>
           </p:nvPr>
-        </p:nvPicPr>
-        <p:blipFill>
-          <a:blip r:embed="rId2"/>
-          <a:stretch>
-            <a:fillRect/>
-          </a:stretch>
-        </p:blipFill>
-        <p:spPr>
-          <a:xfrm>
-            <a:off x="1151923" y="1553125"/>
-            <a:ext cx="9831427" cy="5304875"/>
-          </a:xfrm>
-        </p:spPr>
-      </p:pic>
+        </p:nvSpPr>
+        <p:spPr/>
+        <p:txBody>
+          <a:bodyPr/>
+          <a:lstStyle/>
+          <a:p>
+            <a:r>
+              <a:rPr kumimoji="1" lang="en-US" altLang="ko-KR" dirty="0"/>
+              <a:t>A simple program builder that is based on same system as Scratch. You can build your code and algorithms in this application to apply to any of your program that is related to Microsoft account.</a:t>
+            </a:r>
+            <a:endParaRPr kumimoji="1" lang="ko-KR" altLang="en-US" dirty="0"/>
+          </a:p>
+        </p:txBody>
+      </p:sp>
     </p:spTree>
     <p:extLst>
       <p:ext uri="{BB962C8B-B14F-4D97-AF65-F5344CB8AC3E}">
-        <p14:creationId xmlns:p14="http://schemas.microsoft.com/office/powerpoint/2010/main" val="1294291134"/>
+        <p14:creationId xmlns:p14="http://schemas.microsoft.com/office/powerpoint/2010/main" val="216198352"/>
       </p:ext>
     </p:extLst>
   </p:cSld>
@@ -13193,7 +13178,7 @@
           <p:cNvPr id="2" name="제목 1">
             <a:extLst>
               <a:ext uri="{FF2B5EF4-FFF2-40B4-BE49-F238E27FC236}">
-                <a16:creationId xmlns:a16="http://schemas.microsoft.com/office/drawing/2014/main" id="{38EE8B5A-2B92-E548-AE7C-CB448840105C}"/>
+                <a16:creationId xmlns:a16="http://schemas.microsoft.com/office/drawing/2014/main" id="{E7E18ADD-8671-BD4A-886B-D4E2F57A52DC}"/>
               </a:ext>
             </a:extLst>
           </p:cNvPr>
@@ -13211,7 +13196,11 @@
           <a:p>
             <a:r>
               <a:rPr kumimoji="1" lang="en-US" altLang="ko-KR" dirty="0"/>
-              <a:t>Various office 365 service – skype for business</a:t>
+              <a:t>Various office 365 service - </a:t>
+            </a:r>
+            <a:r>
+              <a:rPr kumimoji="1" lang="en-US" altLang="ko-KR" dirty="0" err="1"/>
+              <a:t>sharepoint</a:t>
             </a:r>
             <a:endParaRPr kumimoji="1" lang="ko-KR" altLang="en-US" dirty="0"/>
           </a:p>
@@ -13222,7 +13211,7 @@
           <p:cNvPr id="5" name="내용 개체 틀 4">
             <a:extLst>
               <a:ext uri="{FF2B5EF4-FFF2-40B4-BE49-F238E27FC236}">
-                <a16:creationId xmlns:a16="http://schemas.microsoft.com/office/drawing/2014/main" id="{39FA6669-1806-2B4C-9470-95BA89E9FBAA}"/>
+                <a16:creationId xmlns:a16="http://schemas.microsoft.com/office/drawing/2014/main" id="{35C75878-5A5A-2E49-A33F-8025614AD819}"/>
               </a:ext>
             </a:extLst>
           </p:cNvPr>
@@ -13241,15 +13230,107 @@
         </p:blipFill>
         <p:spPr>
           <a:xfrm>
-            <a:off x="1141413" y="1786287"/>
-            <a:ext cx="9001070" cy="4919313"/>
+            <a:off x="1063571" y="1642633"/>
+            <a:ext cx="9678001" cy="5215367"/>
           </a:xfrm>
         </p:spPr>
       </p:pic>
     </p:spTree>
     <p:extLst>
       <p:ext uri="{BB962C8B-B14F-4D97-AF65-F5344CB8AC3E}">
-        <p14:creationId xmlns:p14="http://schemas.microsoft.com/office/powerpoint/2010/main" val="2693434169"/>
+        <p14:creationId xmlns:p14="http://schemas.microsoft.com/office/powerpoint/2010/main" val="3323645695"/>
+      </p:ext>
+    </p:extLst>
+  </p:cSld>
+  <p:clrMapOvr>
+    <a:masterClrMapping/>
+  </p:clrMapOvr>
+</p:sld>
+</file>
+
+<file path=ppt/slides/slide19.xml><?xml version="1.0" encoding="utf-8"?>
+<p:sld xmlns:a="http://schemas.openxmlformats.org/drawingml/2006/main" xmlns:r="http://schemas.openxmlformats.org/officeDocument/2006/relationships" xmlns:p="http://schemas.openxmlformats.org/presentationml/2006/main">
+  <p:cSld>
+    <p:spTree>
+      <p:nvGrpSpPr>
+        <p:cNvPr id="1" name=""/>
+        <p:cNvGrpSpPr/>
+        <p:nvPr/>
+      </p:nvGrpSpPr>
+      <p:grpSpPr>
+        <a:xfrm>
+          <a:off x="0" y="0"/>
+          <a:ext cx="0" cy="0"/>
+          <a:chOff x="0" y="0"/>
+          <a:chExt cx="0" cy="0"/>
+        </a:xfrm>
+      </p:grpSpPr>
+      <p:sp>
+        <p:nvSpPr>
+          <p:cNvPr id="2" name="제목 1">
+            <a:extLst>
+              <a:ext uri="{FF2B5EF4-FFF2-40B4-BE49-F238E27FC236}">
+                <a16:creationId xmlns:a16="http://schemas.microsoft.com/office/drawing/2014/main" id="{96DF7BC4-0661-3E4D-AEBE-119A0BAF05D6}"/>
+              </a:ext>
+            </a:extLst>
+          </p:cNvPr>
+          <p:cNvSpPr>
+            <a:spLocks noGrp="1"/>
+          </p:cNvSpPr>
+          <p:nvPr>
+            <p:ph type="title"/>
+          </p:nvPr>
+        </p:nvSpPr>
+        <p:spPr/>
+        <p:txBody>
+          <a:bodyPr/>
+          <a:lstStyle/>
+          <a:p>
+            <a:r>
+              <a:rPr kumimoji="1" lang="en-US" altLang="ko-KR" dirty="0"/>
+              <a:t>Various office 365 service - </a:t>
+            </a:r>
+            <a:r>
+              <a:rPr kumimoji="1" lang="en-US" altLang="ko-KR" dirty="0" err="1"/>
+              <a:t>sharepoint</a:t>
+            </a:r>
+            <a:endParaRPr kumimoji="1" lang="ko-KR" altLang="en-US" dirty="0"/>
+          </a:p>
+        </p:txBody>
+      </p:sp>
+      <p:pic>
+        <p:nvPicPr>
+          <p:cNvPr id="5" name="내용 개체 틀 4">
+            <a:extLst>
+              <a:ext uri="{FF2B5EF4-FFF2-40B4-BE49-F238E27FC236}">
+                <a16:creationId xmlns:a16="http://schemas.microsoft.com/office/drawing/2014/main" id="{0CCC5A7D-C529-3049-8DAD-61CAE4FDCAA0}"/>
+              </a:ext>
+            </a:extLst>
+          </p:cNvPr>
+          <p:cNvPicPr>
+            <a:picLocks noGrp="1" noChangeAspect="1"/>
+          </p:cNvPicPr>
+          <p:nvPr>
+            <p:ph idx="1"/>
+          </p:nvPr>
+        </p:nvPicPr>
+        <p:blipFill>
+          <a:blip r:embed="rId2"/>
+          <a:stretch>
+            <a:fillRect/>
+          </a:stretch>
+        </p:blipFill>
+        <p:spPr>
+          <a:xfrm>
+            <a:off x="1141413" y="1587062"/>
+            <a:ext cx="9755977" cy="5270938"/>
+          </a:xfrm>
+        </p:spPr>
+      </p:pic>
+    </p:spTree>
+    <p:extLst>
+      <p:ext uri="{BB962C8B-B14F-4D97-AF65-F5344CB8AC3E}">
+        <p14:creationId xmlns:p14="http://schemas.microsoft.com/office/powerpoint/2010/main" val="2865203230"/>
       </p:ext>
     </p:extLst>
   </p:cSld>
@@ -13386,6 +13467,715 @@
 </p:sld>
 </file>
 
+<file path=ppt/slides/slide20.xml><?xml version="1.0" encoding="utf-8"?>
+<p:sld xmlns:a="http://schemas.openxmlformats.org/drawingml/2006/main" xmlns:r="http://schemas.openxmlformats.org/officeDocument/2006/relationships" xmlns:p="http://schemas.openxmlformats.org/presentationml/2006/main">
+  <p:cSld>
+    <p:spTree>
+      <p:nvGrpSpPr>
+        <p:cNvPr id="1" name=""/>
+        <p:cNvGrpSpPr/>
+        <p:nvPr/>
+      </p:nvGrpSpPr>
+      <p:grpSpPr>
+        <a:xfrm>
+          <a:off x="0" y="0"/>
+          <a:ext cx="0" cy="0"/>
+          <a:chOff x="0" y="0"/>
+          <a:chExt cx="0" cy="0"/>
+        </a:xfrm>
+      </p:grpSpPr>
+      <p:sp>
+        <p:nvSpPr>
+          <p:cNvPr id="2" name="제목 1">
+            <a:extLst>
+              <a:ext uri="{FF2B5EF4-FFF2-40B4-BE49-F238E27FC236}">
+                <a16:creationId xmlns:a16="http://schemas.microsoft.com/office/drawing/2014/main" id="{948D0501-1245-7042-A8F6-989DD6242718}"/>
+              </a:ext>
+            </a:extLst>
+          </p:cNvPr>
+          <p:cNvSpPr>
+            <a:spLocks noGrp="1"/>
+          </p:cNvSpPr>
+          <p:nvPr>
+            <p:ph type="title"/>
+          </p:nvPr>
+        </p:nvSpPr>
+        <p:spPr/>
+        <p:txBody>
+          <a:bodyPr/>
+          <a:lstStyle/>
+          <a:p>
+            <a:r>
+              <a:rPr kumimoji="1" lang="en-US" altLang="ko-KR" dirty="0"/>
+              <a:t>Various office 365 service - </a:t>
+            </a:r>
+            <a:r>
+              <a:rPr kumimoji="1" lang="en-US" altLang="ko-KR" dirty="0" err="1"/>
+              <a:t>sharepoint</a:t>
+            </a:r>
+            <a:endParaRPr kumimoji="1" lang="ko-KR" altLang="en-US" dirty="0"/>
+          </a:p>
+        </p:txBody>
+      </p:sp>
+      <p:pic>
+        <p:nvPicPr>
+          <p:cNvPr id="5" name="내용 개체 틀 4">
+            <a:extLst>
+              <a:ext uri="{FF2B5EF4-FFF2-40B4-BE49-F238E27FC236}">
+                <a16:creationId xmlns:a16="http://schemas.microsoft.com/office/drawing/2014/main" id="{AF696DEB-2595-FA46-833B-516980B6A014}"/>
+              </a:ext>
+            </a:extLst>
+          </p:cNvPr>
+          <p:cNvPicPr>
+            <a:picLocks noGrp="1" noChangeAspect="1"/>
+          </p:cNvPicPr>
+          <p:nvPr>
+            <p:ph idx="1"/>
+          </p:nvPr>
+        </p:nvPicPr>
+        <p:blipFill>
+          <a:blip r:embed="rId2"/>
+          <a:stretch>
+            <a:fillRect/>
+          </a:stretch>
+        </p:blipFill>
+        <p:spPr>
+          <a:xfrm>
+            <a:off x="1151923" y="1553125"/>
+            <a:ext cx="9831427" cy="5304875"/>
+          </a:xfrm>
+        </p:spPr>
+      </p:pic>
+    </p:spTree>
+    <p:extLst>
+      <p:ext uri="{BB962C8B-B14F-4D97-AF65-F5344CB8AC3E}">
+        <p14:creationId xmlns:p14="http://schemas.microsoft.com/office/powerpoint/2010/main" val="1294291134"/>
+      </p:ext>
+    </p:extLst>
+  </p:cSld>
+  <p:clrMapOvr>
+    <a:masterClrMapping/>
+  </p:clrMapOvr>
+</p:sld>
+</file>
+
+<file path=ppt/slides/slide21.xml><?xml version="1.0" encoding="utf-8"?>
+<p:sld xmlns:a="http://schemas.openxmlformats.org/drawingml/2006/main" xmlns:r="http://schemas.openxmlformats.org/officeDocument/2006/relationships" xmlns:p="http://schemas.openxmlformats.org/presentationml/2006/main">
+  <p:cSld>
+    <p:spTree>
+      <p:nvGrpSpPr>
+        <p:cNvPr id="1" name=""/>
+        <p:cNvGrpSpPr/>
+        <p:nvPr/>
+      </p:nvGrpSpPr>
+      <p:grpSpPr>
+        <a:xfrm>
+          <a:off x="0" y="0"/>
+          <a:ext cx="0" cy="0"/>
+          <a:chOff x="0" y="0"/>
+          <a:chExt cx="0" cy="0"/>
+        </a:xfrm>
+      </p:grpSpPr>
+      <p:sp>
+        <p:nvSpPr>
+          <p:cNvPr id="2" name="제목 1">
+            <a:extLst>
+              <a:ext uri="{FF2B5EF4-FFF2-40B4-BE49-F238E27FC236}">
+                <a16:creationId xmlns:a16="http://schemas.microsoft.com/office/drawing/2014/main" id="{38EE8B5A-2B92-E548-AE7C-CB448840105C}"/>
+              </a:ext>
+            </a:extLst>
+          </p:cNvPr>
+          <p:cNvSpPr>
+            <a:spLocks noGrp="1"/>
+          </p:cNvSpPr>
+          <p:nvPr>
+            <p:ph type="title"/>
+          </p:nvPr>
+        </p:nvSpPr>
+        <p:spPr/>
+        <p:txBody>
+          <a:bodyPr/>
+          <a:lstStyle/>
+          <a:p>
+            <a:r>
+              <a:rPr kumimoji="1" lang="en-US" altLang="ko-KR" dirty="0"/>
+              <a:t>Various office 365 service – skype for business</a:t>
+            </a:r>
+            <a:endParaRPr kumimoji="1" lang="ko-KR" altLang="en-US" dirty="0"/>
+          </a:p>
+        </p:txBody>
+      </p:sp>
+      <p:pic>
+        <p:nvPicPr>
+          <p:cNvPr id="5" name="내용 개체 틀 4">
+            <a:extLst>
+              <a:ext uri="{FF2B5EF4-FFF2-40B4-BE49-F238E27FC236}">
+                <a16:creationId xmlns:a16="http://schemas.microsoft.com/office/drawing/2014/main" id="{39FA6669-1806-2B4C-9470-95BA89E9FBAA}"/>
+              </a:ext>
+            </a:extLst>
+          </p:cNvPr>
+          <p:cNvPicPr>
+            <a:picLocks noGrp="1" noChangeAspect="1"/>
+          </p:cNvPicPr>
+          <p:nvPr>
+            <p:ph idx="1"/>
+          </p:nvPr>
+        </p:nvPicPr>
+        <p:blipFill>
+          <a:blip r:embed="rId2"/>
+          <a:stretch>
+            <a:fillRect/>
+          </a:stretch>
+        </p:blipFill>
+        <p:spPr>
+          <a:xfrm>
+            <a:off x="1141413" y="1786287"/>
+            <a:ext cx="9001070" cy="4919313"/>
+          </a:xfrm>
+        </p:spPr>
+      </p:pic>
+    </p:spTree>
+    <p:extLst>
+      <p:ext uri="{BB962C8B-B14F-4D97-AF65-F5344CB8AC3E}">
+        <p14:creationId xmlns:p14="http://schemas.microsoft.com/office/powerpoint/2010/main" val="2693434169"/>
+      </p:ext>
+    </p:extLst>
+  </p:cSld>
+  <p:clrMapOvr>
+    <a:masterClrMapping/>
+  </p:clrMapOvr>
+</p:sld>
+</file>
+
+<file path=ppt/slides/slide22.xml><?xml version="1.0" encoding="utf-8"?>
+<p:sld xmlns:a="http://schemas.openxmlformats.org/drawingml/2006/main" xmlns:r="http://schemas.openxmlformats.org/officeDocument/2006/relationships" xmlns:p="http://schemas.openxmlformats.org/presentationml/2006/main">
+  <p:cSld>
+    <p:spTree>
+      <p:nvGrpSpPr>
+        <p:cNvPr id="1" name=""/>
+        <p:cNvGrpSpPr/>
+        <p:nvPr/>
+      </p:nvGrpSpPr>
+      <p:grpSpPr>
+        <a:xfrm>
+          <a:off x="0" y="0"/>
+          <a:ext cx="0" cy="0"/>
+          <a:chOff x="0" y="0"/>
+          <a:chExt cx="0" cy="0"/>
+        </a:xfrm>
+      </p:grpSpPr>
+      <p:sp>
+        <p:nvSpPr>
+          <p:cNvPr id="2" name="제목 1">
+            <a:extLst>
+              <a:ext uri="{FF2B5EF4-FFF2-40B4-BE49-F238E27FC236}">
+                <a16:creationId xmlns:a16="http://schemas.microsoft.com/office/drawing/2014/main" id="{87752135-4ECE-1C4E-8D89-F245DC4F7C9D}"/>
+              </a:ext>
+            </a:extLst>
+          </p:cNvPr>
+          <p:cNvSpPr>
+            <a:spLocks noGrp="1"/>
+          </p:cNvSpPr>
+          <p:nvPr>
+            <p:ph type="title"/>
+          </p:nvPr>
+        </p:nvSpPr>
+        <p:spPr>
+          <a:xfrm>
+            <a:off x="998483" y="124532"/>
+            <a:ext cx="9905998" cy="1478570"/>
+          </a:xfrm>
+        </p:spPr>
+        <p:txBody>
+          <a:bodyPr/>
+          <a:lstStyle/>
+          <a:p>
+            <a:r>
+              <a:rPr kumimoji="1" lang="en-US" altLang="ko-KR" dirty="0"/>
+              <a:t>Various office 365 service – </a:t>
+            </a:r>
+            <a:r>
+              <a:rPr kumimoji="1" lang="en-US" altLang="ko-KR" dirty="0" err="1"/>
+              <a:t>Powerapp</a:t>
+            </a:r>
+            <a:r>
+              <a:rPr kumimoji="1" lang="en-US" altLang="ko-KR" dirty="0"/>
+              <a:t> and dynamics 365</a:t>
+            </a:r>
+            <a:endParaRPr kumimoji="1" lang="ko-KR" altLang="en-US" dirty="0"/>
+          </a:p>
+        </p:txBody>
+      </p:sp>
+      <p:pic>
+        <p:nvPicPr>
+          <p:cNvPr id="5" name="내용 개체 틀 4">
+            <a:extLst>
+              <a:ext uri="{FF2B5EF4-FFF2-40B4-BE49-F238E27FC236}">
+                <a16:creationId xmlns:a16="http://schemas.microsoft.com/office/drawing/2014/main" id="{2800ED8A-476A-3F42-8361-A258486F09A4}"/>
+              </a:ext>
+            </a:extLst>
+          </p:cNvPr>
+          <p:cNvPicPr>
+            <a:picLocks noGrp="1" noChangeAspect="1"/>
+          </p:cNvPicPr>
+          <p:nvPr>
+            <p:ph idx="1"/>
+          </p:nvPr>
+        </p:nvPicPr>
+        <p:blipFill>
+          <a:blip r:embed="rId2"/>
+          <a:stretch>
+            <a:fillRect/>
+          </a:stretch>
+        </p:blipFill>
+        <p:spPr>
+          <a:xfrm>
+            <a:off x="998483" y="1460400"/>
+            <a:ext cx="9764109" cy="5397600"/>
+          </a:xfrm>
+        </p:spPr>
+      </p:pic>
+    </p:spTree>
+    <p:extLst>
+      <p:ext uri="{BB962C8B-B14F-4D97-AF65-F5344CB8AC3E}">
+        <p14:creationId xmlns:p14="http://schemas.microsoft.com/office/powerpoint/2010/main" val="450262492"/>
+      </p:ext>
+    </p:extLst>
+  </p:cSld>
+  <p:clrMapOvr>
+    <a:masterClrMapping/>
+  </p:clrMapOvr>
+</p:sld>
+</file>
+
+<file path=ppt/slides/slide23.xml><?xml version="1.0" encoding="utf-8"?>
+<p:sld xmlns:a="http://schemas.openxmlformats.org/drawingml/2006/main" xmlns:r="http://schemas.openxmlformats.org/officeDocument/2006/relationships" xmlns:p="http://schemas.openxmlformats.org/presentationml/2006/main">
+  <p:cSld>
+    <p:spTree>
+      <p:nvGrpSpPr>
+        <p:cNvPr id="1" name=""/>
+        <p:cNvGrpSpPr/>
+        <p:nvPr/>
+      </p:nvGrpSpPr>
+      <p:grpSpPr>
+        <a:xfrm>
+          <a:off x="0" y="0"/>
+          <a:ext cx="0" cy="0"/>
+          <a:chOff x="0" y="0"/>
+          <a:chExt cx="0" cy="0"/>
+        </a:xfrm>
+      </p:grpSpPr>
+      <p:sp>
+        <p:nvSpPr>
+          <p:cNvPr id="2" name="제목 1">
+            <a:extLst>
+              <a:ext uri="{FF2B5EF4-FFF2-40B4-BE49-F238E27FC236}">
+                <a16:creationId xmlns:a16="http://schemas.microsoft.com/office/drawing/2014/main" id="{D6EC6892-6102-6840-9156-100DC4C773BD}"/>
+              </a:ext>
+            </a:extLst>
+          </p:cNvPr>
+          <p:cNvSpPr>
+            <a:spLocks noGrp="1"/>
+          </p:cNvSpPr>
+          <p:nvPr>
+            <p:ph type="title"/>
+          </p:nvPr>
+        </p:nvSpPr>
+        <p:spPr/>
+        <p:txBody>
+          <a:bodyPr/>
+          <a:lstStyle/>
+          <a:p>
+            <a:endParaRPr kumimoji="1" lang="ko-KR" altLang="en-US"/>
+          </a:p>
+        </p:txBody>
+      </p:sp>
+      <p:pic>
+        <p:nvPicPr>
+          <p:cNvPr id="5" name="내용 개체 틀 4">
+            <a:extLst>
+              <a:ext uri="{FF2B5EF4-FFF2-40B4-BE49-F238E27FC236}">
+                <a16:creationId xmlns:a16="http://schemas.microsoft.com/office/drawing/2014/main" id="{D86D99A0-017D-804B-ACB0-EEF8F14BE015}"/>
+              </a:ext>
+            </a:extLst>
+          </p:cNvPr>
+          <p:cNvPicPr>
+            <a:picLocks noGrp="1" noChangeAspect="1"/>
+          </p:cNvPicPr>
+          <p:nvPr>
+            <p:ph idx="1"/>
+          </p:nvPr>
+        </p:nvPicPr>
+        <p:blipFill>
+          <a:blip r:embed="rId2"/>
+          <a:stretch>
+            <a:fillRect/>
+          </a:stretch>
+        </p:blipFill>
+        <p:spPr>
+          <a:xfrm>
+            <a:off x="673702" y="0"/>
+            <a:ext cx="10373709" cy="6739676"/>
+          </a:xfrm>
+        </p:spPr>
+      </p:pic>
+    </p:spTree>
+    <p:extLst>
+      <p:ext uri="{BB962C8B-B14F-4D97-AF65-F5344CB8AC3E}">
+        <p14:creationId xmlns:p14="http://schemas.microsoft.com/office/powerpoint/2010/main" val="2932136876"/>
+      </p:ext>
+    </p:extLst>
+  </p:cSld>
+  <p:clrMapOvr>
+    <a:masterClrMapping/>
+  </p:clrMapOvr>
+</p:sld>
+</file>
+
+<file path=ppt/slides/slide24.xml><?xml version="1.0" encoding="utf-8"?>
+<p:sld xmlns:a="http://schemas.openxmlformats.org/drawingml/2006/main" xmlns:r="http://schemas.openxmlformats.org/officeDocument/2006/relationships" xmlns:p="http://schemas.openxmlformats.org/presentationml/2006/main">
+  <p:cSld>
+    <p:spTree>
+      <p:nvGrpSpPr>
+        <p:cNvPr id="1" name=""/>
+        <p:cNvGrpSpPr/>
+        <p:nvPr/>
+      </p:nvGrpSpPr>
+      <p:grpSpPr>
+        <a:xfrm>
+          <a:off x="0" y="0"/>
+          <a:ext cx="0" cy="0"/>
+          <a:chOff x="0" y="0"/>
+          <a:chExt cx="0" cy="0"/>
+        </a:xfrm>
+      </p:grpSpPr>
+      <p:sp>
+        <p:nvSpPr>
+          <p:cNvPr id="2" name="제목 1">
+            <a:extLst>
+              <a:ext uri="{FF2B5EF4-FFF2-40B4-BE49-F238E27FC236}">
+                <a16:creationId xmlns:a16="http://schemas.microsoft.com/office/drawing/2014/main" id="{20AC3D9F-E3D6-9943-BE2A-D0987F148D82}"/>
+              </a:ext>
+            </a:extLst>
+          </p:cNvPr>
+          <p:cNvSpPr>
+            <a:spLocks noGrp="1"/>
+          </p:cNvSpPr>
+          <p:nvPr>
+            <p:ph type="title"/>
+          </p:nvPr>
+        </p:nvSpPr>
+        <p:spPr/>
+        <p:txBody>
+          <a:bodyPr/>
+          <a:lstStyle/>
+          <a:p>
+            <a:endParaRPr kumimoji="1" lang="ko-KR" altLang="en-US"/>
+          </a:p>
+        </p:txBody>
+      </p:sp>
+      <p:pic>
+        <p:nvPicPr>
+          <p:cNvPr id="5" name="내용 개체 틀 4">
+            <a:extLst>
+              <a:ext uri="{FF2B5EF4-FFF2-40B4-BE49-F238E27FC236}">
+                <a16:creationId xmlns:a16="http://schemas.microsoft.com/office/drawing/2014/main" id="{DCFE442C-3E84-314B-8883-CAB7326890E2}"/>
+              </a:ext>
+            </a:extLst>
+          </p:cNvPr>
+          <p:cNvPicPr>
+            <a:picLocks noGrp="1" noChangeAspect="1"/>
+          </p:cNvPicPr>
+          <p:nvPr>
+            <p:ph idx="1"/>
+          </p:nvPr>
+        </p:nvPicPr>
+        <p:blipFill>
+          <a:blip r:embed="rId2"/>
+          <a:stretch>
+            <a:fillRect/>
+          </a:stretch>
+        </p:blipFill>
+        <p:spPr>
+          <a:xfrm>
+            <a:off x="149441" y="819807"/>
+            <a:ext cx="11889942" cy="5076497"/>
+          </a:xfrm>
+        </p:spPr>
+      </p:pic>
+    </p:spTree>
+    <p:extLst>
+      <p:ext uri="{BB962C8B-B14F-4D97-AF65-F5344CB8AC3E}">
+        <p14:creationId xmlns:p14="http://schemas.microsoft.com/office/powerpoint/2010/main" val="4185272122"/>
+      </p:ext>
+    </p:extLst>
+  </p:cSld>
+  <p:clrMapOvr>
+    <a:masterClrMapping/>
+  </p:clrMapOvr>
+</p:sld>
+</file>
+
+<file path=ppt/slides/slide25.xml><?xml version="1.0" encoding="utf-8"?>
+<p:sld xmlns:a="http://schemas.openxmlformats.org/drawingml/2006/main" xmlns:r="http://schemas.openxmlformats.org/officeDocument/2006/relationships" xmlns:p="http://schemas.openxmlformats.org/presentationml/2006/main">
+  <p:cSld>
+    <p:spTree>
+      <p:nvGrpSpPr>
+        <p:cNvPr id="1" name=""/>
+        <p:cNvGrpSpPr/>
+        <p:nvPr/>
+      </p:nvGrpSpPr>
+      <p:grpSpPr>
+        <a:xfrm>
+          <a:off x="0" y="0"/>
+          <a:ext cx="0" cy="0"/>
+          <a:chOff x="0" y="0"/>
+          <a:chExt cx="0" cy="0"/>
+        </a:xfrm>
+      </p:grpSpPr>
+      <p:sp>
+        <p:nvSpPr>
+          <p:cNvPr id="2" name="제목 1">
+            <a:extLst>
+              <a:ext uri="{FF2B5EF4-FFF2-40B4-BE49-F238E27FC236}">
+                <a16:creationId xmlns:a16="http://schemas.microsoft.com/office/drawing/2014/main" id="{85FB1D1E-178E-3849-8FF2-9F209E0F5164}"/>
+              </a:ext>
+            </a:extLst>
+          </p:cNvPr>
+          <p:cNvSpPr>
+            <a:spLocks noGrp="1"/>
+          </p:cNvSpPr>
+          <p:nvPr>
+            <p:ph type="title"/>
+          </p:nvPr>
+        </p:nvSpPr>
+        <p:spPr/>
+        <p:txBody>
+          <a:bodyPr/>
+          <a:lstStyle/>
+          <a:p>
+            <a:endParaRPr kumimoji="1" lang="ko-KR" altLang="en-US"/>
+          </a:p>
+        </p:txBody>
+      </p:sp>
+      <p:pic>
+        <p:nvPicPr>
+          <p:cNvPr id="5" name="내용 개체 틀 4">
+            <a:extLst>
+              <a:ext uri="{FF2B5EF4-FFF2-40B4-BE49-F238E27FC236}">
+                <a16:creationId xmlns:a16="http://schemas.microsoft.com/office/drawing/2014/main" id="{A6B383C2-A41D-BC44-8493-C5AE915F864E}"/>
+              </a:ext>
+            </a:extLst>
+          </p:cNvPr>
+          <p:cNvPicPr>
+            <a:picLocks noGrp="1" noChangeAspect="1"/>
+          </p:cNvPicPr>
+          <p:nvPr>
+            <p:ph idx="1"/>
+          </p:nvPr>
+        </p:nvPicPr>
+        <p:blipFill>
+          <a:blip r:embed="rId2"/>
+          <a:stretch>
+            <a:fillRect/>
+          </a:stretch>
+        </p:blipFill>
+        <p:spPr>
+          <a:xfrm>
+            <a:off x="76464" y="73573"/>
+            <a:ext cx="11957881" cy="6610078"/>
+          </a:xfrm>
+        </p:spPr>
+      </p:pic>
+    </p:spTree>
+    <p:extLst>
+      <p:ext uri="{BB962C8B-B14F-4D97-AF65-F5344CB8AC3E}">
+        <p14:creationId xmlns:p14="http://schemas.microsoft.com/office/powerpoint/2010/main" val="859600410"/>
+      </p:ext>
+    </p:extLst>
+  </p:cSld>
+  <p:clrMapOvr>
+    <a:masterClrMapping/>
+  </p:clrMapOvr>
+</p:sld>
+</file>
+
+<file path=ppt/slides/slide26.xml><?xml version="1.0" encoding="utf-8"?>
+<p:sld xmlns:a="http://schemas.openxmlformats.org/drawingml/2006/main" xmlns:r="http://schemas.openxmlformats.org/officeDocument/2006/relationships" xmlns:p="http://schemas.openxmlformats.org/presentationml/2006/main">
+  <p:cSld>
+    <p:spTree>
+      <p:nvGrpSpPr>
+        <p:cNvPr id="1" name=""/>
+        <p:cNvGrpSpPr/>
+        <p:nvPr/>
+      </p:nvGrpSpPr>
+      <p:grpSpPr>
+        <a:xfrm>
+          <a:off x="0" y="0"/>
+          <a:ext cx="0" cy="0"/>
+          <a:chOff x="0" y="0"/>
+          <a:chExt cx="0" cy="0"/>
+        </a:xfrm>
+      </p:grpSpPr>
+      <p:sp>
+        <p:nvSpPr>
+          <p:cNvPr id="2" name="제목 1">
+            <a:extLst>
+              <a:ext uri="{FF2B5EF4-FFF2-40B4-BE49-F238E27FC236}">
+                <a16:creationId xmlns:a16="http://schemas.microsoft.com/office/drawing/2014/main" id="{A896220B-A2E5-144C-BAAC-75335EB75370}"/>
+              </a:ext>
+            </a:extLst>
+          </p:cNvPr>
+          <p:cNvSpPr>
+            <a:spLocks noGrp="1"/>
+          </p:cNvSpPr>
+          <p:nvPr>
+            <p:ph type="title"/>
+          </p:nvPr>
+        </p:nvSpPr>
+        <p:spPr/>
+        <p:txBody>
+          <a:bodyPr/>
+          <a:lstStyle/>
+          <a:p>
+            <a:endParaRPr kumimoji="1" lang="ko-KR" altLang="en-US"/>
+          </a:p>
+        </p:txBody>
+      </p:sp>
+      <p:pic>
+        <p:nvPicPr>
+          <p:cNvPr id="5" name="내용 개체 틀 4">
+            <a:extLst>
+              <a:ext uri="{FF2B5EF4-FFF2-40B4-BE49-F238E27FC236}">
+                <a16:creationId xmlns:a16="http://schemas.microsoft.com/office/drawing/2014/main" id="{666E42C9-64EC-DD47-B1D5-41DB5689A54A}"/>
+              </a:ext>
+            </a:extLst>
+          </p:cNvPr>
+          <p:cNvPicPr>
+            <a:picLocks noGrp="1" noChangeAspect="1"/>
+          </p:cNvPicPr>
+          <p:nvPr>
+            <p:ph idx="1"/>
+          </p:nvPr>
+        </p:nvPicPr>
+        <p:blipFill>
+          <a:blip r:embed="rId2"/>
+          <a:stretch>
+            <a:fillRect/>
+          </a:stretch>
+        </p:blipFill>
+        <p:spPr>
+          <a:xfrm>
+            <a:off x="216853" y="676599"/>
+            <a:ext cx="11755118" cy="5680841"/>
+          </a:xfrm>
+        </p:spPr>
+      </p:pic>
+    </p:spTree>
+    <p:extLst>
+      <p:ext uri="{BB962C8B-B14F-4D97-AF65-F5344CB8AC3E}">
+        <p14:creationId xmlns:p14="http://schemas.microsoft.com/office/powerpoint/2010/main" val="3256660935"/>
+      </p:ext>
+    </p:extLst>
+  </p:cSld>
+  <p:clrMapOvr>
+    <a:masterClrMapping/>
+  </p:clrMapOvr>
+</p:sld>
+</file>
+
+<file path=ppt/slides/slide27.xml><?xml version="1.0" encoding="utf-8"?>
+<p:sld xmlns:a="http://schemas.openxmlformats.org/drawingml/2006/main" xmlns:r="http://schemas.openxmlformats.org/officeDocument/2006/relationships" xmlns:p="http://schemas.openxmlformats.org/presentationml/2006/main">
+  <p:cSld>
+    <p:spTree>
+      <p:nvGrpSpPr>
+        <p:cNvPr id="1" name=""/>
+        <p:cNvGrpSpPr/>
+        <p:nvPr/>
+      </p:nvGrpSpPr>
+      <p:grpSpPr>
+        <a:xfrm>
+          <a:off x="0" y="0"/>
+          <a:ext cx="0" cy="0"/>
+          <a:chOff x="0" y="0"/>
+          <a:chExt cx="0" cy="0"/>
+        </a:xfrm>
+      </p:grpSpPr>
+      <p:sp>
+        <p:nvSpPr>
+          <p:cNvPr id="2" name="제목 1">
+            <a:extLst>
+              <a:ext uri="{FF2B5EF4-FFF2-40B4-BE49-F238E27FC236}">
+                <a16:creationId xmlns:a16="http://schemas.microsoft.com/office/drawing/2014/main" id="{0E87FEE0-543F-9246-B7A9-5B67A89C906C}"/>
+              </a:ext>
+            </a:extLst>
+          </p:cNvPr>
+          <p:cNvSpPr>
+            <a:spLocks noGrp="1"/>
+          </p:cNvSpPr>
+          <p:nvPr>
+            <p:ph type="title"/>
+          </p:nvPr>
+        </p:nvSpPr>
+        <p:spPr/>
+        <p:txBody>
+          <a:bodyPr/>
+          <a:lstStyle/>
+          <a:p>
+            <a:r>
+              <a:rPr kumimoji="1" lang="en-US" altLang="ko-KR" dirty="0"/>
+              <a:t>Various office 365 service </a:t>
+            </a:r>
+            <a:r>
+              <a:rPr kumimoji="1" lang="en-US" altLang="ko-KR"/>
+              <a:t>- Planner</a:t>
+            </a:r>
+            <a:endParaRPr kumimoji="1" lang="ko-KR" altLang="en-US" dirty="0"/>
+          </a:p>
+        </p:txBody>
+      </p:sp>
+      <p:pic>
+        <p:nvPicPr>
+          <p:cNvPr id="5" name="내용 개체 틀 4">
+            <a:extLst>
+              <a:ext uri="{FF2B5EF4-FFF2-40B4-BE49-F238E27FC236}">
+                <a16:creationId xmlns:a16="http://schemas.microsoft.com/office/drawing/2014/main" id="{4843B090-78A9-5241-A11B-B559A8277F9A}"/>
+              </a:ext>
+            </a:extLst>
+          </p:cNvPr>
+          <p:cNvPicPr>
+            <a:picLocks noGrp="1" noChangeAspect="1"/>
+          </p:cNvPicPr>
+          <p:nvPr>
+            <p:ph idx="1"/>
+          </p:nvPr>
+        </p:nvPicPr>
+        <p:blipFill>
+          <a:blip r:embed="rId2"/>
+          <a:stretch>
+            <a:fillRect/>
+          </a:stretch>
+        </p:blipFill>
+        <p:spPr>
+          <a:xfrm>
+            <a:off x="1141413" y="1533218"/>
+            <a:ext cx="9172084" cy="5324782"/>
+          </a:xfrm>
+        </p:spPr>
+      </p:pic>
+    </p:spTree>
+    <p:extLst>
+      <p:ext uri="{BB962C8B-B14F-4D97-AF65-F5344CB8AC3E}">
+        <p14:creationId xmlns:p14="http://schemas.microsoft.com/office/powerpoint/2010/main" val="1250405675"/>
+      </p:ext>
+    </p:extLst>
+  </p:cSld>
+  <p:clrMapOvr>
+    <a:masterClrMapping/>
+  </p:clrMapOvr>
+</p:sld>
+</file>
+
 <file path=ppt/slides/slide3.xml><?xml version="1.0" encoding="utf-8"?>
 <p:sld xmlns:a="http://schemas.openxmlformats.org/drawingml/2006/main" xmlns:r="http://schemas.openxmlformats.org/officeDocument/2006/relationships" xmlns:p="http://schemas.openxmlformats.org/presentationml/2006/main">
   <p:cSld>
@@ -13462,51 +14252,8 @@
             </a:pPr>
             <a:r>
               <a:rPr kumimoji="1" lang="en-US" altLang="ko-KR" dirty="0"/>
-              <a:t>Self-Service?</a:t>
+              <a:t>Self-Service</a:t>
             </a:r>
-          </a:p>
-          <a:p>
-            <a:pPr marL="457200" indent="-457200">
-              <a:buAutoNum type="arabicPeriod"/>
-            </a:pPr>
-            <a:r>
-              <a:rPr kumimoji="1" lang="en-US" altLang="ko-KR" dirty="0"/>
-              <a:t>Idk</a:t>
-            </a:r>
-          </a:p>
-          <a:p>
-            <a:pPr marL="457200" indent="-457200">
-              <a:buAutoNum type="arabicPeriod"/>
-            </a:pPr>
-            <a:r>
-              <a:rPr kumimoji="1" lang="en-US" altLang="ko-KR" dirty="0"/>
-              <a:t>App Store</a:t>
-            </a:r>
-          </a:p>
-          <a:p>
-            <a:pPr marL="457200" indent="-457200">
-              <a:buAutoNum type="arabicPeriod"/>
-            </a:pPr>
-            <a:r>
-              <a:rPr kumimoji="1" lang="en-US" altLang="ko-KR" dirty="0"/>
-              <a:t>Torrent?</a:t>
-            </a:r>
-          </a:p>
-          <a:p>
-            <a:pPr marL="457200" indent="-457200">
-              <a:buAutoNum type="arabicPeriod"/>
-            </a:pPr>
-            <a:r>
-              <a:rPr kumimoji="1" lang="en-US" altLang="ko-KR"/>
-              <a:t>Microsoft Office 365..?</a:t>
-            </a:r>
-            <a:endParaRPr kumimoji="1" lang="en-US" altLang="ko-KR" dirty="0"/>
-          </a:p>
-          <a:p>
-            <a:pPr marL="457200" indent="-457200">
-              <a:buAutoNum type="arabicPeriod"/>
-            </a:pPr>
-            <a:endParaRPr kumimoji="1" lang="ko-KR" altLang="en-US" dirty="0"/>
           </a:p>
         </p:txBody>
       </p:sp>

--- a/MSOffice.pptx
+++ b/MSOffice.pptx
@@ -26,9 +26,6 @@
     <p:sldId id="293" r:id="rId20"/>
     <p:sldId id="294" r:id="rId21"/>
     <p:sldId id="295" r:id="rId22"/>
-    <p:sldId id="296" r:id="rId23"/>
-    <p:sldId id="297" r:id="rId24"/>
-    <p:sldId id="298" r:id="rId25"/>
   </p:sldIdLst>
   <p:sldSz cx="12192000" cy="6858000"/>
   <p:notesSz cx="6858000" cy="9144000"/>
@@ -4422,7 +4419,7 @@
           <a:p>
             <a:fld id="{48A87A34-81AB-432B-8DAE-1953F412C126}" type="datetimeFigureOut">
               <a:rPr lang="en-US" dirty="0"/>
-              <a:t>6/5/18</a:t>
+              <a:t>10/11/18</a:t>
             </a:fld>
             <a:endParaRPr lang="en-US" dirty="0"/>
           </a:p>
@@ -4684,7 +4681,7 @@
           <a:p>
             <a:fld id="{48A87A34-81AB-432B-8DAE-1953F412C126}" type="datetimeFigureOut">
               <a:rPr lang="en-US" dirty="0"/>
-              <a:t>6/5/18</a:t>
+              <a:t>10/11/18</a:t>
             </a:fld>
             <a:endParaRPr lang="en-US" dirty="0"/>
           </a:p>
@@ -4875,7 +4872,7 @@
           <a:p>
             <a:fld id="{48A87A34-81AB-432B-8DAE-1953F412C126}" type="datetimeFigureOut">
               <a:rPr lang="en-US" dirty="0"/>
-              <a:t>6/5/18</a:t>
+              <a:t>10/11/18</a:t>
             </a:fld>
             <a:endParaRPr lang="en-US" dirty="0"/>
           </a:p>
@@ -5133,7 +5130,7 @@
           <a:p>
             <a:fld id="{48A87A34-81AB-432B-8DAE-1953F412C126}" type="datetimeFigureOut">
               <a:rPr lang="en-US" dirty="0"/>
-              <a:t>6/5/18</a:t>
+              <a:t>10/11/18</a:t>
             </a:fld>
             <a:endParaRPr lang="en-US" dirty="0"/>
           </a:p>
@@ -5562,7 +5559,7 @@
           <a:p>
             <a:fld id="{48A87A34-81AB-432B-8DAE-1953F412C126}" type="datetimeFigureOut">
               <a:rPr lang="en-US" dirty="0"/>
-              <a:t>6/5/18</a:t>
+              <a:t>10/11/18</a:t>
             </a:fld>
             <a:endParaRPr lang="en-US" dirty="0"/>
           </a:p>
@@ -6103,7 +6100,7 @@
           <a:p>
             <a:fld id="{48A87A34-81AB-432B-8DAE-1953F412C126}" type="datetimeFigureOut">
               <a:rPr lang="en-US" dirty="0"/>
-              <a:t>6/5/18</a:t>
+              <a:t>10/11/18</a:t>
             </a:fld>
             <a:endParaRPr lang="en-US" dirty="0"/>
           </a:p>
@@ -6818,7 +6815,7 @@
           <a:p>
             <a:fld id="{48A87A34-81AB-432B-8DAE-1953F412C126}" type="datetimeFigureOut">
               <a:rPr lang="en-US" dirty="0"/>
-              <a:t>6/5/18</a:t>
+              <a:t>10/11/18</a:t>
             </a:fld>
             <a:endParaRPr lang="en-US" dirty="0"/>
           </a:p>
@@ -6983,7 +6980,7 @@
           <a:p>
             <a:fld id="{48A87A34-81AB-432B-8DAE-1953F412C126}" type="datetimeFigureOut">
               <a:rPr lang="en-US" dirty="0"/>
-              <a:t>6/5/18</a:t>
+              <a:t>10/11/18</a:t>
             </a:fld>
             <a:endParaRPr lang="en-US" dirty="0"/>
           </a:p>
@@ -7158,7 +7155,7 @@
           <a:p>
             <a:fld id="{48A87A34-81AB-432B-8DAE-1953F412C126}" type="datetimeFigureOut">
               <a:rPr lang="en-US" dirty="0"/>
-              <a:t>6/5/18</a:t>
+              <a:t>10/11/18</a:t>
             </a:fld>
             <a:endParaRPr lang="en-US" dirty="0"/>
           </a:p>
@@ -7323,7 +7320,7 @@
           <a:p>
             <a:fld id="{48A87A34-81AB-432B-8DAE-1953F412C126}" type="datetimeFigureOut">
               <a:rPr lang="en-US" dirty="0"/>
-              <a:t>6/5/18</a:t>
+              <a:t>10/11/18</a:t>
             </a:fld>
             <a:endParaRPr lang="en-US" dirty="0"/>
           </a:p>
@@ -7568,7 +7565,7 @@
           <a:p>
             <a:fld id="{48A87A34-81AB-432B-8DAE-1953F412C126}" type="datetimeFigureOut">
               <a:rPr lang="en-US" dirty="0"/>
-              <a:t>6/5/18</a:t>
+              <a:t>10/11/18</a:t>
             </a:fld>
             <a:endParaRPr lang="en-US" dirty="0"/>
           </a:p>
@@ -7795,7 +7792,7 @@
           <a:p>
             <a:fld id="{48A87A34-81AB-432B-8DAE-1953F412C126}" type="datetimeFigureOut">
               <a:rPr lang="en-US" dirty="0"/>
-              <a:t>6/5/18</a:t>
+              <a:t>10/11/18</a:t>
             </a:fld>
             <a:endParaRPr lang="en-US" dirty="0"/>
           </a:p>
@@ -8171,7 +8168,7 @@
           <a:p>
             <a:fld id="{48A87A34-81AB-432B-8DAE-1953F412C126}" type="datetimeFigureOut">
               <a:rPr lang="en-US" dirty="0"/>
-              <a:t>6/5/18</a:t>
+              <a:t>10/11/18</a:t>
             </a:fld>
             <a:endParaRPr lang="en-US" dirty="0"/>
           </a:p>
@@ -8284,7 +8281,7 @@
           <a:p>
             <a:fld id="{48A87A34-81AB-432B-8DAE-1953F412C126}" type="datetimeFigureOut">
               <a:rPr lang="en-US" dirty="0"/>
-              <a:t>6/5/18</a:t>
+              <a:t>10/11/18</a:t>
             </a:fld>
             <a:endParaRPr lang="en-US" dirty="0"/>
           </a:p>
@@ -8374,7 +8371,7 @@
           <a:p>
             <a:fld id="{48A87A34-81AB-432B-8DAE-1953F412C126}" type="datetimeFigureOut">
               <a:rPr lang="en-US" dirty="0"/>
-              <a:t>6/5/18</a:t>
+              <a:t>10/11/18</a:t>
             </a:fld>
             <a:endParaRPr lang="en-US" dirty="0"/>
           </a:p>
@@ -8618,7 +8615,7 @@
           <a:p>
             <a:fld id="{48A87A34-81AB-432B-8DAE-1953F412C126}" type="datetimeFigureOut">
               <a:rPr lang="en-US" dirty="0"/>
-              <a:t>6/5/18</a:t>
+              <a:t>10/11/18</a:t>
             </a:fld>
             <a:endParaRPr lang="en-US" dirty="0"/>
           </a:p>
@@ -8893,7 +8890,7 @@
           <a:p>
             <a:fld id="{48A87A34-81AB-432B-8DAE-1953F412C126}" type="datetimeFigureOut">
               <a:rPr lang="en-US" dirty="0"/>
-              <a:t>6/5/18</a:t>
+              <a:t>10/11/18</a:t>
             </a:fld>
             <a:endParaRPr lang="en-US" dirty="0"/>
           </a:p>
@@ -11966,7 +11963,7 @@
             <a:fld id="{48A87A34-81AB-432B-8DAE-1953F412C126}" type="datetimeFigureOut">
               <a:rPr lang="en-US" dirty="0"/>
               <a:pPr/>
-              <a:t>6/5/18</a:t>
+              <a:t>10/11/18</a:t>
             </a:fld>
             <a:endParaRPr lang="en-US" dirty="0"/>
           </a:p>
@@ -12474,10 +12471,10 @@
       </p:grpSpPr>
       <p:sp>
         <p:nvSpPr>
-          <p:cNvPr id="2" name="제목 1">
+          <p:cNvPr id="5" name="제목 4">
             <a:extLst>
               <a:ext uri="{FF2B5EF4-FFF2-40B4-BE49-F238E27FC236}">
-                <a16:creationId xmlns:a16="http://schemas.microsoft.com/office/drawing/2014/main" id="{1264C97E-4B3A-E344-9AF3-B8096D408F3D}"/>
+                <a16:creationId xmlns:a16="http://schemas.microsoft.com/office/drawing/2014/main" id="{CABC30E8-90C8-3747-B7A3-D7B41FC9981A}"/>
               </a:ext>
             </a:extLst>
           </p:cNvPr>
@@ -12493,16 +12490,28 @@
           <a:bodyPr/>
           <a:lstStyle/>
           <a:p>
-            <a:endParaRPr kumimoji="1" lang="ko-KR" altLang="en-US"/>
+            <a:r>
+              <a:rPr kumimoji="1" lang="en-US" altLang="ko-KR" dirty="0"/>
+              <a:t>Why is </a:t>
+            </a:r>
+            <a:r>
+              <a:rPr kumimoji="1" lang="en-US" altLang="ko-KR" dirty="0" err="1"/>
+              <a:t>onedrive</a:t>
+            </a:r>
+            <a:r>
+              <a:rPr kumimoji="1" lang="en-US" altLang="ko-KR" dirty="0"/>
+              <a:t> important?</a:t>
+            </a:r>
+            <a:endParaRPr kumimoji="1" lang="ko-KR" altLang="en-US" dirty="0"/>
           </a:p>
         </p:txBody>
       </p:sp>
       <p:sp>
         <p:nvSpPr>
-          <p:cNvPr id="3" name="내용 개체 틀 2">
+          <p:cNvPr id="6" name="내용 개체 틀 5">
             <a:extLst>
               <a:ext uri="{FF2B5EF4-FFF2-40B4-BE49-F238E27FC236}">
-                <a16:creationId xmlns:a16="http://schemas.microsoft.com/office/drawing/2014/main" id="{0BA48772-FA7A-394F-B10C-9987EB630970}"/>
+                <a16:creationId xmlns:a16="http://schemas.microsoft.com/office/drawing/2014/main" id="{7829A173-4405-904C-B3CE-F302F89B4B93}"/>
               </a:ext>
             </a:extLst>
           </p:cNvPr>
@@ -12510,7 +12519,7 @@
             <a:spLocks noGrp="1"/>
           </p:cNvSpPr>
           <p:nvPr>
-            <p:ph sz="half" idx="1"/>
+            <p:ph idx="1"/>
           </p:nvPr>
         </p:nvSpPr>
         <p:spPr/>
@@ -12518,32 +12527,45 @@
           <a:bodyPr/>
           <a:lstStyle/>
           <a:p>
-            <a:endParaRPr kumimoji="1" lang="ko-KR" altLang="en-US"/>
-          </a:p>
-        </p:txBody>
-      </p:sp>
-      <p:sp>
-        <p:nvSpPr>
-          <p:cNvPr id="4" name="내용 개체 틀 3">
-            <a:extLst>
-              <a:ext uri="{FF2B5EF4-FFF2-40B4-BE49-F238E27FC236}">
-                <a16:creationId xmlns:a16="http://schemas.microsoft.com/office/drawing/2014/main" id="{39590BB7-CC95-8E40-9897-604BB7312E96}"/>
-              </a:ext>
-            </a:extLst>
-          </p:cNvPr>
-          <p:cNvSpPr>
-            <a:spLocks noGrp="1"/>
-          </p:cNvSpPr>
-          <p:nvPr>
-            <p:ph sz="half" idx="2"/>
-          </p:nvPr>
-        </p:nvSpPr>
-        <p:spPr/>
-        <p:txBody>
-          <a:bodyPr/>
-          <a:lstStyle/>
-          <a:p>
-            <a:endParaRPr kumimoji="1" lang="ko-KR" altLang="en-US"/>
+            <a:pPr marL="0" indent="0">
+              <a:buNone/>
+            </a:pPr>
+            <a:r>
+              <a:rPr kumimoji="1" lang="en-US" altLang="ko-KR" dirty="0"/>
+              <a:t>Even when your computer is:</a:t>
+            </a:r>
+          </a:p>
+          <a:p>
+            <a:pPr marL="0" indent="0">
+              <a:buNone/>
+            </a:pPr>
+            <a:r>
+              <a:rPr kumimoji="1" lang="en-US" altLang="ko-KR" dirty="0"/>
+              <a:t>blown up, trolled by others, hacked, burned, crashed, jammed by EMP, pierced through by an object, exploded, filled in water, deleted, become a metal junk, melted, and </a:t>
+            </a:r>
+            <a:r>
+              <a:rPr kumimoji="1" lang="en-US" altLang="ko-KR" dirty="0" err="1"/>
+              <a:t>etc</a:t>
+            </a:r>
+            <a:r>
+              <a:rPr kumimoji="1" lang="en-US" altLang="ko-KR" dirty="0"/>
+              <a:t>,</a:t>
+            </a:r>
+          </a:p>
+          <a:p>
+            <a:pPr marL="0" indent="0">
+              <a:buNone/>
+            </a:pPr>
+            <a:r>
+              <a:rPr kumimoji="1" lang="en-US" altLang="ko-KR" dirty="0"/>
+              <a:t>You always can access to OneDrive any time any day.</a:t>
+            </a:r>
+          </a:p>
+          <a:p>
+            <a:pPr marL="0" indent="0">
+              <a:buNone/>
+            </a:pPr>
+            <a:endParaRPr kumimoji="1" lang="en-US" altLang="ko-KR" dirty="0"/>
           </a:p>
         </p:txBody>
       </p:sp>
@@ -13735,348 +13757,6 @@
 </p:sld>
 </file>
 
-<file path=ppt/slides/slide22.xml><?xml version="1.0" encoding="utf-8"?>
-<p:sld xmlns:a="http://schemas.openxmlformats.org/drawingml/2006/main" xmlns:r="http://schemas.openxmlformats.org/officeDocument/2006/relationships" xmlns:p="http://schemas.openxmlformats.org/presentationml/2006/main">
-  <p:cSld>
-    <p:spTree>
-      <p:nvGrpSpPr>
-        <p:cNvPr id="1" name=""/>
-        <p:cNvGrpSpPr/>
-        <p:nvPr/>
-      </p:nvGrpSpPr>
-      <p:grpSpPr>
-        <a:xfrm>
-          <a:off x="0" y="0"/>
-          <a:ext cx="0" cy="0"/>
-          <a:chOff x="0" y="0"/>
-          <a:chExt cx="0" cy="0"/>
-        </a:xfrm>
-      </p:grpSpPr>
-      <p:sp>
-        <p:nvSpPr>
-          <p:cNvPr id="2" name="Title 1">
-            <a:extLst>
-              <a:ext uri="{FF2B5EF4-FFF2-40B4-BE49-F238E27FC236}">
-                <a16:creationId xmlns:a16="http://schemas.microsoft.com/office/drawing/2014/main" id="{308E8D4B-7E35-E947-8DED-07B0683C0FC9}"/>
-              </a:ext>
-            </a:extLst>
-          </p:cNvPr>
-          <p:cNvSpPr>
-            <a:spLocks noGrp="1"/>
-          </p:cNvSpPr>
-          <p:nvPr>
-            <p:ph type="title"/>
-          </p:nvPr>
-        </p:nvSpPr>
-        <p:spPr/>
-        <p:txBody>
-          <a:bodyPr/>
-          <a:lstStyle/>
-          <a:p>
-            <a:r>
-              <a:rPr lang="en-US" dirty="0"/>
-              <a:t>MS Word</a:t>
-            </a:r>
-          </a:p>
-        </p:txBody>
-      </p:sp>
-      <p:sp>
-        <p:nvSpPr>
-          <p:cNvPr id="3" name="Content Placeholder 2">
-            <a:extLst>
-              <a:ext uri="{FF2B5EF4-FFF2-40B4-BE49-F238E27FC236}">
-                <a16:creationId xmlns:a16="http://schemas.microsoft.com/office/drawing/2014/main" id="{B4416D2F-B03F-AB49-931C-B1C1CED0F56B}"/>
-              </a:ext>
-            </a:extLst>
-          </p:cNvPr>
-          <p:cNvSpPr>
-            <a:spLocks noGrp="1"/>
-          </p:cNvSpPr>
-          <p:nvPr>
-            <p:ph idx="1"/>
-          </p:nvPr>
-        </p:nvSpPr>
-        <p:spPr/>
-        <p:txBody>
-          <a:bodyPr numCol="2">
-            <a:normAutofit/>
-          </a:bodyPr>
-          <a:lstStyle/>
-          <a:p>
-            <a:r>
-              <a:rPr lang="en-US" dirty="0"/>
-              <a:t>Page breaks</a:t>
-            </a:r>
-          </a:p>
-          <a:p>
-            <a:r>
-              <a:rPr lang="en-US" dirty="0"/>
-              <a:t>Format painter</a:t>
-            </a:r>
-          </a:p>
-          <a:p>
-            <a:r>
-              <a:rPr lang="en-US" dirty="0"/>
-              <a:t>Built-in styling</a:t>
-            </a:r>
-          </a:p>
-          <a:p>
-            <a:r>
-              <a:rPr lang="en-US" dirty="0"/>
-              <a:t>Table of contents</a:t>
-            </a:r>
-          </a:p>
-          <a:p>
-            <a:r>
-              <a:rPr lang="en-US" dirty="0"/>
-              <a:t>Citations</a:t>
-            </a:r>
-          </a:p>
-          <a:p>
-            <a:r>
-              <a:rPr lang="en-US" dirty="0"/>
-              <a:t>Protect documents</a:t>
-            </a:r>
-          </a:p>
-          <a:p>
-            <a:r>
-              <a:rPr lang="en-US" dirty="0"/>
-              <a:t>Headers and footers</a:t>
-            </a:r>
-          </a:p>
-          <a:p>
-            <a:r>
-              <a:rPr lang="en-US" dirty="0"/>
-              <a:t>Equations</a:t>
-            </a:r>
-          </a:p>
-        </p:txBody>
-      </p:sp>
-    </p:spTree>
-    <p:extLst>
-      <p:ext uri="{BB962C8B-B14F-4D97-AF65-F5344CB8AC3E}">
-        <p14:creationId xmlns:p14="http://schemas.microsoft.com/office/powerpoint/2010/main" val="2977068792"/>
-      </p:ext>
-    </p:extLst>
-  </p:cSld>
-  <p:clrMapOvr>
-    <a:masterClrMapping/>
-  </p:clrMapOvr>
-</p:sld>
-</file>
-
-<file path=ppt/slides/slide23.xml><?xml version="1.0" encoding="utf-8"?>
-<p:sld xmlns:a="http://schemas.openxmlformats.org/drawingml/2006/main" xmlns:r="http://schemas.openxmlformats.org/officeDocument/2006/relationships" xmlns:p="http://schemas.openxmlformats.org/presentationml/2006/main">
-  <p:cSld>
-    <p:spTree>
-      <p:nvGrpSpPr>
-        <p:cNvPr id="1" name=""/>
-        <p:cNvGrpSpPr/>
-        <p:nvPr/>
-      </p:nvGrpSpPr>
-      <p:grpSpPr>
-        <a:xfrm>
-          <a:off x="0" y="0"/>
-          <a:ext cx="0" cy="0"/>
-          <a:chOff x="0" y="0"/>
-          <a:chExt cx="0" cy="0"/>
-        </a:xfrm>
-      </p:grpSpPr>
-      <p:sp>
-        <p:nvSpPr>
-          <p:cNvPr id="2" name="Title 1">
-            <a:extLst>
-              <a:ext uri="{FF2B5EF4-FFF2-40B4-BE49-F238E27FC236}">
-                <a16:creationId xmlns:a16="http://schemas.microsoft.com/office/drawing/2014/main" id="{308E8D4B-7E35-E947-8DED-07B0683C0FC9}"/>
-              </a:ext>
-            </a:extLst>
-          </p:cNvPr>
-          <p:cNvSpPr>
-            <a:spLocks noGrp="1"/>
-          </p:cNvSpPr>
-          <p:nvPr>
-            <p:ph type="title"/>
-          </p:nvPr>
-        </p:nvSpPr>
-        <p:spPr/>
-        <p:txBody>
-          <a:bodyPr/>
-          <a:lstStyle/>
-          <a:p>
-            <a:r>
-              <a:rPr lang="en-US" dirty="0"/>
-              <a:t>MS Excel</a:t>
-            </a:r>
-          </a:p>
-        </p:txBody>
-      </p:sp>
-      <p:sp>
-        <p:nvSpPr>
-          <p:cNvPr id="3" name="Content Placeholder 2">
-            <a:extLst>
-              <a:ext uri="{FF2B5EF4-FFF2-40B4-BE49-F238E27FC236}">
-                <a16:creationId xmlns:a16="http://schemas.microsoft.com/office/drawing/2014/main" id="{B4416D2F-B03F-AB49-931C-B1C1CED0F56B}"/>
-              </a:ext>
-            </a:extLst>
-          </p:cNvPr>
-          <p:cNvSpPr>
-            <a:spLocks noGrp="1"/>
-          </p:cNvSpPr>
-          <p:nvPr>
-            <p:ph idx="1"/>
-          </p:nvPr>
-        </p:nvSpPr>
-        <p:spPr/>
-        <p:txBody>
-          <a:bodyPr>
-            <a:normAutofit/>
-          </a:bodyPr>
-          <a:lstStyle/>
-          <a:p>
-            <a:r>
-              <a:rPr lang="en-US" dirty="0"/>
-              <a:t>Equations</a:t>
-            </a:r>
-          </a:p>
-          <a:p>
-            <a:r>
-              <a:rPr lang="en-US" dirty="0"/>
-              <a:t>Formatting (normal + conditional)</a:t>
-            </a:r>
-          </a:p>
-          <a:p>
-            <a:r>
-              <a:rPr lang="en-US" dirty="0"/>
-              <a:t>Data validation</a:t>
-            </a:r>
-          </a:p>
-          <a:p>
-            <a:r>
-              <a:rPr lang="en-US" dirty="0"/>
-              <a:t>Seek a goal</a:t>
-            </a:r>
-          </a:p>
-        </p:txBody>
-      </p:sp>
-    </p:spTree>
-    <p:extLst>
-      <p:ext uri="{BB962C8B-B14F-4D97-AF65-F5344CB8AC3E}">
-        <p14:creationId xmlns:p14="http://schemas.microsoft.com/office/powerpoint/2010/main" val="4130697562"/>
-      </p:ext>
-    </p:extLst>
-  </p:cSld>
-  <p:clrMapOvr>
-    <a:masterClrMapping/>
-  </p:clrMapOvr>
-</p:sld>
-</file>
-
-<file path=ppt/slides/slide24.xml><?xml version="1.0" encoding="utf-8"?>
-<p:sld xmlns:a="http://schemas.openxmlformats.org/drawingml/2006/main" xmlns:r="http://schemas.openxmlformats.org/officeDocument/2006/relationships" xmlns:p="http://schemas.openxmlformats.org/presentationml/2006/main">
-  <p:cSld>
-    <p:spTree>
-      <p:nvGrpSpPr>
-        <p:cNvPr id="1" name=""/>
-        <p:cNvGrpSpPr/>
-        <p:nvPr/>
-      </p:nvGrpSpPr>
-      <p:grpSpPr>
-        <a:xfrm>
-          <a:off x="0" y="0"/>
-          <a:ext cx="0" cy="0"/>
-          <a:chOff x="0" y="0"/>
-          <a:chExt cx="0" cy="0"/>
-        </a:xfrm>
-      </p:grpSpPr>
-      <p:sp>
-        <p:nvSpPr>
-          <p:cNvPr id="2" name="Title 1">
-            <a:extLst>
-              <a:ext uri="{FF2B5EF4-FFF2-40B4-BE49-F238E27FC236}">
-                <a16:creationId xmlns:a16="http://schemas.microsoft.com/office/drawing/2014/main" id="{308E8D4B-7E35-E947-8DED-07B0683C0FC9}"/>
-              </a:ext>
-            </a:extLst>
-          </p:cNvPr>
-          <p:cNvSpPr>
-            <a:spLocks noGrp="1"/>
-          </p:cNvSpPr>
-          <p:nvPr>
-            <p:ph type="title"/>
-          </p:nvPr>
-        </p:nvSpPr>
-        <p:spPr/>
-        <p:txBody>
-          <a:bodyPr/>
-          <a:lstStyle/>
-          <a:p>
-            <a:r>
-              <a:rPr lang="en-US" dirty="0"/>
-              <a:t>MS PowerPoint</a:t>
-            </a:r>
-          </a:p>
-        </p:txBody>
-      </p:sp>
-      <p:sp>
-        <p:nvSpPr>
-          <p:cNvPr id="3" name="Content Placeholder 2">
-            <a:extLst>
-              <a:ext uri="{FF2B5EF4-FFF2-40B4-BE49-F238E27FC236}">
-                <a16:creationId xmlns:a16="http://schemas.microsoft.com/office/drawing/2014/main" id="{B4416D2F-B03F-AB49-931C-B1C1CED0F56B}"/>
-              </a:ext>
-            </a:extLst>
-          </p:cNvPr>
-          <p:cNvSpPr>
-            <a:spLocks noGrp="1"/>
-          </p:cNvSpPr>
-          <p:nvPr>
-            <p:ph idx="1"/>
-          </p:nvPr>
-        </p:nvSpPr>
-        <p:spPr/>
-        <p:txBody>
-          <a:bodyPr>
-            <a:normAutofit/>
-          </a:bodyPr>
-          <a:lstStyle/>
-          <a:p>
-            <a:r>
-              <a:rPr lang="en-US" dirty="0"/>
-              <a:t>Slide master</a:t>
-            </a:r>
-          </a:p>
-          <a:p>
-            <a:r>
-              <a:rPr lang="en-US" dirty="0"/>
-              <a:t>SmartArt</a:t>
-            </a:r>
-          </a:p>
-          <a:p>
-            <a:r>
-              <a:rPr lang="en-US" dirty="0"/>
-              <a:t>Transitions and animations</a:t>
-            </a:r>
-          </a:p>
-          <a:p>
-            <a:r>
-              <a:rPr lang="en-US" dirty="0"/>
-              <a:t>Links and actions</a:t>
-            </a:r>
-          </a:p>
-        </p:txBody>
-      </p:sp>
-    </p:spTree>
-    <p:extLst>
-      <p:ext uri="{BB962C8B-B14F-4D97-AF65-F5344CB8AC3E}">
-        <p14:creationId xmlns:p14="http://schemas.microsoft.com/office/powerpoint/2010/main" val="42691596"/>
-      </p:ext>
-    </p:extLst>
-  </p:cSld>
-  <p:clrMapOvr>
-    <a:masterClrMapping/>
-  </p:clrMapOvr>
-</p:sld>
-</file>
-
 <file path=ppt/slides/slide3.xml><?xml version="1.0" encoding="utf-8"?>
 <p:sld xmlns:a="http://schemas.openxmlformats.org/drawingml/2006/main" xmlns:r="http://schemas.openxmlformats.org/officeDocument/2006/relationships" xmlns:p="http://schemas.openxmlformats.org/presentationml/2006/main">
   <p:cSld>
@@ -14154,6 +13834,24 @@
             <a:r>
               <a:rPr kumimoji="1" lang="en-US" altLang="ko-KR" dirty="0"/>
               <a:t>Self-Service</a:t>
+            </a:r>
+          </a:p>
+          <a:p>
+            <a:pPr marL="457200" indent="-457200">
+              <a:buAutoNum type="arabicPeriod"/>
+            </a:pPr>
+            <a:r>
+              <a:rPr kumimoji="1" lang="en-US" altLang="ko-KR" dirty="0"/>
+              <a:t>Go to Tech Pagoda</a:t>
+            </a:r>
+          </a:p>
+          <a:p>
+            <a:pPr marL="457200" indent="-457200">
+              <a:buAutoNum type="arabicPeriod"/>
+            </a:pPr>
+            <a:r>
+              <a:rPr kumimoji="1" lang="en-US" altLang="ko-KR" dirty="0"/>
+              <a:t>Ask soes64121</a:t>
             </a:r>
           </a:p>
         </p:txBody>
